--- a/Project Status 3.pptx
+++ b/Project Status 3.pptx
@@ -13,6 +13,8 @@
     <p:sldId id="261" r:id="rId7"/>
     <p:sldId id="262" r:id="rId8"/>
     <p:sldId id="263" r:id="rId9"/>
+    <p:sldId id="264" r:id="rId10"/>
+    <p:sldId id="265" r:id="rId11"/>
   </p:sldIdLst>
   <p:sldSz cx="12192000" cy="6858000"/>
   <p:notesSz cx="6858000" cy="9144000"/>
@@ -122,7 +124,7 @@
 <file path=ppt/revisionInfo.xml><?xml version="1.0" encoding="utf-8"?>
 <p1510:revInfo xmlns:a="http://schemas.openxmlformats.org/drawingml/2006/main" xmlns:r="http://schemas.openxmlformats.org/officeDocument/2006/relationships" xmlns:p1510="http://schemas.microsoft.com/office/powerpoint/2015/10/main">
   <p1510:revLst>
-    <p1510:client id="{0B52C30F-47B7-45F5-B447-0988A3E48F6D}" v="148" dt="2018-07-06T12:15:22.308"/>
+    <p1510:client id="{0B52C30F-47B7-45F5-B447-0988A3E48F6D}" v="2084" dt="2018-07-06T12:47:14.158"/>
   </p1510:revLst>
 </p1510:revInfo>
 </file>
@@ -131,8 +133,8 @@
 <pc:chgInfo xmlns:a="http://schemas.openxmlformats.org/drawingml/2006/main" xmlns:r="http://schemas.openxmlformats.org/officeDocument/2006/relationships" xmlns:ac="http://schemas.microsoft.com/office/drawing/2013/main/command" xmlns:pc="http://schemas.microsoft.com/office/powerpoint/2013/main/command">
   <pc:docChgLst>
     <pc:chgData name="Arunabh Ghosh" userId="7064b204c6fa9c53" providerId="LiveId" clId="{0B52C30F-47B7-45F5-B447-0988A3E48F6D}"/>
-    <pc:docChg chg="addSld modSld">
-      <pc:chgData name="Arunabh Ghosh" userId="7064b204c6fa9c53" providerId="LiveId" clId="{0B52C30F-47B7-45F5-B447-0988A3E48F6D}" dt="2018-07-06T12:15:22.306" v="147"/>
+    <pc:docChg chg="undo custSel addSld modSld">
+      <pc:chgData name="Arunabh Ghosh" userId="7064b204c6fa9c53" providerId="LiveId" clId="{0B52C30F-47B7-45F5-B447-0988A3E48F6D}" dt="2018-07-06T12:47:14.158" v="2080" actId="26606"/>
       <pc:docMkLst>
         <pc:docMk/>
       </pc:docMkLst>
@@ -151,8 +153,8 @@
           </ac:spMkLst>
         </pc:spChg>
       </pc:sldChg>
-      <pc:sldChg chg="addSp delSp modSp modAnim">
-        <pc:chgData name="Arunabh Ghosh" userId="7064b204c6fa9c53" providerId="LiveId" clId="{0B52C30F-47B7-45F5-B447-0988A3E48F6D}" dt="2018-07-06T12:14:59.827" v="146"/>
+      <pc:sldChg chg="addSp delSp modSp delAnim modAnim">
+        <pc:chgData name="Arunabh Ghosh" userId="7064b204c6fa9c53" providerId="LiveId" clId="{0B52C30F-47B7-45F5-B447-0988A3E48F6D}" dt="2018-07-06T12:27:33.009" v="219"/>
         <pc:sldMkLst>
           <pc:docMk/>
           <pc:sldMk cId="412540867" sldId="262"/>
@@ -173,6 +175,14 @@
             <ac:spMk id="3" creationId="{6B8EF796-4921-3D49-9AED-35F1ADAB9318}"/>
           </ac:spMkLst>
         </pc:spChg>
+        <pc:spChg chg="add del mod">
+          <ac:chgData name="Arunabh Ghosh" userId="7064b204c6fa9c53" providerId="LiveId" clId="{0B52C30F-47B7-45F5-B447-0988A3E48F6D}" dt="2018-07-06T12:22:33.448" v="152"/>
+          <ac:spMkLst>
+            <pc:docMk/>
+            <pc:sldMk cId="412540867" sldId="262"/>
+            <ac:spMk id="4" creationId="{1B5B5954-17C9-48D8-9C8E-AA951A32EF57}"/>
+          </ac:spMkLst>
+        </pc:spChg>
         <pc:graphicFrameChg chg="add del mod">
           <ac:chgData name="Arunabh Ghosh" userId="7064b204c6fa9c53" providerId="LiveId" clId="{0B52C30F-47B7-45F5-B447-0988A3E48F6D}" dt="2018-07-06T12:04:03.541" v="18" actId="1032"/>
           <ac:graphicFrameMkLst>
@@ -189,8 +199,8 @@
             <ac:graphicFrameMk id="17" creationId="{D22F8253-7BBC-4317-A0EE-44A12A7D583E}"/>
           </ac:graphicFrameMkLst>
         </pc:graphicFrameChg>
-        <pc:picChg chg="add mod">
-          <ac:chgData name="Arunabh Ghosh" userId="7064b204c6fa9c53" providerId="LiveId" clId="{0B52C30F-47B7-45F5-B447-0988A3E48F6D}" dt="2018-07-06T12:10:51.294" v="109" actId="14100"/>
+        <pc:picChg chg="add del mod">
+          <ac:chgData name="Arunabh Ghosh" userId="7064b204c6fa9c53" providerId="LiveId" clId="{0B52C30F-47B7-45F5-B447-0988A3E48F6D}" dt="2018-07-06T12:21:39.739" v="151" actId="478"/>
           <ac:picMkLst>
             <pc:docMk/>
             <pc:sldMk cId="412540867" sldId="262"/>
@@ -198,15 +208,23 @@
           </ac:picMkLst>
         </pc:picChg>
         <pc:picChg chg="add mod">
-          <ac:chgData name="Arunabh Ghosh" userId="7064b204c6fa9c53" providerId="LiveId" clId="{0B52C30F-47B7-45F5-B447-0988A3E48F6D}" dt="2018-07-06T12:14:20.486" v="141" actId="1076"/>
+          <ac:chgData name="Arunabh Ghosh" userId="7064b204c6fa9c53" providerId="LiveId" clId="{0B52C30F-47B7-45F5-B447-0988A3E48F6D}" dt="2018-07-06T12:25:32.998" v="183" actId="14100"/>
+          <ac:picMkLst>
+            <pc:docMk/>
+            <pc:sldMk cId="412540867" sldId="262"/>
+            <ac:picMk id="7" creationId="{14934C8B-333A-47E6-99A5-574766FE31A0}"/>
+          </ac:picMkLst>
+        </pc:picChg>
+        <pc:picChg chg="add del mod">
+          <ac:chgData name="Arunabh Ghosh" userId="7064b204c6fa9c53" providerId="LiveId" clId="{0B52C30F-47B7-45F5-B447-0988A3E48F6D}" dt="2018-07-06T12:21:39.739" v="151" actId="478"/>
           <ac:picMkLst>
             <pc:docMk/>
             <pc:sldMk cId="412540867" sldId="262"/>
             <ac:picMk id="8" creationId="{A866A830-5B29-4552-A5A2-FB2B3D0C96D4}"/>
           </ac:picMkLst>
         </pc:picChg>
-        <pc:picChg chg="add mod">
-          <ac:chgData name="Arunabh Ghosh" userId="7064b204c6fa9c53" providerId="LiveId" clId="{0B52C30F-47B7-45F5-B447-0988A3E48F6D}" dt="2018-07-06T12:14:06.620" v="137" actId="1076"/>
+        <pc:picChg chg="add del mod">
+          <ac:chgData name="Arunabh Ghosh" userId="7064b204c6fa9c53" providerId="LiveId" clId="{0B52C30F-47B7-45F5-B447-0988A3E48F6D}" dt="2018-07-06T12:21:39.739" v="151" actId="478"/>
           <ac:picMkLst>
             <pc:docMk/>
             <pc:sldMk cId="412540867" sldId="262"/>
@@ -214,15 +232,23 @@
           </ac:picMkLst>
         </pc:picChg>
         <pc:picChg chg="add mod">
-          <ac:chgData name="Arunabh Ghosh" userId="7064b204c6fa9c53" providerId="LiveId" clId="{0B52C30F-47B7-45F5-B447-0988A3E48F6D}" dt="2018-07-06T12:14:09.970" v="138" actId="1076"/>
+          <ac:chgData name="Arunabh Ghosh" userId="7064b204c6fa9c53" providerId="LiveId" clId="{0B52C30F-47B7-45F5-B447-0988A3E48F6D}" dt="2018-07-06T12:25:41.073" v="187" actId="14100"/>
+          <ac:picMkLst>
+            <pc:docMk/>
+            <pc:sldMk cId="412540867" sldId="262"/>
+            <ac:picMk id="11" creationId="{D63291BE-98E9-425F-82AC-3CDAE0F55CE1}"/>
+          </ac:picMkLst>
+        </pc:picChg>
+        <pc:picChg chg="add del mod">
+          <ac:chgData name="Arunabh Ghosh" userId="7064b204c6fa9c53" providerId="LiveId" clId="{0B52C30F-47B7-45F5-B447-0988A3E48F6D}" dt="2018-07-06T12:21:39.739" v="151" actId="478"/>
           <ac:picMkLst>
             <pc:docMk/>
             <pc:sldMk cId="412540867" sldId="262"/>
             <ac:picMk id="12" creationId="{88B19FA0-DDF1-4E0C-AD1E-3711FB974161}"/>
           </ac:picMkLst>
         </pc:picChg>
-        <pc:picChg chg="add mod">
-          <ac:chgData name="Arunabh Ghosh" userId="7064b204c6fa9c53" providerId="LiveId" clId="{0B52C30F-47B7-45F5-B447-0988A3E48F6D}" dt="2018-07-06T12:14:13.074" v="139" actId="1076"/>
+        <pc:picChg chg="add del mod">
+          <ac:chgData name="Arunabh Ghosh" userId="7064b204c6fa9c53" providerId="LiveId" clId="{0B52C30F-47B7-45F5-B447-0988A3E48F6D}" dt="2018-07-06T12:21:39.739" v="151" actId="478"/>
           <ac:picMkLst>
             <pc:docMk/>
             <pc:sldMk cId="412540867" sldId="262"/>
@@ -230,20 +256,218 @@
           </ac:picMkLst>
         </pc:picChg>
         <pc:picChg chg="add mod">
-          <ac:chgData name="Arunabh Ghosh" userId="7064b204c6fa9c53" providerId="LiveId" clId="{0B52C30F-47B7-45F5-B447-0988A3E48F6D}" dt="2018-07-06T12:14:17.417" v="140" actId="1076"/>
+          <ac:chgData name="Arunabh Ghosh" userId="7064b204c6fa9c53" providerId="LiveId" clId="{0B52C30F-47B7-45F5-B447-0988A3E48F6D}" dt="2018-07-06T12:25:58.604" v="194" actId="14100"/>
+          <ac:picMkLst>
+            <pc:docMk/>
+            <pc:sldMk cId="412540867" sldId="262"/>
+            <ac:picMk id="15" creationId="{7B2E7025-D8A0-4E13-A590-67F37E4095FD}"/>
+          </ac:picMkLst>
+        </pc:picChg>
+        <pc:picChg chg="add del mod">
+          <ac:chgData name="Arunabh Ghosh" userId="7064b204c6fa9c53" providerId="LiveId" clId="{0B52C30F-47B7-45F5-B447-0988A3E48F6D}" dt="2018-07-06T12:21:39.739" v="151" actId="478"/>
           <ac:picMkLst>
             <pc:docMk/>
             <pc:sldMk cId="412540867" sldId="262"/>
             <ac:picMk id="16" creationId="{583A1505-62D6-40C5-B47C-FAC6B9EE0344}"/>
           </ac:picMkLst>
         </pc:picChg>
+        <pc:picChg chg="add mod">
+          <ac:chgData name="Arunabh Ghosh" userId="7064b204c6fa9c53" providerId="LiveId" clId="{0B52C30F-47B7-45F5-B447-0988A3E48F6D}" dt="2018-07-06T12:26:05.925" v="196" actId="14100"/>
+          <ac:picMkLst>
+            <pc:docMk/>
+            <pc:sldMk cId="412540867" sldId="262"/>
+            <ac:picMk id="18" creationId="{79E93625-0807-4D80-8A07-04B8C84BD056}"/>
+          </ac:picMkLst>
+        </pc:picChg>
+        <pc:picChg chg="add mod">
+          <ac:chgData name="Arunabh Ghosh" userId="7064b204c6fa9c53" providerId="LiveId" clId="{0B52C30F-47B7-45F5-B447-0988A3E48F6D}" dt="2018-07-06T12:26:13.581" v="198" actId="14100"/>
+          <ac:picMkLst>
+            <pc:docMk/>
+            <pc:sldMk cId="412540867" sldId="262"/>
+            <ac:picMk id="20" creationId="{05F05C04-2920-4EC2-A5B3-7BC80C875FC9}"/>
+          </ac:picMkLst>
+        </pc:picChg>
+        <pc:picChg chg="add mod">
+          <ac:chgData name="Arunabh Ghosh" userId="7064b204c6fa9c53" providerId="LiveId" clId="{0B52C30F-47B7-45F5-B447-0988A3E48F6D}" dt="2018-07-06T12:26:18.973" v="200" actId="14100"/>
+          <ac:picMkLst>
+            <pc:docMk/>
+            <pc:sldMk cId="412540867" sldId="262"/>
+            <ac:picMk id="22" creationId="{536D2521-7CE5-46C1-93CC-A8889A307564}"/>
+          </ac:picMkLst>
+        </pc:picChg>
+        <pc:picChg chg="add mod">
+          <ac:chgData name="Arunabh Ghosh" userId="7064b204c6fa9c53" providerId="LiveId" clId="{0B52C30F-47B7-45F5-B447-0988A3E48F6D}" dt="2018-07-06T12:26:37.788" v="203" actId="1076"/>
+          <ac:picMkLst>
+            <pc:docMk/>
+            <pc:sldMk cId="412540867" sldId="262"/>
+            <ac:picMk id="24" creationId="{76C86CA0-80E8-4A6A-B322-613F9B738FA2}"/>
+          </ac:picMkLst>
+        </pc:picChg>
       </pc:sldChg>
-      <pc:sldChg chg="add">
-        <pc:chgData name="Arunabh Ghosh" userId="7064b204c6fa9c53" providerId="LiveId" clId="{0B52C30F-47B7-45F5-B447-0988A3E48F6D}" dt="2018-07-06T12:15:22.306" v="147"/>
+      <pc:sldChg chg="addSp delSp modSp add mod setBg setClrOvrMap">
+        <pc:chgData name="Arunabh Ghosh" userId="7064b204c6fa9c53" providerId="LiveId" clId="{0B52C30F-47B7-45F5-B447-0988A3E48F6D}" dt="2018-07-06T12:30:43.991" v="596" actId="26606"/>
         <pc:sldMkLst>
           <pc:docMk/>
           <pc:sldMk cId="282218400" sldId="263"/>
         </pc:sldMkLst>
+        <pc:spChg chg="mod">
+          <ac:chgData name="Arunabh Ghosh" userId="7064b204c6fa9c53" providerId="LiveId" clId="{0B52C30F-47B7-45F5-B447-0988A3E48F6D}" dt="2018-07-06T12:30:43.991" v="596" actId="26606"/>
+          <ac:spMkLst>
+            <pc:docMk/>
+            <pc:sldMk cId="282218400" sldId="263"/>
+            <ac:spMk id="2" creationId="{335AE285-5518-4BDC-9F72-26FED00026F5}"/>
+          </ac:spMkLst>
+        </pc:spChg>
+        <pc:spChg chg="add del mod">
+          <ac:chgData name="Arunabh Ghosh" userId="7064b204c6fa9c53" providerId="LiveId" clId="{0B52C30F-47B7-45F5-B447-0988A3E48F6D}" dt="2018-07-06T12:30:43.991" v="596" actId="26606"/>
+          <ac:spMkLst>
+            <pc:docMk/>
+            <pc:sldMk cId="282218400" sldId="263"/>
+            <ac:spMk id="3" creationId="{4D36C352-5272-482F-9568-688E37295F8E}"/>
+          </ac:spMkLst>
+        </pc:spChg>
+        <pc:spChg chg="add del mod">
+          <ac:chgData name="Arunabh Ghosh" userId="7064b204c6fa9c53" providerId="LiveId" clId="{0B52C30F-47B7-45F5-B447-0988A3E48F6D}" dt="2018-07-06T12:28:45.366" v="260" actId="767"/>
+          <ac:spMkLst>
+            <pc:docMk/>
+            <pc:sldMk cId="282218400" sldId="263"/>
+            <ac:spMk id="6" creationId="{4BF78906-1622-48F1-A8E4-42763ACE0BC9}"/>
+          </ac:spMkLst>
+        </pc:spChg>
+        <pc:spChg chg="add">
+          <ac:chgData name="Arunabh Ghosh" userId="7064b204c6fa9c53" providerId="LiveId" clId="{0B52C30F-47B7-45F5-B447-0988A3E48F6D}" dt="2018-07-06T12:30:43.991" v="596" actId="26606"/>
+          <ac:spMkLst>
+            <pc:docMk/>
+            <pc:sldMk cId="282218400" sldId="263"/>
+            <ac:spMk id="13" creationId="{FC2D2803-67A9-4406-BE75-362E94394A04}"/>
+          </ac:spMkLst>
+        </pc:spChg>
+        <pc:spChg chg="add">
+          <ac:chgData name="Arunabh Ghosh" userId="7064b204c6fa9c53" providerId="LiveId" clId="{0B52C30F-47B7-45F5-B447-0988A3E48F6D}" dt="2018-07-06T12:30:43.991" v="596" actId="26606"/>
+          <ac:spMkLst>
+            <pc:docMk/>
+            <pc:sldMk cId="282218400" sldId="263"/>
+            <ac:spMk id="15" creationId="{E25621CF-FD9B-4BC3-9ECC-36CAF62103D0}"/>
+          </ac:spMkLst>
+        </pc:spChg>
+        <pc:spChg chg="add">
+          <ac:chgData name="Arunabh Ghosh" userId="7064b204c6fa9c53" providerId="LiveId" clId="{0B52C30F-47B7-45F5-B447-0988A3E48F6D}" dt="2018-07-06T12:30:43.991" v="596" actId="26606"/>
+          <ac:spMkLst>
+            <pc:docMk/>
+            <pc:sldMk cId="282218400" sldId="263"/>
+            <ac:spMk id="17" creationId="{C80C3A2E-251A-4505-B1B8-C85CBF21F384}"/>
+          </ac:spMkLst>
+        </pc:spChg>
+        <pc:picChg chg="add del mod">
+          <ac:chgData name="Arunabh Ghosh" userId="7064b204c6fa9c53" providerId="LiveId" clId="{0B52C30F-47B7-45F5-B447-0988A3E48F6D}" dt="2018-07-06T12:28:46.528" v="263"/>
+          <ac:picMkLst>
+            <pc:docMk/>
+            <pc:sldMk cId="282218400" sldId="263"/>
+            <ac:picMk id="5" creationId="{9692179B-7CD7-4EE5-B3BB-F444EB3C22FB}"/>
+          </ac:picMkLst>
+        </pc:picChg>
+        <pc:picChg chg="add mod">
+          <ac:chgData name="Arunabh Ghosh" userId="7064b204c6fa9c53" providerId="LiveId" clId="{0B52C30F-47B7-45F5-B447-0988A3E48F6D}" dt="2018-07-06T12:30:43.991" v="596" actId="26606"/>
+          <ac:picMkLst>
+            <pc:docMk/>
+            <pc:sldMk cId="282218400" sldId="263"/>
+            <ac:picMk id="8" creationId="{B92A94F1-01C4-4F40-A14F-503B97303C6C}"/>
+          </ac:picMkLst>
+        </pc:picChg>
+      </pc:sldChg>
+      <pc:sldChg chg="addSp delSp modSp add mod setBg">
+        <pc:chgData name="Arunabh Ghosh" userId="7064b204c6fa9c53" providerId="LiveId" clId="{0B52C30F-47B7-45F5-B447-0988A3E48F6D}" dt="2018-07-06T12:35:23.816" v="1529" actId="26606"/>
+        <pc:sldMkLst>
+          <pc:docMk/>
+          <pc:sldMk cId="238727178" sldId="264"/>
+        </pc:sldMkLst>
+        <pc:spChg chg="mod">
+          <ac:chgData name="Arunabh Ghosh" userId="7064b204c6fa9c53" providerId="LiveId" clId="{0B52C30F-47B7-45F5-B447-0988A3E48F6D}" dt="2018-07-06T12:35:23.816" v="1529" actId="26606"/>
+          <ac:spMkLst>
+            <pc:docMk/>
+            <pc:sldMk cId="238727178" sldId="264"/>
+            <ac:spMk id="2" creationId="{F3DFA63C-4860-4A2C-8D3F-719F5A7571DC}"/>
+          </ac:spMkLst>
+        </pc:spChg>
+        <pc:spChg chg="del mod">
+          <ac:chgData name="Arunabh Ghosh" userId="7064b204c6fa9c53" providerId="LiveId" clId="{0B52C30F-47B7-45F5-B447-0988A3E48F6D}" dt="2018-07-06T12:35:23.816" v="1529" actId="26606"/>
+          <ac:spMkLst>
+            <pc:docMk/>
+            <pc:sldMk cId="238727178" sldId="264"/>
+            <ac:spMk id="3" creationId="{2642E658-16E8-45C2-A008-C996A4196F13}"/>
+          </ac:spMkLst>
+        </pc:spChg>
+        <pc:spChg chg="add">
+          <ac:chgData name="Arunabh Ghosh" userId="7064b204c6fa9c53" providerId="LiveId" clId="{0B52C30F-47B7-45F5-B447-0988A3E48F6D}" dt="2018-07-06T12:35:23.816" v="1529" actId="26606"/>
+          <ac:spMkLst>
+            <pc:docMk/>
+            <pc:sldMk cId="238727178" sldId="264"/>
+            <ac:spMk id="10" creationId="{BE95D989-81FA-4BAD-9AD5-E46CEDA91B36}"/>
+          </ac:spMkLst>
+        </pc:spChg>
+        <pc:spChg chg="add">
+          <ac:chgData name="Arunabh Ghosh" userId="7064b204c6fa9c53" providerId="LiveId" clId="{0B52C30F-47B7-45F5-B447-0988A3E48F6D}" dt="2018-07-06T12:35:23.816" v="1529" actId="26606"/>
+          <ac:spMkLst>
+            <pc:docMk/>
+            <pc:sldMk cId="238727178" sldId="264"/>
+            <ac:spMk id="12" creationId="{156189E5-8A3E-4CFD-B71B-CCD0F8495E56}"/>
+          </ac:spMkLst>
+        </pc:spChg>
+        <pc:graphicFrameChg chg="add">
+          <ac:chgData name="Arunabh Ghosh" userId="7064b204c6fa9c53" providerId="LiveId" clId="{0B52C30F-47B7-45F5-B447-0988A3E48F6D}" dt="2018-07-06T12:35:23.816" v="1529" actId="26606"/>
+          <ac:graphicFrameMkLst>
+            <pc:docMk/>
+            <pc:sldMk cId="238727178" sldId="264"/>
+            <ac:graphicFrameMk id="5" creationId="{5A3CCAD7-B0DE-438A-89A6-B308B3ACD4D5}"/>
+          </ac:graphicFrameMkLst>
+        </pc:graphicFrameChg>
+      </pc:sldChg>
+      <pc:sldChg chg="addSp delSp modSp add mod setBg">
+        <pc:chgData name="Arunabh Ghosh" userId="7064b204c6fa9c53" providerId="LiveId" clId="{0B52C30F-47B7-45F5-B447-0988A3E48F6D}" dt="2018-07-06T12:47:14.158" v="2080" actId="26606"/>
+        <pc:sldMkLst>
+          <pc:docMk/>
+          <pc:sldMk cId="3836490830" sldId="265"/>
+        </pc:sldMkLst>
+        <pc:spChg chg="mod">
+          <ac:chgData name="Arunabh Ghosh" userId="7064b204c6fa9c53" providerId="LiveId" clId="{0B52C30F-47B7-45F5-B447-0988A3E48F6D}" dt="2018-07-06T12:47:14.158" v="2080" actId="26606"/>
+          <ac:spMkLst>
+            <pc:docMk/>
+            <pc:sldMk cId="3836490830" sldId="265"/>
+            <ac:spMk id="2" creationId="{11EB00D8-6B0A-46F7-AAF1-1A11A557C079}"/>
+          </ac:spMkLst>
+        </pc:spChg>
+        <pc:spChg chg="del mod">
+          <ac:chgData name="Arunabh Ghosh" userId="7064b204c6fa9c53" providerId="LiveId" clId="{0B52C30F-47B7-45F5-B447-0988A3E48F6D}" dt="2018-07-06T12:47:14.158" v="2080" actId="26606"/>
+          <ac:spMkLst>
+            <pc:docMk/>
+            <pc:sldMk cId="3836490830" sldId="265"/>
+            <ac:spMk id="3" creationId="{B31E3C5A-4231-4DAF-8FF7-16A3147EAB32}"/>
+          </ac:spMkLst>
+        </pc:spChg>
+        <pc:spChg chg="add">
+          <ac:chgData name="Arunabh Ghosh" userId="7064b204c6fa9c53" providerId="LiveId" clId="{0B52C30F-47B7-45F5-B447-0988A3E48F6D}" dt="2018-07-06T12:47:14.158" v="2080" actId="26606"/>
+          <ac:spMkLst>
+            <pc:docMk/>
+            <pc:sldMk cId="3836490830" sldId="265"/>
+            <ac:spMk id="10" creationId="{BE95D989-81FA-4BAD-9AD5-E46CEDA91B36}"/>
+          </ac:spMkLst>
+        </pc:spChg>
+        <pc:spChg chg="add">
+          <ac:chgData name="Arunabh Ghosh" userId="7064b204c6fa9c53" providerId="LiveId" clId="{0B52C30F-47B7-45F5-B447-0988A3E48F6D}" dt="2018-07-06T12:47:14.158" v="2080" actId="26606"/>
+          <ac:spMkLst>
+            <pc:docMk/>
+            <pc:sldMk cId="3836490830" sldId="265"/>
+            <ac:spMk id="12" creationId="{156189E5-8A3E-4CFD-B71B-CCD0F8495E56}"/>
+          </ac:spMkLst>
+        </pc:spChg>
+        <pc:graphicFrameChg chg="add">
+          <ac:chgData name="Arunabh Ghosh" userId="7064b204c6fa9c53" providerId="LiveId" clId="{0B52C30F-47B7-45F5-B447-0988A3E48F6D}" dt="2018-07-06T12:47:14.158" v="2080" actId="26606"/>
+          <ac:graphicFrameMkLst>
+            <pc:docMk/>
+            <pc:sldMk cId="3836490830" sldId="265"/>
+            <ac:graphicFrameMk id="5" creationId="{52E3A984-1E59-45D8-B6BE-970DA38248F5}"/>
+          </ac:graphicFrameMkLst>
+        </pc:graphicFrameChg>
       </pc:sldChg>
     </pc:docChg>
   </pc:docChgLst>
@@ -2457,6 +2681,1535 @@
   <dgm:styleLbl name="fgShp">
     <dgm:fillClrLst meth="repeat">
       <a:schemeClr val="accent6">
+        <a:tint val="60000"/>
+      </a:schemeClr>
+    </dgm:fillClrLst>
+    <dgm:linClrLst meth="repeat">
+      <a:schemeClr val="lt1"/>
+    </dgm:linClrLst>
+    <dgm:effectClrLst/>
+    <dgm:txLinClrLst/>
+    <dgm:txFillClrLst meth="repeat">
+      <a:schemeClr val="dk1"/>
+    </dgm:txFillClrLst>
+    <dgm:txEffectClrLst/>
+  </dgm:styleLbl>
+  <dgm:styleLbl name="revTx">
+    <dgm:fillClrLst meth="repeat">
+      <a:schemeClr val="lt1">
+        <a:alpha val="0"/>
+      </a:schemeClr>
+    </dgm:fillClrLst>
+    <dgm:linClrLst meth="repeat">
+      <a:schemeClr val="dk1">
+        <a:alpha val="0"/>
+      </a:schemeClr>
+    </dgm:linClrLst>
+    <dgm:effectClrLst/>
+    <dgm:txLinClrLst/>
+    <dgm:txFillClrLst meth="repeat">
+      <a:schemeClr val="tx1"/>
+    </dgm:txFillClrLst>
+    <dgm:txEffectClrLst/>
+  </dgm:styleLbl>
+</dgm:colorsDef>
+</file>
+
+<file path=ppt/diagrams/colors4.xml><?xml version="1.0" encoding="utf-8"?>
+<dgm:colorsDef xmlns:dgm="http://schemas.openxmlformats.org/drawingml/2006/diagram" xmlns:a="http://schemas.openxmlformats.org/drawingml/2006/main" uniqueId="urn:microsoft.com/office/officeart/2005/8/colors/colorful5">
+  <dgm:title val=""/>
+  <dgm:desc val=""/>
+  <dgm:catLst>
+    <dgm:cat type="colorful" pri="10500"/>
+  </dgm:catLst>
+  <dgm:styleLbl name="node0">
+    <dgm:fillClrLst meth="repeat">
+      <a:schemeClr val="accent4"/>
+    </dgm:fillClrLst>
+    <dgm:linClrLst meth="repeat">
+      <a:schemeClr val="lt1"/>
+    </dgm:linClrLst>
+    <dgm:effectClrLst/>
+    <dgm:txLinClrLst/>
+    <dgm:txFillClrLst/>
+    <dgm:txEffectClrLst/>
+  </dgm:styleLbl>
+  <dgm:styleLbl name="node1">
+    <dgm:fillClrLst>
+      <a:schemeClr val="accent5"/>
+      <a:schemeClr val="accent6"/>
+    </dgm:fillClrLst>
+    <dgm:linClrLst meth="repeat">
+      <a:schemeClr val="lt1"/>
+    </dgm:linClrLst>
+    <dgm:effectClrLst/>
+    <dgm:txLinClrLst/>
+    <dgm:txFillClrLst/>
+    <dgm:txEffectClrLst/>
+  </dgm:styleLbl>
+  <dgm:styleLbl name="alignNode1">
+    <dgm:fillClrLst>
+      <a:schemeClr val="accent5"/>
+      <a:schemeClr val="accent6"/>
+    </dgm:fillClrLst>
+    <dgm:linClrLst>
+      <a:schemeClr val="accent5"/>
+      <a:schemeClr val="accent6"/>
+    </dgm:linClrLst>
+    <dgm:effectClrLst/>
+    <dgm:txLinClrLst/>
+    <dgm:txFillClrLst/>
+    <dgm:txEffectClrLst/>
+  </dgm:styleLbl>
+  <dgm:styleLbl name="lnNode1">
+    <dgm:fillClrLst>
+      <a:schemeClr val="accent5"/>
+      <a:schemeClr val="accent6"/>
+    </dgm:fillClrLst>
+    <dgm:linClrLst meth="repeat">
+      <a:schemeClr val="lt1"/>
+    </dgm:linClrLst>
+    <dgm:effectClrLst/>
+    <dgm:txLinClrLst/>
+    <dgm:txFillClrLst/>
+    <dgm:txEffectClrLst/>
+  </dgm:styleLbl>
+  <dgm:styleLbl name="vennNode1">
+    <dgm:fillClrLst>
+      <a:schemeClr val="accent5">
+        <a:alpha val="50000"/>
+      </a:schemeClr>
+      <a:schemeClr val="accent6">
+        <a:alpha val="50000"/>
+      </a:schemeClr>
+    </dgm:fillClrLst>
+    <dgm:linClrLst meth="repeat">
+      <a:schemeClr val="lt1"/>
+    </dgm:linClrLst>
+    <dgm:effectClrLst/>
+    <dgm:txLinClrLst/>
+    <dgm:txFillClrLst/>
+    <dgm:txEffectClrLst/>
+  </dgm:styleLbl>
+  <dgm:styleLbl name="node2">
+    <dgm:fillClrLst>
+      <a:schemeClr val="accent6"/>
+    </dgm:fillClrLst>
+    <dgm:linClrLst meth="repeat">
+      <a:schemeClr val="lt1"/>
+    </dgm:linClrLst>
+    <dgm:effectClrLst/>
+    <dgm:txLinClrLst/>
+    <dgm:txFillClrLst/>
+    <dgm:txEffectClrLst/>
+  </dgm:styleLbl>
+  <dgm:styleLbl name="node3">
+    <dgm:fillClrLst>
+      <a:schemeClr val="accent1"/>
+    </dgm:fillClrLst>
+    <dgm:linClrLst meth="repeat">
+      <a:schemeClr val="lt1"/>
+    </dgm:linClrLst>
+    <dgm:effectClrLst/>
+    <dgm:txLinClrLst/>
+    <dgm:txFillClrLst/>
+    <dgm:txEffectClrLst/>
+  </dgm:styleLbl>
+  <dgm:styleLbl name="node4">
+    <dgm:fillClrLst>
+      <a:schemeClr val="accent2"/>
+    </dgm:fillClrLst>
+    <dgm:linClrLst meth="repeat">
+      <a:schemeClr val="lt1"/>
+    </dgm:linClrLst>
+    <dgm:effectClrLst/>
+    <dgm:txLinClrLst/>
+    <dgm:txFillClrLst/>
+    <dgm:txEffectClrLst/>
+  </dgm:styleLbl>
+  <dgm:styleLbl name="fgImgPlace1">
+    <dgm:fillClrLst>
+      <a:schemeClr val="accent5">
+        <a:tint val="50000"/>
+      </a:schemeClr>
+      <a:schemeClr val="accent6">
+        <a:tint val="50000"/>
+      </a:schemeClr>
+    </dgm:fillClrLst>
+    <dgm:linClrLst meth="repeat">
+      <a:schemeClr val="lt1"/>
+    </dgm:linClrLst>
+    <dgm:effectClrLst/>
+    <dgm:txLinClrLst/>
+    <dgm:txFillClrLst meth="repeat">
+      <a:schemeClr val="lt1"/>
+    </dgm:txFillClrLst>
+    <dgm:txEffectClrLst/>
+  </dgm:styleLbl>
+  <dgm:styleLbl name="alignImgPlace1">
+    <dgm:fillClrLst>
+      <a:schemeClr val="accent5">
+        <a:tint val="50000"/>
+      </a:schemeClr>
+      <a:schemeClr val="accent6">
+        <a:tint val="20000"/>
+      </a:schemeClr>
+    </dgm:fillClrLst>
+    <dgm:linClrLst meth="repeat">
+      <a:schemeClr val="lt1"/>
+    </dgm:linClrLst>
+    <dgm:effectClrLst/>
+    <dgm:txLinClrLst/>
+    <dgm:txFillClrLst meth="repeat">
+      <a:schemeClr val="lt1"/>
+    </dgm:txFillClrLst>
+    <dgm:txEffectClrLst/>
+  </dgm:styleLbl>
+  <dgm:styleLbl name="bgImgPlace1">
+    <dgm:fillClrLst>
+      <a:schemeClr val="accent5">
+        <a:tint val="50000"/>
+      </a:schemeClr>
+      <a:schemeClr val="accent6">
+        <a:tint val="20000"/>
+      </a:schemeClr>
+    </dgm:fillClrLst>
+    <dgm:linClrLst meth="repeat">
+      <a:schemeClr val="lt1"/>
+    </dgm:linClrLst>
+    <dgm:effectClrLst/>
+    <dgm:txLinClrLst/>
+    <dgm:txFillClrLst meth="repeat">
+      <a:schemeClr val="lt1"/>
+    </dgm:txFillClrLst>
+    <dgm:txEffectClrLst/>
+  </dgm:styleLbl>
+  <dgm:styleLbl name="sibTrans2D1">
+    <dgm:fillClrLst>
+      <a:schemeClr val="accent5"/>
+      <a:schemeClr val="accent6"/>
+    </dgm:fillClrLst>
+    <dgm:linClrLst meth="repeat">
+      <a:schemeClr val="lt1"/>
+    </dgm:linClrLst>
+    <dgm:effectClrLst/>
+    <dgm:txLinClrLst/>
+    <dgm:txFillClrLst/>
+    <dgm:txEffectClrLst/>
+  </dgm:styleLbl>
+  <dgm:styleLbl name="fgSibTrans2D1">
+    <dgm:fillClrLst>
+      <a:schemeClr val="accent5"/>
+      <a:schemeClr val="accent6"/>
+    </dgm:fillClrLst>
+    <dgm:linClrLst meth="repeat">
+      <a:schemeClr val="lt1"/>
+    </dgm:linClrLst>
+    <dgm:effectClrLst/>
+    <dgm:txLinClrLst/>
+    <dgm:txFillClrLst meth="repeat">
+      <a:schemeClr val="lt1"/>
+    </dgm:txFillClrLst>
+    <dgm:txEffectClrLst/>
+  </dgm:styleLbl>
+  <dgm:styleLbl name="bgSibTrans2D1">
+    <dgm:fillClrLst>
+      <a:schemeClr val="accent5"/>
+      <a:schemeClr val="accent6"/>
+    </dgm:fillClrLst>
+    <dgm:linClrLst meth="repeat">
+      <a:schemeClr val="lt1"/>
+    </dgm:linClrLst>
+    <dgm:effectClrLst/>
+    <dgm:txLinClrLst/>
+    <dgm:txFillClrLst meth="repeat">
+      <a:schemeClr val="lt1"/>
+    </dgm:txFillClrLst>
+    <dgm:txEffectClrLst/>
+  </dgm:styleLbl>
+  <dgm:styleLbl name="sibTrans1D1">
+    <dgm:fillClrLst/>
+    <dgm:linClrLst>
+      <a:schemeClr val="accent5"/>
+      <a:schemeClr val="accent6"/>
+    </dgm:linClrLst>
+    <dgm:effectClrLst/>
+    <dgm:txLinClrLst/>
+    <dgm:txFillClrLst meth="repeat">
+      <a:schemeClr val="tx1"/>
+    </dgm:txFillClrLst>
+    <dgm:txEffectClrLst/>
+  </dgm:styleLbl>
+  <dgm:styleLbl name="callout">
+    <dgm:fillClrLst meth="repeat">
+      <a:schemeClr val="accent5"/>
+    </dgm:fillClrLst>
+    <dgm:linClrLst meth="repeat">
+      <a:schemeClr val="accent5">
+        <a:tint val="50000"/>
+      </a:schemeClr>
+    </dgm:linClrLst>
+    <dgm:effectClrLst/>
+    <dgm:txLinClrLst/>
+    <dgm:txFillClrLst meth="repeat">
+      <a:schemeClr val="tx1"/>
+    </dgm:txFillClrLst>
+    <dgm:txEffectClrLst/>
+  </dgm:styleLbl>
+  <dgm:styleLbl name="asst0">
+    <dgm:fillClrLst meth="repeat">
+      <a:schemeClr val="accent5"/>
+    </dgm:fillClrLst>
+    <dgm:linClrLst meth="repeat">
+      <a:schemeClr val="lt1">
+        <a:shade val="80000"/>
+      </a:schemeClr>
+    </dgm:linClrLst>
+    <dgm:effectClrLst/>
+    <dgm:txLinClrLst/>
+    <dgm:txFillClrLst/>
+    <dgm:txEffectClrLst/>
+  </dgm:styleLbl>
+  <dgm:styleLbl name="asst1">
+    <dgm:fillClrLst meth="repeat">
+      <a:schemeClr val="accent6"/>
+    </dgm:fillClrLst>
+    <dgm:linClrLst meth="repeat">
+      <a:schemeClr val="lt1">
+        <a:shade val="80000"/>
+      </a:schemeClr>
+    </dgm:linClrLst>
+    <dgm:effectClrLst/>
+    <dgm:txLinClrLst/>
+    <dgm:txFillClrLst/>
+    <dgm:txEffectClrLst/>
+  </dgm:styleLbl>
+  <dgm:styleLbl name="asst2">
+    <dgm:fillClrLst>
+      <a:schemeClr val="accent1"/>
+    </dgm:fillClrLst>
+    <dgm:linClrLst meth="repeat">
+      <a:schemeClr val="lt1"/>
+    </dgm:linClrLst>
+    <dgm:effectClrLst/>
+    <dgm:txLinClrLst/>
+    <dgm:txFillClrLst/>
+    <dgm:txEffectClrLst/>
+  </dgm:styleLbl>
+  <dgm:styleLbl name="asst3">
+    <dgm:fillClrLst>
+      <a:schemeClr val="accent2"/>
+    </dgm:fillClrLst>
+    <dgm:linClrLst meth="repeat">
+      <a:schemeClr val="lt1"/>
+    </dgm:linClrLst>
+    <dgm:effectClrLst/>
+    <dgm:txLinClrLst/>
+    <dgm:txFillClrLst/>
+    <dgm:txEffectClrLst/>
+  </dgm:styleLbl>
+  <dgm:styleLbl name="asst4">
+    <dgm:fillClrLst>
+      <a:schemeClr val="accent3"/>
+    </dgm:fillClrLst>
+    <dgm:linClrLst meth="repeat">
+      <a:schemeClr val="lt1"/>
+    </dgm:linClrLst>
+    <dgm:effectClrLst/>
+    <dgm:txLinClrLst/>
+    <dgm:txFillClrLst/>
+    <dgm:txEffectClrLst/>
+  </dgm:styleLbl>
+  <dgm:styleLbl name="parChTrans2D1">
+    <dgm:fillClrLst meth="repeat">
+      <a:schemeClr val="accent5"/>
+    </dgm:fillClrLst>
+    <dgm:linClrLst meth="repeat">
+      <a:schemeClr val="lt1"/>
+    </dgm:linClrLst>
+    <dgm:effectClrLst/>
+    <dgm:txLinClrLst/>
+    <dgm:txFillClrLst meth="repeat">
+      <a:schemeClr val="lt1"/>
+    </dgm:txFillClrLst>
+    <dgm:txEffectClrLst/>
+  </dgm:styleLbl>
+  <dgm:styleLbl name="parChTrans2D2">
+    <dgm:fillClrLst meth="repeat">
+      <a:schemeClr val="accent6"/>
+    </dgm:fillClrLst>
+    <dgm:linClrLst meth="repeat">
+      <a:schemeClr val="lt1"/>
+    </dgm:linClrLst>
+    <dgm:effectClrLst/>
+    <dgm:txLinClrLst/>
+    <dgm:txFillClrLst/>
+    <dgm:txEffectClrLst/>
+  </dgm:styleLbl>
+  <dgm:styleLbl name="parChTrans2D3">
+    <dgm:fillClrLst meth="repeat">
+      <a:schemeClr val="accent6"/>
+    </dgm:fillClrLst>
+    <dgm:linClrLst meth="repeat">
+      <a:schemeClr val="lt1"/>
+    </dgm:linClrLst>
+    <dgm:effectClrLst/>
+    <dgm:txLinClrLst/>
+    <dgm:txFillClrLst/>
+    <dgm:txEffectClrLst/>
+  </dgm:styleLbl>
+  <dgm:styleLbl name="parChTrans2D4">
+    <dgm:fillClrLst meth="repeat">
+      <a:schemeClr val="accent1"/>
+    </dgm:fillClrLst>
+    <dgm:linClrLst meth="repeat">
+      <a:schemeClr val="lt1"/>
+    </dgm:linClrLst>
+    <dgm:effectClrLst/>
+    <dgm:txLinClrLst/>
+    <dgm:txFillClrLst meth="repeat">
+      <a:schemeClr val="lt1"/>
+    </dgm:txFillClrLst>
+    <dgm:txEffectClrLst/>
+  </dgm:styleLbl>
+  <dgm:styleLbl name="parChTrans1D1">
+    <dgm:fillClrLst meth="repeat">
+      <a:schemeClr val="accent5"/>
+    </dgm:fillClrLst>
+    <dgm:linClrLst meth="repeat">
+      <a:schemeClr val="accent5"/>
+    </dgm:linClrLst>
+    <dgm:effectClrLst/>
+    <dgm:txLinClrLst/>
+    <dgm:txFillClrLst meth="repeat">
+      <a:schemeClr val="tx1"/>
+    </dgm:txFillClrLst>
+    <dgm:txEffectClrLst/>
+  </dgm:styleLbl>
+  <dgm:styleLbl name="parChTrans1D2">
+    <dgm:fillClrLst meth="repeat">
+      <a:schemeClr val="accent6">
+        <a:tint val="90000"/>
+      </a:schemeClr>
+    </dgm:fillClrLst>
+    <dgm:linClrLst meth="repeat">
+      <a:schemeClr val="accent6"/>
+    </dgm:linClrLst>
+    <dgm:effectClrLst/>
+    <dgm:txLinClrLst/>
+    <dgm:txFillClrLst meth="repeat">
+      <a:schemeClr val="tx1"/>
+    </dgm:txFillClrLst>
+    <dgm:txEffectClrLst/>
+  </dgm:styleLbl>
+  <dgm:styleLbl name="parChTrans1D3">
+    <dgm:fillClrLst meth="repeat">
+      <a:schemeClr val="accent6">
+        <a:tint val="70000"/>
+      </a:schemeClr>
+    </dgm:fillClrLst>
+    <dgm:linClrLst meth="repeat">
+      <a:schemeClr val="accent1"/>
+    </dgm:linClrLst>
+    <dgm:effectClrLst/>
+    <dgm:txLinClrLst/>
+    <dgm:txFillClrLst meth="repeat">
+      <a:schemeClr val="tx1"/>
+    </dgm:txFillClrLst>
+    <dgm:txEffectClrLst/>
+  </dgm:styleLbl>
+  <dgm:styleLbl name="parChTrans1D4">
+    <dgm:fillClrLst meth="repeat">
+      <a:schemeClr val="accent6">
+        <a:tint val="50000"/>
+      </a:schemeClr>
+    </dgm:fillClrLst>
+    <dgm:linClrLst meth="repeat">
+      <a:schemeClr val="accent2"/>
+    </dgm:linClrLst>
+    <dgm:effectClrLst/>
+    <dgm:txLinClrLst/>
+    <dgm:txFillClrLst meth="repeat">
+      <a:schemeClr val="tx1"/>
+    </dgm:txFillClrLst>
+    <dgm:txEffectClrLst/>
+  </dgm:styleLbl>
+  <dgm:styleLbl name="fgAcc1">
+    <dgm:fillClrLst meth="repeat">
+      <a:schemeClr val="lt1">
+        <a:alpha val="90000"/>
+      </a:schemeClr>
+    </dgm:fillClrLst>
+    <dgm:linClrLst>
+      <a:schemeClr val="accent5"/>
+      <a:schemeClr val="accent6"/>
+    </dgm:linClrLst>
+    <dgm:effectClrLst/>
+    <dgm:txLinClrLst/>
+    <dgm:txFillClrLst meth="repeat">
+      <a:schemeClr val="dk1"/>
+    </dgm:txFillClrLst>
+    <dgm:txEffectClrLst/>
+  </dgm:styleLbl>
+  <dgm:styleLbl name="conFgAcc1">
+    <dgm:fillClrLst meth="repeat">
+      <a:schemeClr val="lt1">
+        <a:alpha val="90000"/>
+      </a:schemeClr>
+    </dgm:fillClrLst>
+    <dgm:linClrLst>
+      <a:schemeClr val="accent5"/>
+      <a:schemeClr val="accent6"/>
+    </dgm:linClrLst>
+    <dgm:effectClrLst/>
+    <dgm:txLinClrLst/>
+    <dgm:txFillClrLst meth="repeat">
+      <a:schemeClr val="dk1"/>
+    </dgm:txFillClrLst>
+    <dgm:txEffectClrLst/>
+  </dgm:styleLbl>
+  <dgm:styleLbl name="alignAcc1">
+    <dgm:fillClrLst meth="repeat">
+      <a:schemeClr val="lt1">
+        <a:alpha val="90000"/>
+      </a:schemeClr>
+    </dgm:fillClrLst>
+    <dgm:linClrLst>
+      <a:schemeClr val="accent5"/>
+      <a:schemeClr val="accent6"/>
+    </dgm:linClrLst>
+    <dgm:effectClrLst/>
+    <dgm:txLinClrLst/>
+    <dgm:txFillClrLst meth="repeat">
+      <a:schemeClr val="dk1"/>
+    </dgm:txFillClrLst>
+    <dgm:txEffectClrLst/>
+  </dgm:styleLbl>
+  <dgm:styleLbl name="trAlignAcc1">
+    <dgm:fillClrLst meth="repeat">
+      <a:schemeClr val="lt1">
+        <a:alpha val="40000"/>
+      </a:schemeClr>
+    </dgm:fillClrLst>
+    <dgm:linClrLst meth="repeat">
+      <a:schemeClr val="accent5"/>
+    </dgm:linClrLst>
+    <dgm:effectClrLst/>
+    <dgm:txLinClrLst/>
+    <dgm:txFillClrLst meth="repeat">
+      <a:schemeClr val="dk1"/>
+    </dgm:txFillClrLst>
+    <dgm:txEffectClrLst/>
+  </dgm:styleLbl>
+  <dgm:styleLbl name="bgAcc1">
+    <dgm:fillClrLst meth="repeat">
+      <a:schemeClr val="lt1">
+        <a:alpha val="90000"/>
+      </a:schemeClr>
+    </dgm:fillClrLst>
+    <dgm:linClrLst>
+      <a:schemeClr val="accent5"/>
+      <a:schemeClr val="accent6"/>
+    </dgm:linClrLst>
+    <dgm:effectClrLst/>
+    <dgm:txLinClrLst/>
+    <dgm:txFillClrLst meth="repeat">
+      <a:schemeClr val="dk1"/>
+    </dgm:txFillClrLst>
+    <dgm:txEffectClrLst/>
+  </dgm:styleLbl>
+  <dgm:styleLbl name="solidFgAcc1">
+    <dgm:fillClrLst meth="repeat">
+      <a:schemeClr val="lt1"/>
+    </dgm:fillClrLst>
+    <dgm:linClrLst>
+      <a:schemeClr val="accent5"/>
+      <a:schemeClr val="accent6"/>
+    </dgm:linClrLst>
+    <dgm:effectClrLst/>
+    <dgm:txLinClrLst/>
+    <dgm:txFillClrLst meth="repeat">
+      <a:schemeClr val="dk1"/>
+    </dgm:txFillClrLst>
+    <dgm:txEffectClrLst/>
+  </dgm:styleLbl>
+  <dgm:styleLbl name="solidAlignAcc1">
+    <dgm:fillClrLst meth="repeat">
+      <a:schemeClr val="lt1"/>
+    </dgm:fillClrLst>
+    <dgm:linClrLst>
+      <a:schemeClr val="accent5"/>
+      <a:schemeClr val="accent6"/>
+    </dgm:linClrLst>
+    <dgm:effectClrLst/>
+    <dgm:txLinClrLst/>
+    <dgm:txFillClrLst meth="repeat">
+      <a:schemeClr val="dk1"/>
+    </dgm:txFillClrLst>
+    <dgm:txEffectClrLst/>
+  </dgm:styleLbl>
+  <dgm:styleLbl name="solidBgAcc1">
+    <dgm:fillClrLst meth="repeat">
+      <a:schemeClr val="lt1"/>
+    </dgm:fillClrLst>
+    <dgm:linClrLst>
+      <a:schemeClr val="accent5"/>
+      <a:schemeClr val="accent6"/>
+    </dgm:linClrLst>
+    <dgm:effectClrLst/>
+    <dgm:txLinClrLst/>
+    <dgm:txFillClrLst meth="repeat">
+      <a:schemeClr val="dk1"/>
+    </dgm:txFillClrLst>
+    <dgm:txEffectClrLst/>
+  </dgm:styleLbl>
+  <dgm:styleLbl name="fgAccFollowNode1">
+    <dgm:fillClrLst>
+      <a:schemeClr val="accent5">
+        <a:tint val="40000"/>
+        <a:alpha val="90000"/>
+      </a:schemeClr>
+      <a:schemeClr val="accent6">
+        <a:tint val="40000"/>
+        <a:alpha val="90000"/>
+      </a:schemeClr>
+    </dgm:fillClrLst>
+    <dgm:linClrLst>
+      <a:schemeClr val="accent5">
+        <a:tint val="40000"/>
+        <a:alpha val="90000"/>
+      </a:schemeClr>
+      <a:schemeClr val="accent5">
+        <a:tint val="40000"/>
+        <a:alpha val="90000"/>
+      </a:schemeClr>
+    </dgm:linClrLst>
+    <dgm:effectClrLst/>
+    <dgm:txLinClrLst/>
+    <dgm:txFillClrLst meth="repeat">
+      <a:schemeClr val="dk1"/>
+    </dgm:txFillClrLst>
+    <dgm:txEffectClrLst/>
+  </dgm:styleLbl>
+  <dgm:styleLbl name="alignAccFollowNode1">
+    <dgm:fillClrLst>
+      <a:schemeClr val="accent5">
+        <a:tint val="40000"/>
+        <a:alpha val="90000"/>
+      </a:schemeClr>
+      <a:schemeClr val="accent6">
+        <a:tint val="40000"/>
+        <a:alpha val="90000"/>
+      </a:schemeClr>
+    </dgm:fillClrLst>
+    <dgm:linClrLst>
+      <a:schemeClr val="accent5">
+        <a:tint val="40000"/>
+        <a:alpha val="90000"/>
+      </a:schemeClr>
+      <a:schemeClr val="accent6">
+        <a:tint val="40000"/>
+        <a:alpha val="90000"/>
+      </a:schemeClr>
+    </dgm:linClrLst>
+    <dgm:effectClrLst/>
+    <dgm:txLinClrLst/>
+    <dgm:txFillClrLst meth="repeat">
+      <a:schemeClr val="dk1"/>
+    </dgm:txFillClrLst>
+    <dgm:txEffectClrLst/>
+  </dgm:styleLbl>
+  <dgm:styleLbl name="bgAccFollowNode1">
+    <dgm:fillClrLst>
+      <a:schemeClr val="accent5">
+        <a:tint val="40000"/>
+        <a:alpha val="90000"/>
+      </a:schemeClr>
+      <a:schemeClr val="accent6">
+        <a:tint val="40000"/>
+        <a:alpha val="90000"/>
+      </a:schemeClr>
+    </dgm:fillClrLst>
+    <dgm:linClrLst>
+      <a:schemeClr val="accent5">
+        <a:tint val="40000"/>
+        <a:alpha val="90000"/>
+      </a:schemeClr>
+      <a:schemeClr val="accent6">
+        <a:tint val="40000"/>
+        <a:alpha val="90000"/>
+      </a:schemeClr>
+    </dgm:linClrLst>
+    <dgm:effectClrLst/>
+    <dgm:txLinClrLst/>
+    <dgm:txFillClrLst meth="repeat">
+      <a:schemeClr val="dk1"/>
+    </dgm:txFillClrLst>
+    <dgm:txEffectClrLst/>
+  </dgm:styleLbl>
+  <dgm:styleLbl name="fgAcc0">
+    <dgm:fillClrLst meth="repeat">
+      <a:schemeClr val="lt1">
+        <a:alpha val="90000"/>
+      </a:schemeClr>
+    </dgm:fillClrLst>
+    <dgm:linClrLst>
+      <a:schemeClr val="accent4"/>
+    </dgm:linClrLst>
+    <dgm:effectClrLst/>
+    <dgm:txLinClrLst/>
+    <dgm:txFillClrLst meth="repeat">
+      <a:schemeClr val="dk1"/>
+    </dgm:txFillClrLst>
+    <dgm:txEffectClrLst/>
+  </dgm:styleLbl>
+  <dgm:styleLbl name="fgAcc2">
+    <dgm:fillClrLst meth="repeat">
+      <a:schemeClr val="lt1">
+        <a:alpha val="90000"/>
+      </a:schemeClr>
+    </dgm:fillClrLst>
+    <dgm:linClrLst>
+      <a:schemeClr val="accent6"/>
+    </dgm:linClrLst>
+    <dgm:effectClrLst/>
+    <dgm:txLinClrLst/>
+    <dgm:txFillClrLst meth="repeat">
+      <a:schemeClr val="dk1"/>
+    </dgm:txFillClrLst>
+    <dgm:txEffectClrLst/>
+  </dgm:styleLbl>
+  <dgm:styleLbl name="fgAcc3">
+    <dgm:fillClrLst meth="repeat">
+      <a:schemeClr val="lt1">
+        <a:alpha val="90000"/>
+      </a:schemeClr>
+    </dgm:fillClrLst>
+    <dgm:linClrLst>
+      <a:schemeClr val="accent1"/>
+    </dgm:linClrLst>
+    <dgm:effectClrLst/>
+    <dgm:txLinClrLst/>
+    <dgm:txFillClrLst meth="repeat">
+      <a:schemeClr val="dk1"/>
+    </dgm:txFillClrLst>
+    <dgm:txEffectClrLst/>
+  </dgm:styleLbl>
+  <dgm:styleLbl name="fgAcc4">
+    <dgm:fillClrLst meth="repeat">
+      <a:schemeClr val="lt1">
+        <a:alpha val="90000"/>
+      </a:schemeClr>
+    </dgm:fillClrLst>
+    <dgm:linClrLst>
+      <a:schemeClr val="accent2"/>
+    </dgm:linClrLst>
+    <dgm:effectClrLst/>
+    <dgm:txLinClrLst/>
+    <dgm:txFillClrLst meth="repeat">
+      <a:schemeClr val="dk1"/>
+    </dgm:txFillClrLst>
+    <dgm:txEffectClrLst/>
+  </dgm:styleLbl>
+  <dgm:styleLbl name="bgShp">
+    <dgm:fillClrLst meth="repeat">
+      <a:schemeClr val="accent5">
+        <a:tint val="40000"/>
+      </a:schemeClr>
+    </dgm:fillClrLst>
+    <dgm:linClrLst meth="repeat">
+      <a:schemeClr val="dk1"/>
+    </dgm:linClrLst>
+    <dgm:effectClrLst/>
+    <dgm:txLinClrLst/>
+    <dgm:txFillClrLst meth="repeat">
+      <a:schemeClr val="dk1"/>
+    </dgm:txFillClrLst>
+    <dgm:txEffectClrLst/>
+  </dgm:styleLbl>
+  <dgm:styleLbl name="dkBgShp">
+    <dgm:fillClrLst meth="repeat">
+      <a:schemeClr val="accent5">
+        <a:shade val="90000"/>
+      </a:schemeClr>
+    </dgm:fillClrLst>
+    <dgm:linClrLst meth="repeat">
+      <a:schemeClr val="dk1"/>
+    </dgm:linClrLst>
+    <dgm:effectClrLst/>
+    <dgm:txLinClrLst/>
+    <dgm:txFillClrLst meth="repeat">
+      <a:schemeClr val="lt1"/>
+    </dgm:txFillClrLst>
+    <dgm:txEffectClrLst/>
+  </dgm:styleLbl>
+  <dgm:styleLbl name="trBgShp">
+    <dgm:fillClrLst meth="repeat">
+      <a:schemeClr val="accent5">
+        <a:tint val="50000"/>
+        <a:alpha val="40000"/>
+      </a:schemeClr>
+    </dgm:fillClrLst>
+    <dgm:linClrLst meth="repeat">
+      <a:schemeClr val="accent5"/>
+    </dgm:linClrLst>
+    <dgm:effectClrLst/>
+    <dgm:txLinClrLst/>
+    <dgm:txFillClrLst meth="repeat">
+      <a:schemeClr val="lt1"/>
+    </dgm:txFillClrLst>
+    <dgm:txEffectClrLst/>
+  </dgm:styleLbl>
+  <dgm:styleLbl name="fgShp">
+    <dgm:fillClrLst meth="repeat">
+      <a:schemeClr val="accent5">
+        <a:tint val="40000"/>
+      </a:schemeClr>
+    </dgm:fillClrLst>
+    <dgm:linClrLst meth="repeat">
+      <a:schemeClr val="lt1"/>
+    </dgm:linClrLst>
+    <dgm:effectClrLst/>
+    <dgm:txLinClrLst/>
+    <dgm:txFillClrLst meth="repeat">
+      <a:schemeClr val="dk1"/>
+    </dgm:txFillClrLst>
+    <dgm:txEffectClrLst/>
+  </dgm:styleLbl>
+  <dgm:styleLbl name="revTx">
+    <dgm:fillClrLst meth="repeat">
+      <a:schemeClr val="lt1">
+        <a:alpha val="0"/>
+      </a:schemeClr>
+    </dgm:fillClrLst>
+    <dgm:linClrLst meth="repeat">
+      <a:schemeClr val="dk1">
+        <a:alpha val="0"/>
+      </a:schemeClr>
+    </dgm:linClrLst>
+    <dgm:effectClrLst/>
+    <dgm:txLinClrLst/>
+    <dgm:txFillClrLst meth="repeat">
+      <a:schemeClr val="tx1"/>
+    </dgm:txFillClrLst>
+    <dgm:txEffectClrLst/>
+  </dgm:styleLbl>
+</dgm:colorsDef>
+</file>
+
+<file path=ppt/diagrams/colors5.xml><?xml version="1.0" encoding="utf-8"?>
+<dgm:colorsDef xmlns:dgm="http://schemas.openxmlformats.org/drawingml/2006/diagram" xmlns:a="http://schemas.openxmlformats.org/drawingml/2006/main" uniqueId="urn:microsoft.com/office/officeart/2005/8/colors/accent2_2">
+  <dgm:title val=""/>
+  <dgm:desc val=""/>
+  <dgm:catLst>
+    <dgm:cat type="accent2" pri="11200"/>
+  </dgm:catLst>
+  <dgm:styleLbl name="node0">
+    <dgm:fillClrLst meth="repeat">
+      <a:schemeClr val="accent2"/>
+    </dgm:fillClrLst>
+    <dgm:linClrLst meth="repeat">
+      <a:schemeClr val="lt1"/>
+    </dgm:linClrLst>
+    <dgm:effectClrLst/>
+    <dgm:txLinClrLst/>
+    <dgm:txFillClrLst/>
+    <dgm:txEffectClrLst/>
+  </dgm:styleLbl>
+  <dgm:styleLbl name="node1">
+    <dgm:fillClrLst meth="repeat">
+      <a:schemeClr val="accent2"/>
+    </dgm:fillClrLst>
+    <dgm:linClrLst meth="repeat">
+      <a:schemeClr val="lt1"/>
+    </dgm:linClrLst>
+    <dgm:effectClrLst/>
+    <dgm:txLinClrLst/>
+    <dgm:txFillClrLst/>
+    <dgm:txEffectClrLst/>
+  </dgm:styleLbl>
+  <dgm:styleLbl name="alignNode1">
+    <dgm:fillClrLst meth="repeat">
+      <a:schemeClr val="accent2"/>
+    </dgm:fillClrLst>
+    <dgm:linClrLst meth="repeat">
+      <a:schemeClr val="accent2"/>
+    </dgm:linClrLst>
+    <dgm:effectClrLst/>
+    <dgm:txLinClrLst/>
+    <dgm:txFillClrLst/>
+    <dgm:txEffectClrLst/>
+  </dgm:styleLbl>
+  <dgm:styleLbl name="lnNode1">
+    <dgm:fillClrLst meth="repeat">
+      <a:schemeClr val="accent2"/>
+    </dgm:fillClrLst>
+    <dgm:linClrLst meth="repeat">
+      <a:schemeClr val="lt1"/>
+    </dgm:linClrLst>
+    <dgm:effectClrLst/>
+    <dgm:txLinClrLst/>
+    <dgm:txFillClrLst/>
+    <dgm:txEffectClrLst/>
+  </dgm:styleLbl>
+  <dgm:styleLbl name="vennNode1">
+    <dgm:fillClrLst meth="repeat">
+      <a:schemeClr val="accent2">
+        <a:alpha val="50000"/>
+      </a:schemeClr>
+    </dgm:fillClrLst>
+    <dgm:linClrLst meth="repeat">
+      <a:schemeClr val="lt1"/>
+    </dgm:linClrLst>
+    <dgm:effectClrLst/>
+    <dgm:txLinClrLst/>
+    <dgm:txFillClrLst/>
+    <dgm:txEffectClrLst/>
+  </dgm:styleLbl>
+  <dgm:styleLbl name="node2">
+    <dgm:fillClrLst meth="repeat">
+      <a:schemeClr val="accent2"/>
+    </dgm:fillClrLst>
+    <dgm:linClrLst meth="repeat">
+      <a:schemeClr val="lt1"/>
+    </dgm:linClrLst>
+    <dgm:effectClrLst/>
+    <dgm:txLinClrLst/>
+    <dgm:txFillClrLst/>
+    <dgm:txEffectClrLst/>
+  </dgm:styleLbl>
+  <dgm:styleLbl name="node3">
+    <dgm:fillClrLst meth="repeat">
+      <a:schemeClr val="accent2"/>
+    </dgm:fillClrLst>
+    <dgm:linClrLst meth="repeat">
+      <a:schemeClr val="lt1"/>
+    </dgm:linClrLst>
+    <dgm:effectClrLst/>
+    <dgm:txLinClrLst/>
+    <dgm:txFillClrLst/>
+    <dgm:txEffectClrLst/>
+  </dgm:styleLbl>
+  <dgm:styleLbl name="node4">
+    <dgm:fillClrLst meth="repeat">
+      <a:schemeClr val="accent2"/>
+    </dgm:fillClrLst>
+    <dgm:linClrLst meth="repeat">
+      <a:schemeClr val="lt1"/>
+    </dgm:linClrLst>
+    <dgm:effectClrLst/>
+    <dgm:txLinClrLst/>
+    <dgm:txFillClrLst/>
+    <dgm:txEffectClrLst/>
+  </dgm:styleLbl>
+  <dgm:styleLbl name="fgImgPlace1">
+    <dgm:fillClrLst meth="repeat">
+      <a:schemeClr val="accent2">
+        <a:tint val="50000"/>
+      </a:schemeClr>
+    </dgm:fillClrLst>
+    <dgm:linClrLst meth="repeat">
+      <a:schemeClr val="lt1"/>
+    </dgm:linClrLst>
+    <dgm:effectClrLst/>
+    <dgm:txLinClrLst/>
+    <dgm:txFillClrLst meth="repeat">
+      <a:schemeClr val="lt1"/>
+    </dgm:txFillClrLst>
+    <dgm:txEffectClrLst/>
+  </dgm:styleLbl>
+  <dgm:styleLbl name="alignImgPlace1">
+    <dgm:fillClrLst meth="repeat">
+      <a:schemeClr val="accent2">
+        <a:tint val="50000"/>
+      </a:schemeClr>
+    </dgm:fillClrLst>
+    <dgm:linClrLst meth="repeat">
+      <a:schemeClr val="lt1"/>
+    </dgm:linClrLst>
+    <dgm:effectClrLst/>
+    <dgm:txLinClrLst/>
+    <dgm:txFillClrLst meth="repeat">
+      <a:schemeClr val="lt1"/>
+    </dgm:txFillClrLst>
+    <dgm:txEffectClrLst/>
+  </dgm:styleLbl>
+  <dgm:styleLbl name="bgImgPlace1">
+    <dgm:fillClrLst meth="repeat">
+      <a:schemeClr val="accent2">
+        <a:tint val="50000"/>
+      </a:schemeClr>
+    </dgm:fillClrLst>
+    <dgm:linClrLst meth="repeat">
+      <a:schemeClr val="lt1"/>
+    </dgm:linClrLst>
+    <dgm:effectClrLst/>
+    <dgm:txLinClrLst/>
+    <dgm:txFillClrLst meth="repeat">
+      <a:schemeClr val="lt1"/>
+    </dgm:txFillClrLst>
+    <dgm:txEffectClrLst/>
+  </dgm:styleLbl>
+  <dgm:styleLbl name="sibTrans2D1">
+    <dgm:fillClrLst meth="repeat">
+      <a:schemeClr val="accent2">
+        <a:tint val="60000"/>
+      </a:schemeClr>
+    </dgm:fillClrLst>
+    <dgm:linClrLst meth="repeat">
+      <a:schemeClr val="accent2">
+        <a:tint val="60000"/>
+      </a:schemeClr>
+    </dgm:linClrLst>
+    <dgm:effectClrLst/>
+    <dgm:txLinClrLst/>
+    <dgm:txFillClrLst/>
+    <dgm:txEffectClrLst/>
+  </dgm:styleLbl>
+  <dgm:styleLbl name="fgSibTrans2D1">
+    <dgm:fillClrLst meth="repeat">
+      <a:schemeClr val="accent2">
+        <a:tint val="60000"/>
+      </a:schemeClr>
+    </dgm:fillClrLst>
+    <dgm:linClrLst meth="repeat">
+      <a:schemeClr val="accent2">
+        <a:tint val="60000"/>
+      </a:schemeClr>
+    </dgm:linClrLst>
+    <dgm:effectClrLst/>
+    <dgm:txLinClrLst/>
+    <dgm:txFillClrLst/>
+    <dgm:txEffectClrLst/>
+  </dgm:styleLbl>
+  <dgm:styleLbl name="bgSibTrans2D1">
+    <dgm:fillClrLst meth="repeat">
+      <a:schemeClr val="accent2">
+        <a:tint val="60000"/>
+      </a:schemeClr>
+    </dgm:fillClrLst>
+    <dgm:linClrLst meth="repeat">
+      <a:schemeClr val="accent2">
+        <a:tint val="60000"/>
+      </a:schemeClr>
+    </dgm:linClrLst>
+    <dgm:effectClrLst/>
+    <dgm:txLinClrLst/>
+    <dgm:txFillClrLst/>
+    <dgm:txEffectClrLst/>
+  </dgm:styleLbl>
+  <dgm:styleLbl name="sibTrans1D1">
+    <dgm:fillClrLst meth="repeat">
+      <a:schemeClr val="accent2"/>
+    </dgm:fillClrLst>
+    <dgm:linClrLst meth="repeat">
+      <a:schemeClr val="accent2"/>
+    </dgm:linClrLst>
+    <dgm:effectClrLst/>
+    <dgm:txLinClrLst/>
+    <dgm:txFillClrLst meth="repeat">
+      <a:schemeClr val="tx1"/>
+    </dgm:txFillClrLst>
+    <dgm:txEffectClrLst/>
+  </dgm:styleLbl>
+  <dgm:styleLbl name="callout">
+    <dgm:fillClrLst meth="repeat">
+      <a:schemeClr val="accent2"/>
+    </dgm:fillClrLst>
+    <dgm:linClrLst meth="repeat">
+      <a:schemeClr val="accent2">
+        <a:tint val="50000"/>
+      </a:schemeClr>
+    </dgm:linClrLst>
+    <dgm:effectClrLst/>
+    <dgm:txLinClrLst/>
+    <dgm:txFillClrLst meth="repeat">
+      <a:schemeClr val="tx1"/>
+    </dgm:txFillClrLst>
+    <dgm:txEffectClrLst/>
+  </dgm:styleLbl>
+  <dgm:styleLbl name="asst0">
+    <dgm:fillClrLst meth="repeat">
+      <a:schemeClr val="accent2"/>
+    </dgm:fillClrLst>
+    <dgm:linClrLst meth="repeat">
+      <a:schemeClr val="lt1"/>
+    </dgm:linClrLst>
+    <dgm:effectClrLst/>
+    <dgm:txLinClrLst/>
+    <dgm:txFillClrLst/>
+    <dgm:txEffectClrLst/>
+  </dgm:styleLbl>
+  <dgm:styleLbl name="asst1">
+    <dgm:fillClrLst meth="repeat">
+      <a:schemeClr val="accent2"/>
+    </dgm:fillClrLst>
+    <dgm:linClrLst meth="repeat">
+      <a:schemeClr val="lt1"/>
+    </dgm:linClrLst>
+    <dgm:effectClrLst/>
+    <dgm:txLinClrLst/>
+    <dgm:txFillClrLst/>
+    <dgm:txEffectClrLst/>
+  </dgm:styleLbl>
+  <dgm:styleLbl name="asst2">
+    <dgm:fillClrLst meth="repeat">
+      <a:schemeClr val="accent2"/>
+    </dgm:fillClrLst>
+    <dgm:linClrLst meth="repeat">
+      <a:schemeClr val="lt1"/>
+    </dgm:linClrLst>
+    <dgm:effectClrLst/>
+    <dgm:txLinClrLst/>
+    <dgm:txFillClrLst/>
+    <dgm:txEffectClrLst/>
+  </dgm:styleLbl>
+  <dgm:styleLbl name="asst3">
+    <dgm:fillClrLst meth="repeat">
+      <a:schemeClr val="accent2"/>
+    </dgm:fillClrLst>
+    <dgm:linClrLst meth="repeat">
+      <a:schemeClr val="lt1"/>
+    </dgm:linClrLst>
+    <dgm:effectClrLst/>
+    <dgm:txLinClrLst/>
+    <dgm:txFillClrLst/>
+    <dgm:txEffectClrLst/>
+  </dgm:styleLbl>
+  <dgm:styleLbl name="asst4">
+    <dgm:fillClrLst meth="repeat">
+      <a:schemeClr val="accent2"/>
+    </dgm:fillClrLst>
+    <dgm:linClrLst meth="repeat">
+      <a:schemeClr val="lt1"/>
+    </dgm:linClrLst>
+    <dgm:effectClrLst/>
+    <dgm:txLinClrLst/>
+    <dgm:txFillClrLst/>
+    <dgm:txEffectClrLst/>
+  </dgm:styleLbl>
+  <dgm:styleLbl name="parChTrans2D1">
+    <dgm:fillClrLst meth="repeat">
+      <a:schemeClr val="accent2">
+        <a:tint val="60000"/>
+      </a:schemeClr>
+    </dgm:fillClrLst>
+    <dgm:linClrLst meth="repeat">
+      <a:schemeClr val="accent2">
+        <a:tint val="60000"/>
+      </a:schemeClr>
+    </dgm:linClrLst>
+    <dgm:effectClrLst/>
+    <dgm:txLinClrLst/>
+    <dgm:txFillClrLst meth="repeat">
+      <a:schemeClr val="lt1"/>
+    </dgm:txFillClrLst>
+    <dgm:txEffectClrLst/>
+  </dgm:styleLbl>
+  <dgm:styleLbl name="parChTrans2D2">
+    <dgm:fillClrLst meth="repeat">
+      <a:schemeClr val="accent2"/>
+    </dgm:fillClrLst>
+    <dgm:linClrLst meth="repeat">
+      <a:schemeClr val="accent2"/>
+    </dgm:linClrLst>
+    <dgm:effectClrLst/>
+    <dgm:txLinClrLst/>
+    <dgm:txFillClrLst meth="repeat">
+      <a:schemeClr val="lt1"/>
+    </dgm:txFillClrLst>
+    <dgm:txEffectClrLst/>
+  </dgm:styleLbl>
+  <dgm:styleLbl name="parChTrans2D3">
+    <dgm:fillClrLst meth="repeat">
+      <a:schemeClr val="accent2"/>
+    </dgm:fillClrLst>
+    <dgm:linClrLst meth="repeat">
+      <a:schemeClr val="accent2"/>
+    </dgm:linClrLst>
+    <dgm:effectClrLst/>
+    <dgm:txLinClrLst/>
+    <dgm:txFillClrLst meth="repeat">
+      <a:schemeClr val="lt1"/>
+    </dgm:txFillClrLst>
+    <dgm:txEffectClrLst/>
+  </dgm:styleLbl>
+  <dgm:styleLbl name="parChTrans2D4">
+    <dgm:fillClrLst meth="repeat">
+      <a:schemeClr val="accent2"/>
+    </dgm:fillClrLst>
+    <dgm:linClrLst meth="repeat">
+      <a:schemeClr val="accent2"/>
+    </dgm:linClrLst>
+    <dgm:effectClrLst/>
+    <dgm:txLinClrLst/>
+    <dgm:txFillClrLst meth="repeat">
+      <a:schemeClr val="lt1"/>
+    </dgm:txFillClrLst>
+    <dgm:txEffectClrLst/>
+  </dgm:styleLbl>
+  <dgm:styleLbl name="parChTrans1D1">
+    <dgm:fillClrLst meth="repeat">
+      <a:schemeClr val="accent2"/>
+    </dgm:fillClrLst>
+    <dgm:linClrLst meth="repeat">
+      <a:schemeClr val="accent2">
+        <a:shade val="60000"/>
+      </a:schemeClr>
+    </dgm:linClrLst>
+    <dgm:effectClrLst/>
+    <dgm:txLinClrLst/>
+    <dgm:txFillClrLst meth="repeat">
+      <a:schemeClr val="tx1"/>
+    </dgm:txFillClrLst>
+    <dgm:txEffectClrLst/>
+  </dgm:styleLbl>
+  <dgm:styleLbl name="parChTrans1D2">
+    <dgm:fillClrLst meth="repeat">
+      <a:schemeClr val="accent2"/>
+    </dgm:fillClrLst>
+    <dgm:linClrLst meth="repeat">
+      <a:schemeClr val="accent2">
+        <a:shade val="60000"/>
+      </a:schemeClr>
+    </dgm:linClrLst>
+    <dgm:effectClrLst/>
+    <dgm:txLinClrLst/>
+    <dgm:txFillClrLst meth="repeat">
+      <a:schemeClr val="tx1"/>
+    </dgm:txFillClrLst>
+    <dgm:txEffectClrLst/>
+  </dgm:styleLbl>
+  <dgm:styleLbl name="parChTrans1D3">
+    <dgm:fillClrLst meth="repeat">
+      <a:schemeClr val="accent2"/>
+    </dgm:fillClrLst>
+    <dgm:linClrLst meth="repeat">
+      <a:schemeClr val="accent2">
+        <a:shade val="80000"/>
+      </a:schemeClr>
+    </dgm:linClrLst>
+    <dgm:effectClrLst/>
+    <dgm:txLinClrLst/>
+    <dgm:txFillClrLst meth="repeat">
+      <a:schemeClr val="tx1"/>
+    </dgm:txFillClrLst>
+    <dgm:txEffectClrLst/>
+  </dgm:styleLbl>
+  <dgm:styleLbl name="parChTrans1D4">
+    <dgm:fillClrLst meth="repeat">
+      <a:schemeClr val="accent2"/>
+    </dgm:fillClrLst>
+    <dgm:linClrLst meth="repeat">
+      <a:schemeClr val="accent2">
+        <a:shade val="80000"/>
+      </a:schemeClr>
+    </dgm:linClrLst>
+    <dgm:effectClrLst/>
+    <dgm:txLinClrLst/>
+    <dgm:txFillClrLst meth="repeat">
+      <a:schemeClr val="tx1"/>
+    </dgm:txFillClrLst>
+    <dgm:txEffectClrLst/>
+  </dgm:styleLbl>
+  <dgm:styleLbl name="fgAcc1">
+    <dgm:fillClrLst meth="repeat">
+      <a:schemeClr val="lt1">
+        <a:alpha val="90000"/>
+      </a:schemeClr>
+    </dgm:fillClrLst>
+    <dgm:linClrLst meth="repeat">
+      <a:schemeClr val="accent2"/>
+    </dgm:linClrLst>
+    <dgm:effectClrLst/>
+    <dgm:txLinClrLst/>
+    <dgm:txFillClrLst meth="repeat">
+      <a:schemeClr val="dk1"/>
+    </dgm:txFillClrLst>
+    <dgm:txEffectClrLst/>
+  </dgm:styleLbl>
+  <dgm:styleLbl name="conFgAcc1">
+    <dgm:fillClrLst meth="repeat">
+      <a:schemeClr val="lt1">
+        <a:alpha val="90000"/>
+      </a:schemeClr>
+    </dgm:fillClrLst>
+    <dgm:linClrLst meth="repeat">
+      <a:schemeClr val="accent2"/>
+    </dgm:linClrLst>
+    <dgm:effectClrLst/>
+    <dgm:txLinClrLst/>
+    <dgm:txFillClrLst meth="repeat">
+      <a:schemeClr val="dk1"/>
+    </dgm:txFillClrLst>
+    <dgm:txEffectClrLst/>
+  </dgm:styleLbl>
+  <dgm:styleLbl name="alignAcc1">
+    <dgm:fillClrLst meth="repeat">
+      <a:schemeClr val="lt1">
+        <a:alpha val="90000"/>
+      </a:schemeClr>
+    </dgm:fillClrLst>
+    <dgm:linClrLst meth="repeat">
+      <a:schemeClr val="accent2"/>
+    </dgm:linClrLst>
+    <dgm:effectClrLst/>
+    <dgm:txLinClrLst/>
+    <dgm:txFillClrLst meth="repeat">
+      <a:schemeClr val="dk1"/>
+    </dgm:txFillClrLst>
+    <dgm:txEffectClrLst/>
+  </dgm:styleLbl>
+  <dgm:styleLbl name="trAlignAcc1">
+    <dgm:fillClrLst meth="repeat">
+      <a:schemeClr val="lt1">
+        <a:alpha val="40000"/>
+      </a:schemeClr>
+    </dgm:fillClrLst>
+    <dgm:linClrLst meth="repeat">
+      <a:schemeClr val="accent2"/>
+    </dgm:linClrLst>
+    <dgm:effectClrLst/>
+    <dgm:txLinClrLst/>
+    <dgm:txFillClrLst meth="repeat">
+      <a:schemeClr val="dk1"/>
+    </dgm:txFillClrLst>
+    <dgm:txEffectClrLst/>
+  </dgm:styleLbl>
+  <dgm:styleLbl name="bgAcc1">
+    <dgm:fillClrLst meth="repeat">
+      <a:schemeClr val="lt1">
+        <a:alpha val="90000"/>
+      </a:schemeClr>
+    </dgm:fillClrLst>
+    <dgm:linClrLst meth="repeat">
+      <a:schemeClr val="accent2"/>
+    </dgm:linClrLst>
+    <dgm:effectClrLst/>
+    <dgm:txLinClrLst/>
+    <dgm:txFillClrLst meth="repeat">
+      <a:schemeClr val="dk1"/>
+    </dgm:txFillClrLst>
+    <dgm:txEffectClrLst/>
+  </dgm:styleLbl>
+  <dgm:styleLbl name="solidFgAcc1">
+    <dgm:fillClrLst meth="repeat">
+      <a:schemeClr val="lt1"/>
+    </dgm:fillClrLst>
+    <dgm:linClrLst meth="repeat">
+      <a:schemeClr val="accent2"/>
+    </dgm:linClrLst>
+    <dgm:effectClrLst/>
+    <dgm:txLinClrLst/>
+    <dgm:txFillClrLst meth="repeat">
+      <a:schemeClr val="dk1"/>
+    </dgm:txFillClrLst>
+    <dgm:txEffectClrLst/>
+  </dgm:styleLbl>
+  <dgm:styleLbl name="solidAlignAcc1">
+    <dgm:fillClrLst meth="repeat">
+      <a:schemeClr val="lt1"/>
+    </dgm:fillClrLst>
+    <dgm:linClrLst meth="repeat">
+      <a:schemeClr val="accent2"/>
+    </dgm:linClrLst>
+    <dgm:effectClrLst/>
+    <dgm:txLinClrLst/>
+    <dgm:txFillClrLst meth="repeat">
+      <a:schemeClr val="dk1"/>
+    </dgm:txFillClrLst>
+    <dgm:txEffectClrLst/>
+  </dgm:styleLbl>
+  <dgm:styleLbl name="solidBgAcc1">
+    <dgm:fillClrLst meth="repeat">
+      <a:schemeClr val="lt1"/>
+    </dgm:fillClrLst>
+    <dgm:linClrLst meth="repeat">
+      <a:schemeClr val="accent2"/>
+    </dgm:linClrLst>
+    <dgm:effectClrLst/>
+    <dgm:txLinClrLst/>
+    <dgm:txFillClrLst meth="repeat">
+      <a:schemeClr val="dk1"/>
+    </dgm:txFillClrLst>
+    <dgm:txEffectClrLst/>
+  </dgm:styleLbl>
+  <dgm:styleLbl name="fgAccFollowNode1">
+    <dgm:fillClrLst meth="repeat">
+      <a:schemeClr val="accent2">
+        <a:alpha val="90000"/>
+        <a:tint val="40000"/>
+      </a:schemeClr>
+    </dgm:fillClrLst>
+    <dgm:linClrLst meth="repeat">
+      <a:schemeClr val="accent2">
+        <a:alpha val="90000"/>
+        <a:tint val="40000"/>
+      </a:schemeClr>
+    </dgm:linClrLst>
+    <dgm:effectClrLst/>
+    <dgm:txLinClrLst/>
+    <dgm:txFillClrLst meth="repeat">
+      <a:schemeClr val="dk1"/>
+    </dgm:txFillClrLst>
+    <dgm:txEffectClrLst/>
+  </dgm:styleLbl>
+  <dgm:styleLbl name="alignAccFollowNode1">
+    <dgm:fillClrLst meth="repeat">
+      <a:schemeClr val="accent2">
+        <a:alpha val="90000"/>
+        <a:tint val="40000"/>
+      </a:schemeClr>
+    </dgm:fillClrLst>
+    <dgm:linClrLst meth="repeat">
+      <a:schemeClr val="accent2">
+        <a:alpha val="90000"/>
+        <a:tint val="40000"/>
+      </a:schemeClr>
+    </dgm:linClrLst>
+    <dgm:effectClrLst/>
+    <dgm:txLinClrLst/>
+    <dgm:txFillClrLst meth="repeat">
+      <a:schemeClr val="dk1"/>
+    </dgm:txFillClrLst>
+    <dgm:txEffectClrLst/>
+  </dgm:styleLbl>
+  <dgm:styleLbl name="bgAccFollowNode1">
+    <dgm:fillClrLst meth="repeat">
+      <a:schemeClr val="accent2">
+        <a:alpha val="90000"/>
+        <a:tint val="40000"/>
+      </a:schemeClr>
+    </dgm:fillClrLst>
+    <dgm:linClrLst meth="repeat">
+      <a:schemeClr val="accent2">
+        <a:alpha val="90000"/>
+        <a:tint val="40000"/>
+      </a:schemeClr>
+    </dgm:linClrLst>
+    <dgm:effectClrLst/>
+    <dgm:txLinClrLst/>
+    <dgm:txFillClrLst meth="repeat">
+      <a:schemeClr val="dk1"/>
+    </dgm:txFillClrLst>
+    <dgm:txEffectClrLst/>
+  </dgm:styleLbl>
+  <dgm:styleLbl name="fgAcc0">
+    <dgm:fillClrLst meth="repeat">
+      <a:schemeClr val="lt1">
+        <a:alpha val="90000"/>
+      </a:schemeClr>
+    </dgm:fillClrLst>
+    <dgm:linClrLst meth="repeat">
+      <a:schemeClr val="accent2"/>
+    </dgm:linClrLst>
+    <dgm:effectClrLst/>
+    <dgm:txLinClrLst/>
+    <dgm:txFillClrLst meth="repeat">
+      <a:schemeClr val="dk1"/>
+    </dgm:txFillClrLst>
+    <dgm:txEffectClrLst/>
+  </dgm:styleLbl>
+  <dgm:styleLbl name="fgAcc2">
+    <dgm:fillClrLst meth="repeat">
+      <a:schemeClr val="lt1">
+        <a:alpha val="90000"/>
+      </a:schemeClr>
+    </dgm:fillClrLst>
+    <dgm:linClrLst meth="repeat">
+      <a:schemeClr val="accent2"/>
+    </dgm:linClrLst>
+    <dgm:effectClrLst/>
+    <dgm:txLinClrLst/>
+    <dgm:txFillClrLst meth="repeat">
+      <a:schemeClr val="dk1"/>
+    </dgm:txFillClrLst>
+    <dgm:txEffectClrLst/>
+  </dgm:styleLbl>
+  <dgm:styleLbl name="fgAcc3">
+    <dgm:fillClrLst meth="repeat">
+      <a:schemeClr val="lt1">
+        <a:alpha val="90000"/>
+      </a:schemeClr>
+    </dgm:fillClrLst>
+    <dgm:linClrLst meth="repeat">
+      <a:schemeClr val="accent2"/>
+    </dgm:linClrLst>
+    <dgm:effectClrLst/>
+    <dgm:txLinClrLst/>
+    <dgm:txFillClrLst meth="repeat">
+      <a:schemeClr val="dk1"/>
+    </dgm:txFillClrLst>
+    <dgm:txEffectClrLst/>
+  </dgm:styleLbl>
+  <dgm:styleLbl name="fgAcc4">
+    <dgm:fillClrLst meth="repeat">
+      <a:schemeClr val="lt1">
+        <a:alpha val="90000"/>
+      </a:schemeClr>
+    </dgm:fillClrLst>
+    <dgm:linClrLst meth="repeat">
+      <a:schemeClr val="accent2"/>
+    </dgm:linClrLst>
+    <dgm:effectClrLst/>
+    <dgm:txLinClrLst/>
+    <dgm:txFillClrLst meth="repeat">
+      <a:schemeClr val="dk1"/>
+    </dgm:txFillClrLst>
+    <dgm:txEffectClrLst/>
+  </dgm:styleLbl>
+  <dgm:styleLbl name="bgShp">
+    <dgm:fillClrLst meth="repeat">
+      <a:schemeClr val="accent2">
+        <a:tint val="40000"/>
+      </a:schemeClr>
+    </dgm:fillClrLst>
+    <dgm:linClrLst meth="repeat">
+      <a:schemeClr val="accent2"/>
+    </dgm:linClrLst>
+    <dgm:effectClrLst/>
+    <dgm:txLinClrLst/>
+    <dgm:txFillClrLst meth="repeat">
+      <a:schemeClr val="dk1"/>
+    </dgm:txFillClrLst>
+    <dgm:txEffectClrLst/>
+  </dgm:styleLbl>
+  <dgm:styleLbl name="dkBgShp">
+    <dgm:fillClrLst meth="repeat">
+      <a:schemeClr val="accent2">
+        <a:shade val="80000"/>
+      </a:schemeClr>
+    </dgm:fillClrLst>
+    <dgm:linClrLst meth="repeat">
+      <a:schemeClr val="accent2"/>
+    </dgm:linClrLst>
+    <dgm:effectClrLst/>
+    <dgm:txLinClrLst/>
+    <dgm:txFillClrLst meth="repeat">
+      <a:schemeClr val="lt1"/>
+    </dgm:txFillClrLst>
+    <dgm:txEffectClrLst/>
+  </dgm:styleLbl>
+  <dgm:styleLbl name="trBgShp">
+    <dgm:fillClrLst meth="repeat">
+      <a:schemeClr val="accent2">
+        <a:tint val="50000"/>
+        <a:alpha val="40000"/>
+      </a:schemeClr>
+    </dgm:fillClrLst>
+    <dgm:linClrLst meth="repeat">
+      <a:schemeClr val="accent2"/>
+    </dgm:linClrLst>
+    <dgm:effectClrLst/>
+    <dgm:txLinClrLst/>
+    <dgm:txFillClrLst meth="repeat">
+      <a:schemeClr val="lt1"/>
+    </dgm:txFillClrLst>
+    <dgm:txEffectClrLst/>
+  </dgm:styleLbl>
+  <dgm:styleLbl name="fgShp">
+    <dgm:fillClrLst meth="repeat">
+      <a:schemeClr val="accent2">
         <a:tint val="60000"/>
       </a:schemeClr>
     </dgm:fillClrLst>
@@ -3008,6 +4761,372 @@
     <dgm:cxn modelId="{683A8B8A-607D-BA42-841E-EC43E8088938}" type="presParOf" srcId="{10C46A61-2663-F645-B5D2-4C96AB249227}" destId="{5EE37F6C-1149-E640-8D39-47D69A4AA25E}" srcOrd="3" destOrd="0" presId="urn:microsoft.com/office/officeart/2008/layout/LinedList"/>
     <dgm:cxn modelId="{85C850F3-4A43-BE42-A33B-62C5EFCC38CD}" type="presParOf" srcId="{5EE37F6C-1149-E640-8D39-47D69A4AA25E}" destId="{31181475-9288-FE4C-BA16-81144F729772}" srcOrd="0" destOrd="0" presId="urn:microsoft.com/office/officeart/2008/layout/LinedList"/>
     <dgm:cxn modelId="{21C684E9-5AE0-E844-9E73-B834CF5FB4C7}" type="presParOf" srcId="{5EE37F6C-1149-E640-8D39-47D69A4AA25E}" destId="{2F53DAFF-34C7-7145-ACE2-D6AA9BCF848C}" srcOrd="1" destOrd="0" presId="urn:microsoft.com/office/officeart/2008/layout/LinedList"/>
+  </dgm:cxnLst>
+  <dgm:bg/>
+  <dgm:whole/>
+  <dgm:extLst>
+    <a:ext uri="http://schemas.microsoft.com/office/drawing/2008/diagram">
+      <dsp:dataModelExt xmlns:dsp="http://schemas.microsoft.com/office/drawing/2008/diagram" relId="rId6" minVer="http://schemas.openxmlformats.org/drawingml/2006/diagram"/>
+    </a:ext>
+  </dgm:extLst>
+</dgm:dataModel>
+</file>
+
+<file path=ppt/diagrams/data4.xml><?xml version="1.0" encoding="utf-8"?>
+<dgm:dataModel xmlns:dgm="http://schemas.openxmlformats.org/drawingml/2006/diagram" xmlns:a="http://schemas.openxmlformats.org/drawingml/2006/main">
+  <dgm:ptLst>
+    <dgm:pt modelId="{A4E22E9C-BB9F-4546-950D-2EB94FE4AEDF}" type="doc">
+      <dgm:prSet loTypeId="urn:microsoft.com/office/officeart/2008/layout/LinedList" loCatId="list" qsTypeId="urn:microsoft.com/office/officeart/2005/8/quickstyle/simple1" qsCatId="simple" csTypeId="urn:microsoft.com/office/officeart/2005/8/colors/colorful5" csCatId="colorful"/>
+      <dgm:spPr/>
+      <dgm:t>
+        <a:bodyPr/>
+        <a:lstStyle/>
+        <a:p>
+          <a:endParaRPr lang="en-US"/>
+        </a:p>
+      </dgm:t>
+    </dgm:pt>
+    <dgm:pt modelId="{69A957F7-53C7-45CA-98D8-A43F7E8BDB48}">
+      <dgm:prSet/>
+      <dgm:spPr/>
+      <dgm:t>
+        <a:bodyPr/>
+        <a:lstStyle/>
+        <a:p>
+          <a:r>
+            <a:rPr lang="en-US"/>
+            <a:t>The program generally took about 45 mins to 30 mins to run, and in that time I decided to look at what are the other algorithms that are used for this purpose that have been recently developed. </a:t>
+          </a:r>
+        </a:p>
+      </dgm:t>
+    </dgm:pt>
+    <dgm:pt modelId="{68B517EA-856B-42F1-B227-AB0B668DF51F}" type="parTrans" cxnId="{C536D119-A698-42B3-947C-5BA5F5F642CF}">
+      <dgm:prSet/>
+      <dgm:spPr/>
+      <dgm:t>
+        <a:bodyPr/>
+        <a:lstStyle/>
+        <a:p>
+          <a:endParaRPr lang="en-US"/>
+        </a:p>
+      </dgm:t>
+    </dgm:pt>
+    <dgm:pt modelId="{320B6360-392D-4134-9E59-8A3F8E0CA15F}" type="sibTrans" cxnId="{C536D119-A698-42B3-947C-5BA5F5F642CF}">
+      <dgm:prSet/>
+      <dgm:spPr/>
+      <dgm:t>
+        <a:bodyPr/>
+        <a:lstStyle/>
+        <a:p>
+          <a:endParaRPr lang="en-US"/>
+        </a:p>
+      </dgm:t>
+    </dgm:pt>
+    <dgm:pt modelId="{07FE7051-CB87-43C8-959E-4DE67F5C84A1}">
+      <dgm:prSet/>
+      <dgm:spPr/>
+      <dgm:t>
+        <a:bodyPr/>
+        <a:lstStyle/>
+        <a:p>
+          <a:r>
+            <a:rPr lang="en-US"/>
+            <a:t>I came across CryoSPARC which has been recently developed and is giving serious competition to RELION. The main paper again lacked mathematical details, so after looking at the source code documentation and other supplementary documents, I have prepared a brief summary of the algorithm complete with mathematical details.</a:t>
+          </a:r>
+        </a:p>
+      </dgm:t>
+    </dgm:pt>
+    <dgm:pt modelId="{C80F5968-466A-410F-B158-ED30D2FB3F63}" type="parTrans" cxnId="{BA6EFAC2-2541-4031-AD05-FDF1F1B732D5}">
+      <dgm:prSet/>
+      <dgm:spPr/>
+      <dgm:t>
+        <a:bodyPr/>
+        <a:lstStyle/>
+        <a:p>
+          <a:endParaRPr lang="en-US"/>
+        </a:p>
+      </dgm:t>
+    </dgm:pt>
+    <dgm:pt modelId="{9A4FFCC6-6545-4213-9759-F358EB740E1E}" type="sibTrans" cxnId="{BA6EFAC2-2541-4031-AD05-FDF1F1B732D5}">
+      <dgm:prSet/>
+      <dgm:spPr/>
+      <dgm:t>
+        <a:bodyPr/>
+        <a:lstStyle/>
+        <a:p>
+          <a:endParaRPr lang="en-US"/>
+        </a:p>
+      </dgm:t>
+    </dgm:pt>
+    <dgm:pt modelId="{27588FEC-A8B2-49E2-BDDC-BD9C7F08A7CC}">
+      <dgm:prSet/>
+      <dgm:spPr/>
+      <dgm:t>
+        <a:bodyPr/>
+        <a:lstStyle/>
+        <a:p>
+          <a:r>
+            <a:rPr lang="en-US"/>
+            <a:t>Also I have compared the advantages and disadvantages of this algorithm compared to the relion algorithm.</a:t>
+          </a:r>
+        </a:p>
+      </dgm:t>
+    </dgm:pt>
+    <dgm:pt modelId="{9B8D391F-DB8E-4809-B3E5-730AA9B6E2A9}" type="parTrans" cxnId="{207E9DD5-C27E-4BEC-B9AC-54E13FC6887B}">
+      <dgm:prSet/>
+      <dgm:spPr/>
+      <dgm:t>
+        <a:bodyPr/>
+        <a:lstStyle/>
+        <a:p>
+          <a:endParaRPr lang="en-US"/>
+        </a:p>
+      </dgm:t>
+    </dgm:pt>
+    <dgm:pt modelId="{F738DB81-0FA6-4F0A-ACEB-3A49FED9BDA5}" type="sibTrans" cxnId="{207E9DD5-C27E-4BEC-B9AC-54E13FC6887B}">
+      <dgm:prSet/>
+      <dgm:spPr/>
+      <dgm:t>
+        <a:bodyPr/>
+        <a:lstStyle/>
+        <a:p>
+          <a:endParaRPr lang="en-US"/>
+        </a:p>
+      </dgm:t>
+    </dgm:pt>
+    <dgm:pt modelId="{CC68CAA5-04AF-4DB6-828F-9CC6A7E4783C}" type="pres">
+      <dgm:prSet presAssocID="{A4E22E9C-BB9F-4546-950D-2EB94FE4AEDF}" presName="vert0" presStyleCnt="0">
+        <dgm:presLayoutVars>
+          <dgm:dir/>
+          <dgm:animOne val="branch"/>
+          <dgm:animLvl val="lvl"/>
+        </dgm:presLayoutVars>
+      </dgm:prSet>
+      <dgm:spPr/>
+    </dgm:pt>
+    <dgm:pt modelId="{FC379A17-29AA-4675-AD39-D0DCE9532710}" type="pres">
+      <dgm:prSet presAssocID="{69A957F7-53C7-45CA-98D8-A43F7E8BDB48}" presName="thickLine" presStyleLbl="alignNode1" presStyleIdx="0" presStyleCnt="3"/>
+      <dgm:spPr/>
+    </dgm:pt>
+    <dgm:pt modelId="{B00D6B83-0F52-4289-AE39-7A6119B6FE1C}" type="pres">
+      <dgm:prSet presAssocID="{69A957F7-53C7-45CA-98D8-A43F7E8BDB48}" presName="horz1" presStyleCnt="0"/>
+      <dgm:spPr/>
+    </dgm:pt>
+    <dgm:pt modelId="{B1EDAEA8-DE7E-4A1A-8FA7-8E7C39A9F258}" type="pres">
+      <dgm:prSet presAssocID="{69A957F7-53C7-45CA-98D8-A43F7E8BDB48}" presName="tx1" presStyleLbl="revTx" presStyleIdx="0" presStyleCnt="3"/>
+      <dgm:spPr/>
+    </dgm:pt>
+    <dgm:pt modelId="{7DE5C233-C330-4566-9EDE-487F17A37C2C}" type="pres">
+      <dgm:prSet presAssocID="{69A957F7-53C7-45CA-98D8-A43F7E8BDB48}" presName="vert1" presStyleCnt="0"/>
+      <dgm:spPr/>
+    </dgm:pt>
+    <dgm:pt modelId="{63855087-5E80-4B80-8329-DCD0B4F88876}" type="pres">
+      <dgm:prSet presAssocID="{07FE7051-CB87-43C8-959E-4DE67F5C84A1}" presName="thickLine" presStyleLbl="alignNode1" presStyleIdx="1" presStyleCnt="3"/>
+      <dgm:spPr/>
+    </dgm:pt>
+    <dgm:pt modelId="{9986D81A-6A28-45AD-8933-1A88E17BCD7B}" type="pres">
+      <dgm:prSet presAssocID="{07FE7051-CB87-43C8-959E-4DE67F5C84A1}" presName="horz1" presStyleCnt="0"/>
+      <dgm:spPr/>
+    </dgm:pt>
+    <dgm:pt modelId="{B05699F9-20F8-4AE0-A690-11F5DFD5598F}" type="pres">
+      <dgm:prSet presAssocID="{07FE7051-CB87-43C8-959E-4DE67F5C84A1}" presName="tx1" presStyleLbl="revTx" presStyleIdx="1" presStyleCnt="3"/>
+      <dgm:spPr/>
+    </dgm:pt>
+    <dgm:pt modelId="{FEB35D4A-31F6-432C-8244-1AC5212B9A14}" type="pres">
+      <dgm:prSet presAssocID="{07FE7051-CB87-43C8-959E-4DE67F5C84A1}" presName="vert1" presStyleCnt="0"/>
+      <dgm:spPr/>
+    </dgm:pt>
+    <dgm:pt modelId="{7DA4A0BC-A004-4003-B1C1-4D634FA747FE}" type="pres">
+      <dgm:prSet presAssocID="{27588FEC-A8B2-49E2-BDDC-BD9C7F08A7CC}" presName="thickLine" presStyleLbl="alignNode1" presStyleIdx="2" presStyleCnt="3"/>
+      <dgm:spPr/>
+    </dgm:pt>
+    <dgm:pt modelId="{23AC4120-4CD4-44C8-B6B0-5E87EA37FA79}" type="pres">
+      <dgm:prSet presAssocID="{27588FEC-A8B2-49E2-BDDC-BD9C7F08A7CC}" presName="horz1" presStyleCnt="0"/>
+      <dgm:spPr/>
+    </dgm:pt>
+    <dgm:pt modelId="{8F2F2C01-44B4-4E1D-80DE-878C0E1A1F9A}" type="pres">
+      <dgm:prSet presAssocID="{27588FEC-A8B2-49E2-BDDC-BD9C7F08A7CC}" presName="tx1" presStyleLbl="revTx" presStyleIdx="2" presStyleCnt="3"/>
+      <dgm:spPr/>
+    </dgm:pt>
+    <dgm:pt modelId="{AE0114B2-E4B8-4541-8EAC-D1D033AF5A7A}" type="pres">
+      <dgm:prSet presAssocID="{27588FEC-A8B2-49E2-BDDC-BD9C7F08A7CC}" presName="vert1" presStyleCnt="0"/>
+      <dgm:spPr/>
+    </dgm:pt>
+  </dgm:ptLst>
+  <dgm:cxnLst>
+    <dgm:cxn modelId="{C536D119-A698-42B3-947C-5BA5F5F642CF}" srcId="{A4E22E9C-BB9F-4546-950D-2EB94FE4AEDF}" destId="{69A957F7-53C7-45CA-98D8-A43F7E8BDB48}" srcOrd="0" destOrd="0" parTransId="{68B517EA-856B-42F1-B227-AB0B668DF51F}" sibTransId="{320B6360-392D-4134-9E59-8A3F8E0CA15F}"/>
+    <dgm:cxn modelId="{A18BF719-0D79-4EAA-84D4-B3006C37F16E}" type="presOf" srcId="{69A957F7-53C7-45CA-98D8-A43F7E8BDB48}" destId="{B1EDAEA8-DE7E-4A1A-8FA7-8E7C39A9F258}" srcOrd="0" destOrd="0" presId="urn:microsoft.com/office/officeart/2008/layout/LinedList"/>
+    <dgm:cxn modelId="{C942A549-59B6-4864-BCD4-E6293E448AFC}" type="presOf" srcId="{07FE7051-CB87-43C8-959E-4DE67F5C84A1}" destId="{B05699F9-20F8-4AE0-A690-11F5DFD5598F}" srcOrd="0" destOrd="0" presId="urn:microsoft.com/office/officeart/2008/layout/LinedList"/>
+    <dgm:cxn modelId="{BA6EFAC2-2541-4031-AD05-FDF1F1B732D5}" srcId="{A4E22E9C-BB9F-4546-950D-2EB94FE4AEDF}" destId="{07FE7051-CB87-43C8-959E-4DE67F5C84A1}" srcOrd="1" destOrd="0" parTransId="{C80F5968-466A-410F-B158-ED30D2FB3F63}" sibTransId="{9A4FFCC6-6545-4213-9759-F358EB740E1E}"/>
+    <dgm:cxn modelId="{207E9DD5-C27E-4BEC-B9AC-54E13FC6887B}" srcId="{A4E22E9C-BB9F-4546-950D-2EB94FE4AEDF}" destId="{27588FEC-A8B2-49E2-BDDC-BD9C7F08A7CC}" srcOrd="2" destOrd="0" parTransId="{9B8D391F-DB8E-4809-B3E5-730AA9B6E2A9}" sibTransId="{F738DB81-0FA6-4F0A-ACEB-3A49FED9BDA5}"/>
+    <dgm:cxn modelId="{F8A961EF-A64E-4627-A12A-BBABA095B6F0}" type="presOf" srcId="{27588FEC-A8B2-49E2-BDDC-BD9C7F08A7CC}" destId="{8F2F2C01-44B4-4E1D-80DE-878C0E1A1F9A}" srcOrd="0" destOrd="0" presId="urn:microsoft.com/office/officeart/2008/layout/LinedList"/>
+    <dgm:cxn modelId="{C4BBA0FC-7732-401C-8F95-CAE79C3F9709}" type="presOf" srcId="{A4E22E9C-BB9F-4546-950D-2EB94FE4AEDF}" destId="{CC68CAA5-04AF-4DB6-828F-9CC6A7E4783C}" srcOrd="0" destOrd="0" presId="urn:microsoft.com/office/officeart/2008/layout/LinedList"/>
+    <dgm:cxn modelId="{A6EDF351-D0F0-45E3-A570-E2F4324179F5}" type="presParOf" srcId="{CC68CAA5-04AF-4DB6-828F-9CC6A7E4783C}" destId="{FC379A17-29AA-4675-AD39-D0DCE9532710}" srcOrd="0" destOrd="0" presId="urn:microsoft.com/office/officeart/2008/layout/LinedList"/>
+    <dgm:cxn modelId="{7C7C6649-0B75-43F3-8C35-06C128A89FCF}" type="presParOf" srcId="{CC68CAA5-04AF-4DB6-828F-9CC6A7E4783C}" destId="{B00D6B83-0F52-4289-AE39-7A6119B6FE1C}" srcOrd="1" destOrd="0" presId="urn:microsoft.com/office/officeart/2008/layout/LinedList"/>
+    <dgm:cxn modelId="{F8064F2A-F777-4C91-9A8D-4CE9B77DF7EE}" type="presParOf" srcId="{B00D6B83-0F52-4289-AE39-7A6119B6FE1C}" destId="{B1EDAEA8-DE7E-4A1A-8FA7-8E7C39A9F258}" srcOrd="0" destOrd="0" presId="urn:microsoft.com/office/officeart/2008/layout/LinedList"/>
+    <dgm:cxn modelId="{D506D7B0-4674-42F9-A2D9-7EB7E561DFB8}" type="presParOf" srcId="{B00D6B83-0F52-4289-AE39-7A6119B6FE1C}" destId="{7DE5C233-C330-4566-9EDE-487F17A37C2C}" srcOrd="1" destOrd="0" presId="urn:microsoft.com/office/officeart/2008/layout/LinedList"/>
+    <dgm:cxn modelId="{8AD42C73-60BE-4038-ABAC-4DF094ACBCC6}" type="presParOf" srcId="{CC68CAA5-04AF-4DB6-828F-9CC6A7E4783C}" destId="{63855087-5E80-4B80-8329-DCD0B4F88876}" srcOrd="2" destOrd="0" presId="urn:microsoft.com/office/officeart/2008/layout/LinedList"/>
+    <dgm:cxn modelId="{335A1754-908B-4296-90C5-C4A057561532}" type="presParOf" srcId="{CC68CAA5-04AF-4DB6-828F-9CC6A7E4783C}" destId="{9986D81A-6A28-45AD-8933-1A88E17BCD7B}" srcOrd="3" destOrd="0" presId="urn:microsoft.com/office/officeart/2008/layout/LinedList"/>
+    <dgm:cxn modelId="{EBA9F461-68A7-47DA-9944-0EF64286CC16}" type="presParOf" srcId="{9986D81A-6A28-45AD-8933-1A88E17BCD7B}" destId="{B05699F9-20F8-4AE0-A690-11F5DFD5598F}" srcOrd="0" destOrd="0" presId="urn:microsoft.com/office/officeart/2008/layout/LinedList"/>
+    <dgm:cxn modelId="{D7689CD9-1821-47A4-9C5C-2533A1B12DE2}" type="presParOf" srcId="{9986D81A-6A28-45AD-8933-1A88E17BCD7B}" destId="{FEB35D4A-31F6-432C-8244-1AC5212B9A14}" srcOrd="1" destOrd="0" presId="urn:microsoft.com/office/officeart/2008/layout/LinedList"/>
+    <dgm:cxn modelId="{F160A400-EEA9-42E2-A939-7E6FC522BD33}" type="presParOf" srcId="{CC68CAA5-04AF-4DB6-828F-9CC6A7E4783C}" destId="{7DA4A0BC-A004-4003-B1C1-4D634FA747FE}" srcOrd="4" destOrd="0" presId="urn:microsoft.com/office/officeart/2008/layout/LinedList"/>
+    <dgm:cxn modelId="{F854A6E3-6103-4764-9839-60602342A873}" type="presParOf" srcId="{CC68CAA5-04AF-4DB6-828F-9CC6A7E4783C}" destId="{23AC4120-4CD4-44C8-B6B0-5E87EA37FA79}" srcOrd="5" destOrd="0" presId="urn:microsoft.com/office/officeart/2008/layout/LinedList"/>
+    <dgm:cxn modelId="{28DA9A8F-65AD-49A3-88BE-A1DA2A26B9A2}" type="presParOf" srcId="{23AC4120-4CD4-44C8-B6B0-5E87EA37FA79}" destId="{8F2F2C01-44B4-4E1D-80DE-878C0E1A1F9A}" srcOrd="0" destOrd="0" presId="urn:microsoft.com/office/officeart/2008/layout/LinedList"/>
+    <dgm:cxn modelId="{BA5DAEA1-BB1A-4419-9DCA-EAD342DFDB96}" type="presParOf" srcId="{23AC4120-4CD4-44C8-B6B0-5E87EA37FA79}" destId="{AE0114B2-E4B8-4541-8EAC-D1D033AF5A7A}" srcOrd="1" destOrd="0" presId="urn:microsoft.com/office/officeart/2008/layout/LinedList"/>
+  </dgm:cxnLst>
+  <dgm:bg/>
+  <dgm:whole/>
+  <dgm:extLst>
+    <a:ext uri="http://schemas.microsoft.com/office/drawing/2008/diagram">
+      <dsp:dataModelExt xmlns:dsp="http://schemas.microsoft.com/office/drawing/2008/diagram" relId="rId6" minVer="http://schemas.openxmlformats.org/drawingml/2006/diagram"/>
+    </a:ext>
+  </dgm:extLst>
+</dgm:dataModel>
+</file>
+
+<file path=ppt/diagrams/data5.xml><?xml version="1.0" encoding="utf-8"?>
+<dgm:dataModel xmlns:dgm="http://schemas.openxmlformats.org/drawingml/2006/diagram" xmlns:a="http://schemas.openxmlformats.org/drawingml/2006/main">
+  <dgm:ptLst>
+    <dgm:pt modelId="{B5A4E00C-556B-4336-AA22-8429973BE281}" type="doc">
+      <dgm:prSet loTypeId="urn:microsoft.com/office/officeart/2008/layout/LinedList" loCatId="list" qsTypeId="urn:microsoft.com/office/officeart/2005/8/quickstyle/simple4" qsCatId="simple" csTypeId="urn:microsoft.com/office/officeart/2005/8/colors/accent2_2" csCatId="accent2"/>
+      <dgm:spPr/>
+      <dgm:t>
+        <a:bodyPr/>
+        <a:lstStyle/>
+        <a:p>
+          <a:endParaRPr lang="en-US"/>
+        </a:p>
+      </dgm:t>
+    </dgm:pt>
+    <dgm:pt modelId="{54BD0F9A-50D3-4B9D-BF0A-FECADFA684BB}">
+      <dgm:prSet/>
+      <dgm:spPr/>
+      <dgm:t>
+        <a:bodyPr/>
+        <a:lstStyle/>
+        <a:p>
+          <a:r>
+            <a:rPr lang="en-US"/>
+            <a:t>Over the coming week, the mathematics of the new priors will be worked out, and experiments will be run to see if we can impose stronger priors on the Fourier coefficients as the iterations progress. </a:t>
+          </a:r>
+        </a:p>
+      </dgm:t>
+    </dgm:pt>
+    <dgm:pt modelId="{2AE9F4DF-C451-4418-8E9E-7D70C660835C}" type="parTrans" cxnId="{3CA4BB05-07EF-4127-A204-F33D20980855}">
+      <dgm:prSet/>
+      <dgm:spPr/>
+      <dgm:t>
+        <a:bodyPr/>
+        <a:lstStyle/>
+        <a:p>
+          <a:endParaRPr lang="en-US"/>
+        </a:p>
+      </dgm:t>
+    </dgm:pt>
+    <dgm:pt modelId="{A4D799BC-D0F1-4F05-908A-FB5FA1DAC58D}" type="sibTrans" cxnId="{3CA4BB05-07EF-4127-A204-F33D20980855}">
+      <dgm:prSet/>
+      <dgm:spPr/>
+      <dgm:t>
+        <a:bodyPr/>
+        <a:lstStyle/>
+        <a:p>
+          <a:endParaRPr lang="en-US"/>
+        </a:p>
+      </dgm:t>
+    </dgm:pt>
+    <dgm:pt modelId="{A0BDD67C-2051-4A1F-B10A-E78D62C401BF}">
+      <dgm:prSet/>
+      <dgm:spPr/>
+      <dgm:t>
+        <a:bodyPr/>
+        <a:lstStyle/>
+        <a:p>
+          <a:r>
+            <a:rPr lang="en-US"/>
+            <a:t>Also, I’ll try to extend the algorithm to detect heterogenous structures, and make the algorithm identify which projection belongs to which projection.</a:t>
+          </a:r>
+        </a:p>
+      </dgm:t>
+    </dgm:pt>
+    <dgm:pt modelId="{9CA77A40-9F6F-4BB2-AB7E-04098D30B08F}" type="parTrans" cxnId="{379D1FEF-E7E7-4C43-81AC-994AC6054F3F}">
+      <dgm:prSet/>
+      <dgm:spPr/>
+      <dgm:t>
+        <a:bodyPr/>
+        <a:lstStyle/>
+        <a:p>
+          <a:endParaRPr lang="en-US"/>
+        </a:p>
+      </dgm:t>
+    </dgm:pt>
+    <dgm:pt modelId="{91D75C5E-5415-46D4-8C4C-3F293FE591E4}" type="sibTrans" cxnId="{379D1FEF-E7E7-4C43-81AC-994AC6054F3F}">
+      <dgm:prSet/>
+      <dgm:spPr/>
+      <dgm:t>
+        <a:bodyPr/>
+        <a:lstStyle/>
+        <a:p>
+          <a:endParaRPr lang="en-US"/>
+        </a:p>
+      </dgm:t>
+    </dgm:pt>
+    <dgm:pt modelId="{E9230B4A-4600-4B2D-9DA3-0C28840FEE96}" type="pres">
+      <dgm:prSet presAssocID="{B5A4E00C-556B-4336-AA22-8429973BE281}" presName="vert0" presStyleCnt="0">
+        <dgm:presLayoutVars>
+          <dgm:dir/>
+          <dgm:animOne val="branch"/>
+          <dgm:animLvl val="lvl"/>
+        </dgm:presLayoutVars>
+      </dgm:prSet>
+      <dgm:spPr/>
+    </dgm:pt>
+    <dgm:pt modelId="{6EBAD4F3-38BC-4C4B-B5E2-C05C4A6A1252}" type="pres">
+      <dgm:prSet presAssocID="{54BD0F9A-50D3-4B9D-BF0A-FECADFA684BB}" presName="thickLine" presStyleLbl="alignNode1" presStyleIdx="0" presStyleCnt="2"/>
+      <dgm:spPr/>
+    </dgm:pt>
+    <dgm:pt modelId="{C03C33EF-C038-470A-9E56-AE80C52E55B3}" type="pres">
+      <dgm:prSet presAssocID="{54BD0F9A-50D3-4B9D-BF0A-FECADFA684BB}" presName="horz1" presStyleCnt="0"/>
+      <dgm:spPr/>
+    </dgm:pt>
+    <dgm:pt modelId="{7E15084A-7568-4670-ABC8-F0814A18A507}" type="pres">
+      <dgm:prSet presAssocID="{54BD0F9A-50D3-4B9D-BF0A-FECADFA684BB}" presName="tx1" presStyleLbl="revTx" presStyleIdx="0" presStyleCnt="2"/>
+      <dgm:spPr/>
+    </dgm:pt>
+    <dgm:pt modelId="{29083458-C8DA-44BE-B49F-D1D7BA5B8D5C}" type="pres">
+      <dgm:prSet presAssocID="{54BD0F9A-50D3-4B9D-BF0A-FECADFA684BB}" presName="vert1" presStyleCnt="0"/>
+      <dgm:spPr/>
+    </dgm:pt>
+    <dgm:pt modelId="{67CC4E42-8508-4E58-8383-6A38B280FF00}" type="pres">
+      <dgm:prSet presAssocID="{A0BDD67C-2051-4A1F-B10A-E78D62C401BF}" presName="thickLine" presStyleLbl="alignNode1" presStyleIdx="1" presStyleCnt="2"/>
+      <dgm:spPr/>
+    </dgm:pt>
+    <dgm:pt modelId="{A0CB02A4-DB8E-4E85-B74E-1BC90E6E5E26}" type="pres">
+      <dgm:prSet presAssocID="{A0BDD67C-2051-4A1F-B10A-E78D62C401BF}" presName="horz1" presStyleCnt="0"/>
+      <dgm:spPr/>
+    </dgm:pt>
+    <dgm:pt modelId="{B39B2CFD-DA42-4268-8443-987762A77A0C}" type="pres">
+      <dgm:prSet presAssocID="{A0BDD67C-2051-4A1F-B10A-E78D62C401BF}" presName="tx1" presStyleLbl="revTx" presStyleIdx="1" presStyleCnt="2"/>
+      <dgm:spPr/>
+    </dgm:pt>
+    <dgm:pt modelId="{4D16BCFB-0C21-43CA-96ED-B68B52977A92}" type="pres">
+      <dgm:prSet presAssocID="{A0BDD67C-2051-4A1F-B10A-E78D62C401BF}" presName="vert1" presStyleCnt="0"/>
+      <dgm:spPr/>
+    </dgm:pt>
+  </dgm:ptLst>
+  <dgm:cxnLst>
+    <dgm:cxn modelId="{3CA4BB05-07EF-4127-A204-F33D20980855}" srcId="{B5A4E00C-556B-4336-AA22-8429973BE281}" destId="{54BD0F9A-50D3-4B9D-BF0A-FECADFA684BB}" srcOrd="0" destOrd="0" parTransId="{2AE9F4DF-C451-4418-8E9E-7D70C660835C}" sibTransId="{A4D799BC-D0F1-4F05-908A-FB5FA1DAC58D}"/>
+    <dgm:cxn modelId="{1787A777-657D-4DFA-8285-398C2AE215FC}" type="presOf" srcId="{B5A4E00C-556B-4336-AA22-8429973BE281}" destId="{E9230B4A-4600-4B2D-9DA3-0C28840FEE96}" srcOrd="0" destOrd="0" presId="urn:microsoft.com/office/officeart/2008/layout/LinedList"/>
+    <dgm:cxn modelId="{6B6244A3-020F-4439-B5E6-C55BC3DC8B8A}" type="presOf" srcId="{A0BDD67C-2051-4A1F-B10A-E78D62C401BF}" destId="{B39B2CFD-DA42-4268-8443-987762A77A0C}" srcOrd="0" destOrd="0" presId="urn:microsoft.com/office/officeart/2008/layout/LinedList"/>
+    <dgm:cxn modelId="{379D1FEF-E7E7-4C43-81AC-994AC6054F3F}" srcId="{B5A4E00C-556B-4336-AA22-8429973BE281}" destId="{A0BDD67C-2051-4A1F-B10A-E78D62C401BF}" srcOrd="1" destOrd="0" parTransId="{9CA77A40-9F6F-4BB2-AB7E-04098D30B08F}" sibTransId="{91D75C5E-5415-46D4-8C4C-3F293FE591E4}"/>
+    <dgm:cxn modelId="{22AC2FF9-B9E9-4002-AE77-525F9602EEF8}" type="presOf" srcId="{54BD0F9A-50D3-4B9D-BF0A-FECADFA684BB}" destId="{7E15084A-7568-4670-ABC8-F0814A18A507}" srcOrd="0" destOrd="0" presId="urn:microsoft.com/office/officeart/2008/layout/LinedList"/>
+    <dgm:cxn modelId="{331C23CE-810C-4B7B-B8F2-C624198B73AA}" type="presParOf" srcId="{E9230B4A-4600-4B2D-9DA3-0C28840FEE96}" destId="{6EBAD4F3-38BC-4C4B-B5E2-C05C4A6A1252}" srcOrd="0" destOrd="0" presId="urn:microsoft.com/office/officeart/2008/layout/LinedList"/>
+    <dgm:cxn modelId="{8FB0AE7F-B381-401A-A2FE-49C19B3E8C10}" type="presParOf" srcId="{E9230B4A-4600-4B2D-9DA3-0C28840FEE96}" destId="{C03C33EF-C038-470A-9E56-AE80C52E55B3}" srcOrd="1" destOrd="0" presId="urn:microsoft.com/office/officeart/2008/layout/LinedList"/>
+    <dgm:cxn modelId="{80F1E0FC-59F4-4630-BB10-66711D2032C0}" type="presParOf" srcId="{C03C33EF-C038-470A-9E56-AE80C52E55B3}" destId="{7E15084A-7568-4670-ABC8-F0814A18A507}" srcOrd="0" destOrd="0" presId="urn:microsoft.com/office/officeart/2008/layout/LinedList"/>
+    <dgm:cxn modelId="{38D215A8-A052-4ECB-8916-0C3362E9CA78}" type="presParOf" srcId="{C03C33EF-C038-470A-9E56-AE80C52E55B3}" destId="{29083458-C8DA-44BE-B49F-D1D7BA5B8D5C}" srcOrd="1" destOrd="0" presId="urn:microsoft.com/office/officeart/2008/layout/LinedList"/>
+    <dgm:cxn modelId="{42A11124-C72E-4A45-92A9-05B3E33D2EDA}" type="presParOf" srcId="{E9230B4A-4600-4B2D-9DA3-0C28840FEE96}" destId="{67CC4E42-8508-4E58-8383-6A38B280FF00}" srcOrd="2" destOrd="0" presId="urn:microsoft.com/office/officeart/2008/layout/LinedList"/>
+    <dgm:cxn modelId="{0939C510-7949-4BAC-B700-E0B0915188DE}" type="presParOf" srcId="{E9230B4A-4600-4B2D-9DA3-0C28840FEE96}" destId="{A0CB02A4-DB8E-4E85-B74E-1BC90E6E5E26}" srcOrd="3" destOrd="0" presId="urn:microsoft.com/office/officeart/2008/layout/LinedList"/>
+    <dgm:cxn modelId="{8F11D648-F8C9-4EDD-A334-644DC93AFCCC}" type="presParOf" srcId="{A0CB02A4-DB8E-4E85-B74E-1BC90E6E5E26}" destId="{B39B2CFD-DA42-4268-8443-987762A77A0C}" srcOrd="0" destOrd="0" presId="urn:microsoft.com/office/officeart/2008/layout/LinedList"/>
+    <dgm:cxn modelId="{9CDFFA28-53D2-468F-8C8E-B1F9AAF98ED5}" type="presParOf" srcId="{A0CB02A4-DB8E-4E85-B74E-1BC90E6E5E26}" destId="{4D16BCFB-0C21-43CA-96ED-B68B52977A92}" srcOrd="1" destOrd="0" presId="urn:microsoft.com/office/officeart/2008/layout/LinedList"/>
   </dgm:cxnLst>
   <dgm:bg/>
   <dgm:whole/>
@@ -3983,6 +6102,640 @@
           <a:r>
             <a:rPr lang="en-US" sz="2600" kern="1200"/>
             <a:t>Some of the other constants such as, the noise estimate, the radius of the Kaiser Bessel window has been optimized for more accurate results.</a:t>
+          </a:r>
+        </a:p>
+      </dsp:txBody>
+      <dsp:txXfrm>
+        <a:off x="0" y="2786062"/>
+        <a:ext cx="6089650" cy="2786062"/>
+      </dsp:txXfrm>
+    </dsp:sp>
+  </dsp:spTree>
+</dsp:drawing>
+</file>
+
+<file path=ppt/diagrams/drawing4.xml><?xml version="1.0" encoding="utf-8"?>
+<dsp:drawing xmlns:dgm="http://schemas.openxmlformats.org/drawingml/2006/diagram" xmlns:dsp="http://schemas.microsoft.com/office/drawing/2008/diagram" xmlns:a="http://schemas.openxmlformats.org/drawingml/2006/main">
+  <dsp:spTree>
+    <dsp:nvGrpSpPr>
+      <dsp:cNvPr id="0" name=""/>
+      <dsp:cNvGrpSpPr/>
+    </dsp:nvGrpSpPr>
+    <dsp:grpSpPr/>
+    <dsp:sp modelId="{FC379A17-29AA-4675-AD39-D0DCE9532710}">
+      <dsp:nvSpPr>
+        <dsp:cNvPr id="0" name=""/>
+        <dsp:cNvSpPr/>
+      </dsp:nvSpPr>
+      <dsp:spPr>
+        <a:xfrm>
+          <a:off x="0" y="2720"/>
+          <a:ext cx="6089650" cy="0"/>
+        </a:xfrm>
+        <a:prstGeom prst="line">
+          <a:avLst/>
+        </a:prstGeom>
+        <a:solidFill>
+          <a:schemeClr val="accent5">
+            <a:hueOff val="0"/>
+            <a:satOff val="0"/>
+            <a:lumOff val="0"/>
+            <a:alphaOff val="0"/>
+          </a:schemeClr>
+        </a:solidFill>
+        <a:ln w="12700" cap="flat" cmpd="sng" algn="ctr">
+          <a:solidFill>
+            <a:schemeClr val="accent5">
+              <a:hueOff val="0"/>
+              <a:satOff val="0"/>
+              <a:lumOff val="0"/>
+              <a:alphaOff val="0"/>
+            </a:schemeClr>
+          </a:solidFill>
+          <a:prstDash val="solid"/>
+          <a:miter lim="800000"/>
+        </a:ln>
+        <a:effectLst/>
+      </dsp:spPr>
+      <dsp:style>
+        <a:lnRef idx="2">
+          <a:scrgbClr r="0" g="0" b="0"/>
+        </a:lnRef>
+        <a:fillRef idx="1">
+          <a:scrgbClr r="0" g="0" b="0"/>
+        </a:fillRef>
+        <a:effectRef idx="0">
+          <a:scrgbClr r="0" g="0" b="0"/>
+        </a:effectRef>
+        <a:fontRef idx="minor">
+          <a:schemeClr val="lt1"/>
+        </a:fontRef>
+      </dsp:style>
+    </dsp:sp>
+    <dsp:sp modelId="{B1EDAEA8-DE7E-4A1A-8FA7-8E7C39A9F258}">
+      <dsp:nvSpPr>
+        <dsp:cNvPr id="0" name=""/>
+        <dsp:cNvSpPr/>
+      </dsp:nvSpPr>
+      <dsp:spPr>
+        <a:xfrm>
+          <a:off x="0" y="2720"/>
+          <a:ext cx="6089650" cy="1855561"/>
+        </a:xfrm>
+        <a:prstGeom prst="rect">
+          <a:avLst/>
+        </a:prstGeom>
+        <a:noFill/>
+        <a:ln>
+          <a:noFill/>
+        </a:ln>
+        <a:effectLst/>
+      </dsp:spPr>
+      <dsp:style>
+        <a:lnRef idx="0">
+          <a:scrgbClr r="0" g="0" b="0"/>
+        </a:lnRef>
+        <a:fillRef idx="0">
+          <a:scrgbClr r="0" g="0" b="0"/>
+        </a:fillRef>
+        <a:effectRef idx="0">
+          <a:scrgbClr r="0" g="0" b="0"/>
+        </a:effectRef>
+        <a:fontRef idx="minor"/>
+      </dsp:style>
+      <dsp:txBody>
+        <a:bodyPr spcFirstLastPara="0" vert="horz" wrap="square" lIns="72390" tIns="72390" rIns="72390" bIns="72390" numCol="1" spcCol="1270" anchor="t" anchorCtr="0">
+          <a:noAutofit/>
+        </a:bodyPr>
+        <a:lstStyle/>
+        <a:p>
+          <a:pPr marL="0" lvl="0" indent="0" algn="l" defTabSz="844550">
+            <a:lnSpc>
+              <a:spcPct val="90000"/>
+            </a:lnSpc>
+            <a:spcBef>
+              <a:spcPct val="0"/>
+            </a:spcBef>
+            <a:spcAft>
+              <a:spcPct val="35000"/>
+            </a:spcAft>
+            <a:buNone/>
+          </a:pPr>
+          <a:r>
+            <a:rPr lang="en-US" sz="1900" kern="1200"/>
+            <a:t>The program generally took about 45 mins to 30 mins to run, and in that time I decided to look at what are the other algorithms that are used for this purpose that have been recently developed. </a:t>
+          </a:r>
+        </a:p>
+      </dsp:txBody>
+      <dsp:txXfrm>
+        <a:off x="0" y="2720"/>
+        <a:ext cx="6089650" cy="1855561"/>
+      </dsp:txXfrm>
+    </dsp:sp>
+    <dsp:sp modelId="{63855087-5E80-4B80-8329-DCD0B4F88876}">
+      <dsp:nvSpPr>
+        <dsp:cNvPr id="0" name=""/>
+        <dsp:cNvSpPr/>
+      </dsp:nvSpPr>
+      <dsp:spPr>
+        <a:xfrm>
+          <a:off x="0" y="1858281"/>
+          <a:ext cx="6089650" cy="0"/>
+        </a:xfrm>
+        <a:prstGeom prst="line">
+          <a:avLst/>
+        </a:prstGeom>
+        <a:solidFill>
+          <a:schemeClr val="accent5">
+            <a:hueOff val="-3379271"/>
+            <a:satOff val="-8710"/>
+            <a:lumOff val="-5883"/>
+            <a:alphaOff val="0"/>
+          </a:schemeClr>
+        </a:solidFill>
+        <a:ln w="12700" cap="flat" cmpd="sng" algn="ctr">
+          <a:solidFill>
+            <a:schemeClr val="accent5">
+              <a:hueOff val="-3379271"/>
+              <a:satOff val="-8710"/>
+              <a:lumOff val="-5883"/>
+              <a:alphaOff val="0"/>
+            </a:schemeClr>
+          </a:solidFill>
+          <a:prstDash val="solid"/>
+          <a:miter lim="800000"/>
+        </a:ln>
+        <a:effectLst/>
+      </dsp:spPr>
+      <dsp:style>
+        <a:lnRef idx="2">
+          <a:scrgbClr r="0" g="0" b="0"/>
+        </a:lnRef>
+        <a:fillRef idx="1">
+          <a:scrgbClr r="0" g="0" b="0"/>
+        </a:fillRef>
+        <a:effectRef idx="0">
+          <a:scrgbClr r="0" g="0" b="0"/>
+        </a:effectRef>
+        <a:fontRef idx="minor">
+          <a:schemeClr val="lt1"/>
+        </a:fontRef>
+      </dsp:style>
+    </dsp:sp>
+    <dsp:sp modelId="{B05699F9-20F8-4AE0-A690-11F5DFD5598F}">
+      <dsp:nvSpPr>
+        <dsp:cNvPr id="0" name=""/>
+        <dsp:cNvSpPr/>
+      </dsp:nvSpPr>
+      <dsp:spPr>
+        <a:xfrm>
+          <a:off x="0" y="1858281"/>
+          <a:ext cx="6089650" cy="1855561"/>
+        </a:xfrm>
+        <a:prstGeom prst="rect">
+          <a:avLst/>
+        </a:prstGeom>
+        <a:noFill/>
+        <a:ln>
+          <a:noFill/>
+        </a:ln>
+        <a:effectLst/>
+      </dsp:spPr>
+      <dsp:style>
+        <a:lnRef idx="0">
+          <a:scrgbClr r="0" g="0" b="0"/>
+        </a:lnRef>
+        <a:fillRef idx="0">
+          <a:scrgbClr r="0" g="0" b="0"/>
+        </a:fillRef>
+        <a:effectRef idx="0">
+          <a:scrgbClr r="0" g="0" b="0"/>
+        </a:effectRef>
+        <a:fontRef idx="minor"/>
+      </dsp:style>
+      <dsp:txBody>
+        <a:bodyPr spcFirstLastPara="0" vert="horz" wrap="square" lIns="72390" tIns="72390" rIns="72390" bIns="72390" numCol="1" spcCol="1270" anchor="t" anchorCtr="0">
+          <a:noAutofit/>
+        </a:bodyPr>
+        <a:lstStyle/>
+        <a:p>
+          <a:pPr marL="0" lvl="0" indent="0" algn="l" defTabSz="844550">
+            <a:lnSpc>
+              <a:spcPct val="90000"/>
+            </a:lnSpc>
+            <a:spcBef>
+              <a:spcPct val="0"/>
+            </a:spcBef>
+            <a:spcAft>
+              <a:spcPct val="35000"/>
+            </a:spcAft>
+            <a:buNone/>
+          </a:pPr>
+          <a:r>
+            <a:rPr lang="en-US" sz="1900" kern="1200"/>
+            <a:t>I came across CryoSPARC which has been recently developed and is giving serious competition to RELION. The main paper again lacked mathematical details, so after looking at the source code documentation and other supplementary documents, I have prepared a brief summary of the algorithm complete with mathematical details.</a:t>
+          </a:r>
+        </a:p>
+      </dsp:txBody>
+      <dsp:txXfrm>
+        <a:off x="0" y="1858281"/>
+        <a:ext cx="6089650" cy="1855561"/>
+      </dsp:txXfrm>
+    </dsp:sp>
+    <dsp:sp modelId="{7DA4A0BC-A004-4003-B1C1-4D634FA747FE}">
+      <dsp:nvSpPr>
+        <dsp:cNvPr id="0" name=""/>
+        <dsp:cNvSpPr/>
+      </dsp:nvSpPr>
+      <dsp:spPr>
+        <a:xfrm>
+          <a:off x="0" y="3713843"/>
+          <a:ext cx="6089650" cy="0"/>
+        </a:xfrm>
+        <a:prstGeom prst="line">
+          <a:avLst/>
+        </a:prstGeom>
+        <a:solidFill>
+          <a:schemeClr val="accent5">
+            <a:hueOff val="-6758543"/>
+            <a:satOff val="-17419"/>
+            <a:lumOff val="-11765"/>
+            <a:alphaOff val="0"/>
+          </a:schemeClr>
+        </a:solidFill>
+        <a:ln w="12700" cap="flat" cmpd="sng" algn="ctr">
+          <a:solidFill>
+            <a:schemeClr val="accent5">
+              <a:hueOff val="-6758543"/>
+              <a:satOff val="-17419"/>
+              <a:lumOff val="-11765"/>
+              <a:alphaOff val="0"/>
+            </a:schemeClr>
+          </a:solidFill>
+          <a:prstDash val="solid"/>
+          <a:miter lim="800000"/>
+        </a:ln>
+        <a:effectLst/>
+      </dsp:spPr>
+      <dsp:style>
+        <a:lnRef idx="2">
+          <a:scrgbClr r="0" g="0" b="0"/>
+        </a:lnRef>
+        <a:fillRef idx="1">
+          <a:scrgbClr r="0" g="0" b="0"/>
+        </a:fillRef>
+        <a:effectRef idx="0">
+          <a:scrgbClr r="0" g="0" b="0"/>
+        </a:effectRef>
+        <a:fontRef idx="minor">
+          <a:schemeClr val="lt1"/>
+        </a:fontRef>
+      </dsp:style>
+    </dsp:sp>
+    <dsp:sp modelId="{8F2F2C01-44B4-4E1D-80DE-878C0E1A1F9A}">
+      <dsp:nvSpPr>
+        <dsp:cNvPr id="0" name=""/>
+        <dsp:cNvSpPr/>
+      </dsp:nvSpPr>
+      <dsp:spPr>
+        <a:xfrm>
+          <a:off x="0" y="3713843"/>
+          <a:ext cx="6089650" cy="1855561"/>
+        </a:xfrm>
+        <a:prstGeom prst="rect">
+          <a:avLst/>
+        </a:prstGeom>
+        <a:noFill/>
+        <a:ln>
+          <a:noFill/>
+        </a:ln>
+        <a:effectLst/>
+      </dsp:spPr>
+      <dsp:style>
+        <a:lnRef idx="0">
+          <a:scrgbClr r="0" g="0" b="0"/>
+        </a:lnRef>
+        <a:fillRef idx="0">
+          <a:scrgbClr r="0" g="0" b="0"/>
+        </a:fillRef>
+        <a:effectRef idx="0">
+          <a:scrgbClr r="0" g="0" b="0"/>
+        </a:effectRef>
+        <a:fontRef idx="minor"/>
+      </dsp:style>
+      <dsp:txBody>
+        <a:bodyPr spcFirstLastPara="0" vert="horz" wrap="square" lIns="72390" tIns="72390" rIns="72390" bIns="72390" numCol="1" spcCol="1270" anchor="t" anchorCtr="0">
+          <a:noAutofit/>
+        </a:bodyPr>
+        <a:lstStyle/>
+        <a:p>
+          <a:pPr marL="0" lvl="0" indent="0" algn="l" defTabSz="844550">
+            <a:lnSpc>
+              <a:spcPct val="90000"/>
+            </a:lnSpc>
+            <a:spcBef>
+              <a:spcPct val="0"/>
+            </a:spcBef>
+            <a:spcAft>
+              <a:spcPct val="35000"/>
+            </a:spcAft>
+            <a:buNone/>
+          </a:pPr>
+          <a:r>
+            <a:rPr lang="en-US" sz="1900" kern="1200"/>
+            <a:t>Also I have compared the advantages and disadvantages of this algorithm compared to the relion algorithm.</a:t>
+          </a:r>
+        </a:p>
+      </dsp:txBody>
+      <dsp:txXfrm>
+        <a:off x="0" y="3713843"/>
+        <a:ext cx="6089650" cy="1855561"/>
+      </dsp:txXfrm>
+    </dsp:sp>
+  </dsp:spTree>
+</dsp:drawing>
+</file>
+
+<file path=ppt/diagrams/drawing5.xml><?xml version="1.0" encoding="utf-8"?>
+<dsp:drawing xmlns:dgm="http://schemas.openxmlformats.org/drawingml/2006/diagram" xmlns:dsp="http://schemas.microsoft.com/office/drawing/2008/diagram" xmlns:a="http://schemas.openxmlformats.org/drawingml/2006/main">
+  <dsp:spTree>
+    <dsp:nvGrpSpPr>
+      <dsp:cNvPr id="0" name=""/>
+      <dsp:cNvGrpSpPr/>
+    </dsp:nvGrpSpPr>
+    <dsp:grpSpPr/>
+    <dsp:sp modelId="{6EBAD4F3-38BC-4C4B-B5E2-C05C4A6A1252}">
+      <dsp:nvSpPr>
+        <dsp:cNvPr id="0" name=""/>
+        <dsp:cNvSpPr/>
+      </dsp:nvSpPr>
+      <dsp:spPr>
+        <a:xfrm>
+          <a:off x="0" y="0"/>
+          <a:ext cx="6089650" cy="0"/>
+        </a:xfrm>
+        <a:prstGeom prst="line">
+          <a:avLst/>
+        </a:prstGeom>
+        <a:gradFill rotWithShape="0">
+          <a:gsLst>
+            <a:gs pos="0">
+              <a:schemeClr val="accent2">
+                <a:hueOff val="0"/>
+                <a:satOff val="0"/>
+                <a:lumOff val="0"/>
+                <a:alphaOff val="0"/>
+                <a:satMod val="103000"/>
+                <a:lumMod val="102000"/>
+                <a:tint val="94000"/>
+              </a:schemeClr>
+            </a:gs>
+            <a:gs pos="50000">
+              <a:schemeClr val="accent2">
+                <a:hueOff val="0"/>
+                <a:satOff val="0"/>
+                <a:lumOff val="0"/>
+                <a:alphaOff val="0"/>
+                <a:satMod val="110000"/>
+                <a:lumMod val="100000"/>
+                <a:shade val="100000"/>
+              </a:schemeClr>
+            </a:gs>
+            <a:gs pos="100000">
+              <a:schemeClr val="accent2">
+                <a:hueOff val="0"/>
+                <a:satOff val="0"/>
+                <a:lumOff val="0"/>
+                <a:alphaOff val="0"/>
+                <a:lumMod val="99000"/>
+                <a:satMod val="120000"/>
+                <a:shade val="78000"/>
+              </a:schemeClr>
+            </a:gs>
+          </a:gsLst>
+          <a:lin ang="5400000" scaled="0"/>
+        </a:gradFill>
+        <a:ln w="6350" cap="flat" cmpd="sng" algn="ctr">
+          <a:solidFill>
+            <a:schemeClr val="accent2">
+              <a:hueOff val="0"/>
+              <a:satOff val="0"/>
+              <a:lumOff val="0"/>
+              <a:alphaOff val="0"/>
+            </a:schemeClr>
+          </a:solidFill>
+          <a:prstDash val="solid"/>
+          <a:miter lim="800000"/>
+        </a:ln>
+        <a:effectLst/>
+      </dsp:spPr>
+      <dsp:style>
+        <a:lnRef idx="1">
+          <a:scrgbClr r="0" g="0" b="0"/>
+        </a:lnRef>
+        <a:fillRef idx="3">
+          <a:scrgbClr r="0" g="0" b="0"/>
+        </a:fillRef>
+        <a:effectRef idx="2">
+          <a:scrgbClr r="0" g="0" b="0"/>
+        </a:effectRef>
+        <a:fontRef idx="minor">
+          <a:schemeClr val="lt1"/>
+        </a:fontRef>
+      </dsp:style>
+    </dsp:sp>
+    <dsp:sp modelId="{7E15084A-7568-4670-ABC8-F0814A18A507}">
+      <dsp:nvSpPr>
+        <dsp:cNvPr id="0" name=""/>
+        <dsp:cNvSpPr/>
+      </dsp:nvSpPr>
+      <dsp:spPr>
+        <a:xfrm>
+          <a:off x="0" y="0"/>
+          <a:ext cx="6089650" cy="2786062"/>
+        </a:xfrm>
+        <a:prstGeom prst="rect">
+          <a:avLst/>
+        </a:prstGeom>
+        <a:noFill/>
+        <a:ln>
+          <a:noFill/>
+        </a:ln>
+        <a:effectLst/>
+      </dsp:spPr>
+      <dsp:style>
+        <a:lnRef idx="0">
+          <a:scrgbClr r="0" g="0" b="0"/>
+        </a:lnRef>
+        <a:fillRef idx="0">
+          <a:scrgbClr r="0" g="0" b="0"/>
+        </a:fillRef>
+        <a:effectRef idx="0">
+          <a:scrgbClr r="0" g="0" b="0"/>
+        </a:effectRef>
+        <a:fontRef idx="minor"/>
+      </dsp:style>
+      <dsp:txBody>
+        <a:bodyPr spcFirstLastPara="0" vert="horz" wrap="square" lIns="114300" tIns="114300" rIns="114300" bIns="114300" numCol="1" spcCol="1270" anchor="t" anchorCtr="0">
+          <a:noAutofit/>
+        </a:bodyPr>
+        <a:lstStyle/>
+        <a:p>
+          <a:pPr marL="0" lvl="0" indent="0" algn="l" defTabSz="1333500">
+            <a:lnSpc>
+              <a:spcPct val="90000"/>
+            </a:lnSpc>
+            <a:spcBef>
+              <a:spcPct val="0"/>
+            </a:spcBef>
+            <a:spcAft>
+              <a:spcPct val="35000"/>
+            </a:spcAft>
+            <a:buNone/>
+          </a:pPr>
+          <a:r>
+            <a:rPr lang="en-US" sz="3000" kern="1200"/>
+            <a:t>Over the coming week, the mathematics of the new priors will be worked out, and experiments will be run to see if we can impose stronger priors on the Fourier coefficients as the iterations progress. </a:t>
+          </a:r>
+        </a:p>
+      </dsp:txBody>
+      <dsp:txXfrm>
+        <a:off x="0" y="0"/>
+        <a:ext cx="6089650" cy="2786062"/>
+      </dsp:txXfrm>
+    </dsp:sp>
+    <dsp:sp modelId="{67CC4E42-8508-4E58-8383-6A38B280FF00}">
+      <dsp:nvSpPr>
+        <dsp:cNvPr id="0" name=""/>
+        <dsp:cNvSpPr/>
+      </dsp:nvSpPr>
+      <dsp:spPr>
+        <a:xfrm>
+          <a:off x="0" y="2786062"/>
+          <a:ext cx="6089650" cy="0"/>
+        </a:xfrm>
+        <a:prstGeom prst="line">
+          <a:avLst/>
+        </a:prstGeom>
+        <a:gradFill rotWithShape="0">
+          <a:gsLst>
+            <a:gs pos="0">
+              <a:schemeClr val="accent2">
+                <a:hueOff val="0"/>
+                <a:satOff val="0"/>
+                <a:lumOff val="0"/>
+                <a:alphaOff val="0"/>
+                <a:satMod val="103000"/>
+                <a:lumMod val="102000"/>
+                <a:tint val="94000"/>
+              </a:schemeClr>
+            </a:gs>
+            <a:gs pos="50000">
+              <a:schemeClr val="accent2">
+                <a:hueOff val="0"/>
+                <a:satOff val="0"/>
+                <a:lumOff val="0"/>
+                <a:alphaOff val="0"/>
+                <a:satMod val="110000"/>
+                <a:lumMod val="100000"/>
+                <a:shade val="100000"/>
+              </a:schemeClr>
+            </a:gs>
+            <a:gs pos="100000">
+              <a:schemeClr val="accent2">
+                <a:hueOff val="0"/>
+                <a:satOff val="0"/>
+                <a:lumOff val="0"/>
+                <a:alphaOff val="0"/>
+                <a:lumMod val="99000"/>
+                <a:satMod val="120000"/>
+                <a:shade val="78000"/>
+              </a:schemeClr>
+            </a:gs>
+          </a:gsLst>
+          <a:lin ang="5400000" scaled="0"/>
+        </a:gradFill>
+        <a:ln w="6350" cap="flat" cmpd="sng" algn="ctr">
+          <a:solidFill>
+            <a:schemeClr val="accent2">
+              <a:hueOff val="0"/>
+              <a:satOff val="0"/>
+              <a:lumOff val="0"/>
+              <a:alphaOff val="0"/>
+            </a:schemeClr>
+          </a:solidFill>
+          <a:prstDash val="solid"/>
+          <a:miter lim="800000"/>
+        </a:ln>
+        <a:effectLst/>
+      </dsp:spPr>
+      <dsp:style>
+        <a:lnRef idx="1">
+          <a:scrgbClr r="0" g="0" b="0"/>
+        </a:lnRef>
+        <a:fillRef idx="3">
+          <a:scrgbClr r="0" g="0" b="0"/>
+        </a:fillRef>
+        <a:effectRef idx="2">
+          <a:scrgbClr r="0" g="0" b="0"/>
+        </a:effectRef>
+        <a:fontRef idx="minor">
+          <a:schemeClr val="lt1"/>
+        </a:fontRef>
+      </dsp:style>
+    </dsp:sp>
+    <dsp:sp modelId="{B39B2CFD-DA42-4268-8443-987762A77A0C}">
+      <dsp:nvSpPr>
+        <dsp:cNvPr id="0" name=""/>
+        <dsp:cNvSpPr/>
+      </dsp:nvSpPr>
+      <dsp:spPr>
+        <a:xfrm>
+          <a:off x="0" y="2786062"/>
+          <a:ext cx="6089650" cy="2786062"/>
+        </a:xfrm>
+        <a:prstGeom prst="rect">
+          <a:avLst/>
+        </a:prstGeom>
+        <a:noFill/>
+        <a:ln>
+          <a:noFill/>
+        </a:ln>
+        <a:effectLst/>
+      </dsp:spPr>
+      <dsp:style>
+        <a:lnRef idx="0">
+          <a:scrgbClr r="0" g="0" b="0"/>
+        </a:lnRef>
+        <a:fillRef idx="0">
+          <a:scrgbClr r="0" g="0" b="0"/>
+        </a:fillRef>
+        <a:effectRef idx="0">
+          <a:scrgbClr r="0" g="0" b="0"/>
+        </a:effectRef>
+        <a:fontRef idx="minor"/>
+      </dsp:style>
+      <dsp:txBody>
+        <a:bodyPr spcFirstLastPara="0" vert="horz" wrap="square" lIns="114300" tIns="114300" rIns="114300" bIns="114300" numCol="1" spcCol="1270" anchor="t" anchorCtr="0">
+          <a:noAutofit/>
+        </a:bodyPr>
+        <a:lstStyle/>
+        <a:p>
+          <a:pPr marL="0" lvl="0" indent="0" algn="l" defTabSz="1333500">
+            <a:lnSpc>
+              <a:spcPct val="90000"/>
+            </a:lnSpc>
+            <a:spcBef>
+              <a:spcPct val="0"/>
+            </a:spcBef>
+            <a:spcAft>
+              <a:spcPct val="35000"/>
+            </a:spcAft>
+            <a:buNone/>
+          </a:pPr>
+          <a:r>
+            <a:rPr lang="en-US" sz="3000" kern="1200"/>
+            <a:t>Also, I’ll try to extend the algorithm to detect heterogenous structures, and make the algorithm identify which projection belongs to which projection.</a:t>
           </a:r>
         </a:p>
       </dsp:txBody>
@@ -5393,6 +8146,938 @@
 </dgm:layoutDef>
 </file>
 
+<file path=ppt/diagrams/layout4.xml><?xml version="1.0" encoding="utf-8"?>
+<dgm:layoutDef xmlns:dgm="http://schemas.openxmlformats.org/drawingml/2006/diagram" xmlns:a="http://schemas.openxmlformats.org/drawingml/2006/main" uniqueId="urn:microsoft.com/office/officeart/2008/layout/LinedList">
+  <dgm:title val=""/>
+  <dgm:desc val=""/>
+  <dgm:catLst>
+    <dgm:cat type="hierarchy" pri="8000"/>
+    <dgm:cat type="list" pri="2500"/>
+  </dgm:catLst>
+  <dgm:sampData>
+    <dgm:dataModel>
+      <dgm:ptLst>
+        <dgm:pt modelId="0" type="doc"/>
+        <dgm:pt modelId="1">
+          <dgm:prSet phldr="1"/>
+        </dgm:pt>
+        <dgm:pt modelId="11">
+          <dgm:prSet phldr="1"/>
+        </dgm:pt>
+        <dgm:pt modelId="12">
+          <dgm:prSet phldr="1"/>
+        </dgm:pt>
+        <dgm:pt modelId="13">
+          <dgm:prSet phldr="1"/>
+        </dgm:pt>
+      </dgm:ptLst>
+      <dgm:cxnLst>
+        <dgm:cxn modelId="2" srcId="0" destId="1" srcOrd="0" destOrd="0"/>
+        <dgm:cxn modelId="3" srcId="1" destId="11" srcOrd="0" destOrd="0"/>
+        <dgm:cxn modelId="4" srcId="1" destId="12" srcOrd="1" destOrd="0"/>
+        <dgm:cxn modelId="5" srcId="1" destId="13" srcOrd="2" destOrd="0"/>
+      </dgm:cxnLst>
+      <dgm:bg/>
+      <dgm:whole/>
+    </dgm:dataModel>
+  </dgm:sampData>
+  <dgm:styleData>
+    <dgm:dataModel>
+      <dgm:ptLst>
+        <dgm:pt modelId="0" type="doc"/>
+        <dgm:pt modelId="1">
+          <dgm:prSet phldr="1"/>
+        </dgm:pt>
+        <dgm:pt modelId="11">
+          <dgm:prSet phldr="1"/>
+        </dgm:pt>
+        <dgm:pt modelId="12">
+          <dgm:prSet phldr="1"/>
+        </dgm:pt>
+      </dgm:ptLst>
+      <dgm:cxnLst>
+        <dgm:cxn modelId="2" srcId="0" destId="1" srcOrd="0" destOrd="0"/>
+        <dgm:cxn modelId="3" srcId="1" destId="11" srcOrd="0" destOrd="0"/>
+        <dgm:cxn modelId="4" srcId="1" destId="12" srcOrd="1" destOrd="0"/>
+      </dgm:cxnLst>
+      <dgm:bg/>
+      <dgm:whole/>
+    </dgm:dataModel>
+  </dgm:styleData>
+  <dgm:clrData>
+    <dgm:dataModel>
+      <dgm:ptLst>
+        <dgm:pt modelId="0" type="doc"/>
+        <dgm:pt modelId="1">
+          <dgm:prSet phldr="1"/>
+        </dgm:pt>
+        <dgm:pt modelId="11">
+          <dgm:prSet phldr="1"/>
+        </dgm:pt>
+        <dgm:pt modelId="12">
+          <dgm:prSet phldr="1"/>
+        </dgm:pt>
+      </dgm:ptLst>
+      <dgm:cxnLst>
+        <dgm:cxn modelId="2" srcId="0" destId="1" srcOrd="0" destOrd="0"/>
+        <dgm:cxn modelId="3" srcId="1" destId="11" srcOrd="0" destOrd="0"/>
+        <dgm:cxn modelId="4" srcId="1" destId="12" srcOrd="1" destOrd="0"/>
+      </dgm:cxnLst>
+      <dgm:bg/>
+      <dgm:whole/>
+    </dgm:dataModel>
+  </dgm:clrData>
+  <dgm:layoutNode name="vert0">
+    <dgm:varLst>
+      <dgm:dir/>
+      <dgm:animOne val="branch"/>
+      <dgm:animLvl val="lvl"/>
+    </dgm:varLst>
+    <dgm:choose name="Name0">
+      <dgm:if name="Name1" func="var" arg="dir" op="equ" val="norm">
+        <dgm:alg type="lin">
+          <dgm:param type="linDir" val="fromT"/>
+          <dgm:param type="nodeHorzAlign" val="l"/>
+        </dgm:alg>
+      </dgm:if>
+      <dgm:else name="Name2">
+        <dgm:alg type="lin">
+          <dgm:param type="linDir" val="fromT"/>
+          <dgm:param type="nodeHorzAlign" val="r"/>
+        </dgm:alg>
+      </dgm:else>
+    </dgm:choose>
+    <dgm:shape xmlns:r="http://schemas.openxmlformats.org/officeDocument/2006/relationships" r:blip="">
+      <dgm:adjLst/>
+    </dgm:shape>
+    <dgm:presOf/>
+    <dgm:constrLst>
+      <dgm:constr type="w" for="ch" forName="horz1" refType="w"/>
+      <dgm:constr type="h" for="ch" forName="horz1" refType="h"/>
+      <dgm:constr type="h" for="des" forName="vert1" refType="h"/>
+      <dgm:constr type="h" for="des" forName="tx1" refType="h"/>
+      <dgm:constr type="h" for="des" forName="horz2" refType="h"/>
+      <dgm:constr type="h" for="des" forName="vert2" refType="h"/>
+      <dgm:constr type="h" for="des" forName="horz3" refType="h"/>
+      <dgm:constr type="h" for="des" forName="vert3" refType="h"/>
+      <dgm:constr type="h" for="des" forName="horz4" refType="h"/>
+      <dgm:constr type="h" for="des" ptType="node" refType="h"/>
+      <dgm:constr type="primFontSz" for="des" forName="tx1" op="equ" val="65"/>
+      <dgm:constr type="primFontSz" for="des" forName="tx2" op="equ" val="65"/>
+      <dgm:constr type="primFontSz" for="des" forName="tx3" op="equ" val="65"/>
+      <dgm:constr type="primFontSz" for="des" forName="tx4" op="equ" val="65"/>
+      <dgm:constr type="w" for="des" forName="thickLine" refType="w"/>
+      <dgm:constr type="h" for="des" forName="thickLine"/>
+      <dgm:constr type="h" for="des" forName="thinLine1"/>
+      <dgm:constr type="h" for="des" forName="thinLine2b"/>
+      <dgm:constr type="h" for="des" forName="thinLine3"/>
+      <dgm:constr type="h" for="des" forName="vertSpace2a" refType="h" fact="0.05"/>
+      <dgm:constr type="h" for="des" forName="vertSpace2b" refType="h" refFor="des" refForName="vertSpace2a"/>
+    </dgm:constrLst>
+    <dgm:forEach name="Name3" axis="ch" ptType="node">
+      <dgm:layoutNode name="thickLine" styleLbl="alignNode1">
+        <dgm:alg type="sp"/>
+        <dgm:shape xmlns:r="http://schemas.openxmlformats.org/officeDocument/2006/relationships" type="line" r:blip="">
+          <dgm:adjLst/>
+        </dgm:shape>
+        <dgm:presOf/>
+      </dgm:layoutNode>
+      <dgm:layoutNode name="horz1">
+        <dgm:choose name="Name4">
+          <dgm:if name="Name5" func="var" arg="dir" op="equ" val="norm">
+            <dgm:alg type="lin">
+              <dgm:param type="linDir" val="fromL"/>
+              <dgm:param type="nodeVertAlign" val="t"/>
+            </dgm:alg>
+          </dgm:if>
+          <dgm:else name="Name6">
+            <dgm:alg type="lin">
+              <dgm:param type="linDir" val="fromR"/>
+              <dgm:param type="nodeVertAlign" val="t"/>
+            </dgm:alg>
+          </dgm:else>
+        </dgm:choose>
+        <dgm:shape xmlns:r="http://schemas.openxmlformats.org/officeDocument/2006/relationships" r:blip="">
+          <dgm:adjLst/>
+        </dgm:shape>
+        <dgm:presOf/>
+        <dgm:choose name="Name7">
+          <dgm:if name="Name8" axis="root des" func="maxDepth" op="equ" val="1">
+            <dgm:constrLst>
+              <dgm:constr type="w" for="ch" forName="tx1" refType="w"/>
+            </dgm:constrLst>
+          </dgm:if>
+          <dgm:if name="Name9" axis="root des" func="maxDepth" op="equ" val="2">
+            <dgm:constrLst>
+              <dgm:constr type="w" for="ch" forName="tx1" refType="w" fact="0.2"/>
+              <dgm:constr type="w" for="des" forName="tx2" refType="w" fact="0.785"/>
+              <dgm:constr type="w" for="des" forName="horzSpace2" refType="w" fact="0.015"/>
+              <dgm:constr type="w" for="des" forName="thinLine2b" refType="w" fact="0.8"/>
+            </dgm:constrLst>
+          </dgm:if>
+          <dgm:if name="Name10" axis="root des" func="maxDepth" op="equ" val="3">
+            <dgm:constrLst>
+              <dgm:constr type="w" for="ch" forName="tx1" refType="w" fact="0.2"/>
+              <dgm:constr type="w" for="des" forName="tx2" refType="w" fact="0.385"/>
+              <dgm:constr type="w" for="des" forName="tx3" refType="w" fact="0.385"/>
+              <dgm:constr type="w" for="des" forName="horzSpace2" refType="w" fact="0.015"/>
+              <dgm:constr type="w" for="des" forName="horzSpace3" refType="w" fact="0.015"/>
+              <dgm:constr type="w" for="des" forName="thinLine2b" refType="w" fact="0.8"/>
+              <dgm:constr type="w" for="des" forName="thinLine3" refType="w" fact="0.385"/>
+            </dgm:constrLst>
+          </dgm:if>
+          <dgm:if name="Name11" axis="root des" func="maxDepth" op="gte" val="4">
+            <dgm:constrLst>
+              <dgm:constr type="w" for="ch" forName="tx1" refType="w" fact="0.2"/>
+              <dgm:constr type="w" for="des" forName="tx2" refType="w" fact="0.2516"/>
+              <dgm:constr type="w" for="des" forName="tx3" refType="w" fact="0.2516"/>
+              <dgm:constr type="w" for="des" forName="tx4" refType="w" fact="0.2516"/>
+              <dgm:constr type="w" for="des" forName="horzSpace2" refType="w" fact="0.015"/>
+              <dgm:constr type="w" for="des" forName="horzSpace3" refType="w" fact="0.015"/>
+              <dgm:constr type="w" for="des" forName="horzSpace4" refType="w" fact="0.015"/>
+              <dgm:constr type="w" for="des" forName="thinLine2b" refType="w" fact="0.8"/>
+              <dgm:constr type="w" for="des" forName="thinLine3" refType="w" fact="0.5332"/>
+            </dgm:constrLst>
+          </dgm:if>
+          <dgm:else name="Name12"/>
+        </dgm:choose>
+        <dgm:layoutNode name="tx1" styleLbl="revTx">
+          <dgm:alg type="tx">
+            <dgm:param type="parTxLTRAlign" val="l"/>
+            <dgm:param type="parTxRTLAlign" val="r"/>
+            <dgm:param type="txAnchorVert" val="t"/>
+          </dgm:alg>
+          <dgm:shape xmlns:r="http://schemas.openxmlformats.org/officeDocument/2006/relationships" type="rect" r:blip="">
+            <dgm:adjLst/>
+          </dgm:shape>
+          <dgm:presOf axis="self"/>
+          <dgm:constrLst>
+            <dgm:constr type="tMarg" refType="primFontSz" fact="0.3"/>
+            <dgm:constr type="bMarg" refType="primFontSz" fact="0.3"/>
+            <dgm:constr type="lMarg" refType="primFontSz" fact="0.3"/>
+            <dgm:constr type="rMarg" refType="primFontSz" fact="0.3"/>
+          </dgm:constrLst>
+          <dgm:ruleLst>
+            <dgm:rule type="primFontSz" val="5" fact="NaN" max="NaN"/>
+          </dgm:ruleLst>
+        </dgm:layoutNode>
+        <dgm:layoutNode name="vert1">
+          <dgm:choose name="Name13">
+            <dgm:if name="Name14" func="var" arg="dir" op="equ" val="norm">
+              <dgm:alg type="lin">
+                <dgm:param type="linDir" val="fromT"/>
+                <dgm:param type="nodeHorzAlign" val="l"/>
+              </dgm:alg>
+            </dgm:if>
+            <dgm:else name="Name15">
+              <dgm:alg type="lin">
+                <dgm:param type="linDir" val="fromT"/>
+                <dgm:param type="nodeHorzAlign" val="r"/>
+              </dgm:alg>
+            </dgm:else>
+          </dgm:choose>
+          <dgm:shape xmlns:r="http://schemas.openxmlformats.org/officeDocument/2006/relationships" r:blip="">
+            <dgm:adjLst/>
+          </dgm:shape>
+          <dgm:presOf/>
+          <dgm:forEach name="Name16" axis="ch" ptType="node">
+            <dgm:choose name="Name17">
+              <dgm:if name="Name18" axis="self" ptType="node" func="pos" op="equ" val="1">
+                <dgm:layoutNode name="vertSpace2a">
+                  <dgm:alg type="sp"/>
+                  <dgm:shape xmlns:r="http://schemas.openxmlformats.org/officeDocument/2006/relationships" r:blip="">
+                    <dgm:adjLst/>
+                  </dgm:shape>
+                  <dgm:presOf/>
+                </dgm:layoutNode>
+              </dgm:if>
+              <dgm:else name="Name19"/>
+            </dgm:choose>
+            <dgm:layoutNode name="horz2">
+              <dgm:choose name="Name20">
+                <dgm:if name="Name21" func="var" arg="dir" op="equ" val="norm">
+                  <dgm:alg type="lin">
+                    <dgm:param type="linDir" val="fromL"/>
+                    <dgm:param type="nodeVertAlign" val="t"/>
+                  </dgm:alg>
+                </dgm:if>
+                <dgm:else name="Name22">
+                  <dgm:alg type="lin">
+                    <dgm:param type="linDir" val="fromR"/>
+                    <dgm:param type="nodeVertAlign" val="t"/>
+                  </dgm:alg>
+                </dgm:else>
+              </dgm:choose>
+              <dgm:shape xmlns:r="http://schemas.openxmlformats.org/officeDocument/2006/relationships" r:blip="">
+                <dgm:adjLst/>
+              </dgm:shape>
+              <dgm:presOf/>
+              <dgm:layoutNode name="horzSpace2">
+                <dgm:alg type="sp"/>
+                <dgm:shape xmlns:r="http://schemas.openxmlformats.org/officeDocument/2006/relationships" r:blip="">
+                  <dgm:adjLst/>
+                </dgm:shape>
+                <dgm:presOf/>
+              </dgm:layoutNode>
+              <dgm:layoutNode name="tx2" styleLbl="revTx">
+                <dgm:alg type="tx">
+                  <dgm:param type="parTxLTRAlign" val="l"/>
+                  <dgm:param type="parTxRTLAlign" val="r"/>
+                  <dgm:param type="txAnchorVert" val="t"/>
+                </dgm:alg>
+                <dgm:shape xmlns:r="http://schemas.openxmlformats.org/officeDocument/2006/relationships" type="rect" r:blip="">
+                  <dgm:adjLst/>
+                </dgm:shape>
+                <dgm:presOf axis="self"/>
+                <dgm:constrLst>
+                  <dgm:constr type="tMarg" refType="primFontSz" fact="0.3"/>
+                  <dgm:constr type="bMarg" refType="primFontSz" fact="0.3"/>
+                  <dgm:constr type="lMarg" refType="primFontSz" fact="0.3"/>
+                  <dgm:constr type="rMarg" refType="primFontSz" fact="0.3"/>
+                </dgm:constrLst>
+                <dgm:ruleLst>
+                  <dgm:rule type="primFontSz" val="5" fact="NaN" max="NaN"/>
+                </dgm:ruleLst>
+              </dgm:layoutNode>
+              <dgm:layoutNode name="vert2">
+                <dgm:choose name="Name23">
+                  <dgm:if name="Name24" func="var" arg="dir" op="equ" val="norm">
+                    <dgm:alg type="lin">
+                      <dgm:param type="linDir" val="fromT"/>
+                      <dgm:param type="nodeHorzAlign" val="l"/>
+                    </dgm:alg>
+                  </dgm:if>
+                  <dgm:else name="Name25">
+                    <dgm:alg type="lin">
+                      <dgm:param type="linDir" val="fromT"/>
+                      <dgm:param type="nodeHorzAlign" val="r"/>
+                    </dgm:alg>
+                  </dgm:else>
+                </dgm:choose>
+                <dgm:shape xmlns:r="http://schemas.openxmlformats.org/officeDocument/2006/relationships" r:blip="">
+                  <dgm:adjLst/>
+                </dgm:shape>
+                <dgm:presOf/>
+                <dgm:forEach name="Name26" axis="ch" ptType="node">
+                  <dgm:layoutNode name="horz3">
+                    <dgm:choose name="Name27">
+                      <dgm:if name="Name28" func="var" arg="dir" op="equ" val="norm">
+                        <dgm:alg type="lin">
+                          <dgm:param type="linDir" val="fromL"/>
+                          <dgm:param type="nodeVertAlign" val="t"/>
+                        </dgm:alg>
+                      </dgm:if>
+                      <dgm:else name="Name29">
+                        <dgm:alg type="lin">
+                          <dgm:param type="linDir" val="fromR"/>
+                          <dgm:param type="nodeVertAlign" val="t"/>
+                        </dgm:alg>
+                      </dgm:else>
+                    </dgm:choose>
+                    <dgm:shape xmlns:r="http://schemas.openxmlformats.org/officeDocument/2006/relationships" r:blip="">
+                      <dgm:adjLst/>
+                    </dgm:shape>
+                    <dgm:presOf/>
+                    <dgm:layoutNode name="horzSpace3">
+                      <dgm:alg type="sp"/>
+                      <dgm:shape xmlns:r="http://schemas.openxmlformats.org/officeDocument/2006/relationships" r:blip="">
+                        <dgm:adjLst/>
+                      </dgm:shape>
+                      <dgm:presOf/>
+                    </dgm:layoutNode>
+                    <dgm:layoutNode name="tx3" styleLbl="revTx">
+                      <dgm:alg type="tx">
+                        <dgm:param type="parTxLTRAlign" val="l"/>
+                        <dgm:param type="parTxRTLAlign" val="r"/>
+                        <dgm:param type="txAnchorVert" val="t"/>
+                      </dgm:alg>
+                      <dgm:shape xmlns:r="http://schemas.openxmlformats.org/officeDocument/2006/relationships" type="rect" r:blip="">
+                        <dgm:adjLst/>
+                      </dgm:shape>
+                      <dgm:presOf axis="self"/>
+                      <dgm:constrLst>
+                        <dgm:constr type="tMarg" refType="primFontSz" fact="0.3"/>
+                        <dgm:constr type="bMarg" refType="primFontSz" fact="0.3"/>
+                        <dgm:constr type="lMarg" refType="primFontSz" fact="0.3"/>
+                        <dgm:constr type="rMarg" refType="primFontSz" fact="0.3"/>
+                      </dgm:constrLst>
+                      <dgm:ruleLst>
+                        <dgm:rule type="primFontSz" val="5" fact="NaN" max="NaN"/>
+                      </dgm:ruleLst>
+                    </dgm:layoutNode>
+                    <dgm:layoutNode name="vert3">
+                      <dgm:choose name="Name30">
+                        <dgm:if name="Name31" func="var" arg="dir" op="equ" val="norm">
+                          <dgm:alg type="lin">
+                            <dgm:param type="linDir" val="fromT"/>
+                            <dgm:param type="nodeHorzAlign" val="l"/>
+                          </dgm:alg>
+                        </dgm:if>
+                        <dgm:else name="Name32">
+                          <dgm:alg type="lin">
+                            <dgm:param type="linDir" val="fromT"/>
+                            <dgm:param type="nodeHorzAlign" val="r"/>
+                          </dgm:alg>
+                        </dgm:else>
+                      </dgm:choose>
+                      <dgm:shape xmlns:r="http://schemas.openxmlformats.org/officeDocument/2006/relationships" r:blip="">
+                        <dgm:adjLst/>
+                      </dgm:shape>
+                      <dgm:presOf/>
+                      <dgm:forEach name="Name33" axis="ch" ptType="node">
+                        <dgm:layoutNode name="horz4">
+                          <dgm:choose name="Name34">
+                            <dgm:if name="Name35" func="var" arg="dir" op="equ" val="norm">
+                              <dgm:alg type="lin">
+                                <dgm:param type="linDir" val="fromL"/>
+                                <dgm:param type="nodeVertAlign" val="t"/>
+                              </dgm:alg>
+                            </dgm:if>
+                            <dgm:else name="Name36">
+                              <dgm:alg type="lin">
+                                <dgm:param type="linDir" val="fromR"/>
+                                <dgm:param type="nodeVertAlign" val="t"/>
+                              </dgm:alg>
+                            </dgm:else>
+                          </dgm:choose>
+                          <dgm:shape xmlns:r="http://schemas.openxmlformats.org/officeDocument/2006/relationships" r:blip="">
+                            <dgm:adjLst/>
+                          </dgm:shape>
+                          <dgm:presOf/>
+                          <dgm:layoutNode name="horzSpace4">
+                            <dgm:alg type="sp"/>
+                            <dgm:shape xmlns:r="http://schemas.openxmlformats.org/officeDocument/2006/relationships" r:blip="">
+                              <dgm:adjLst/>
+                            </dgm:shape>
+                            <dgm:presOf/>
+                          </dgm:layoutNode>
+                          <dgm:layoutNode name="tx4" styleLbl="revTx">
+                            <dgm:varLst>
+                              <dgm:bulletEnabled val="1"/>
+                            </dgm:varLst>
+                            <dgm:alg type="tx">
+                              <dgm:param type="parTxLTRAlign" val="l"/>
+                              <dgm:param type="parTxRTLAlign" val="r"/>
+                              <dgm:param type="txAnchorVert" val="t"/>
+                            </dgm:alg>
+                            <dgm:shape xmlns:r="http://schemas.openxmlformats.org/officeDocument/2006/relationships" type="rect" r:blip="">
+                              <dgm:adjLst/>
+                            </dgm:shape>
+                            <dgm:presOf axis="desOrSelf" ptType="node"/>
+                            <dgm:constrLst>
+                              <dgm:constr type="tMarg" refType="primFontSz" fact="0.3"/>
+                              <dgm:constr type="bMarg" refType="primFontSz" fact="0.3"/>
+                              <dgm:constr type="lMarg" refType="primFontSz" fact="0.3"/>
+                              <dgm:constr type="rMarg" refType="primFontSz" fact="0.3"/>
+                            </dgm:constrLst>
+                            <dgm:ruleLst>
+                              <dgm:rule type="primFontSz" val="5" fact="NaN" max="NaN"/>
+                            </dgm:ruleLst>
+                          </dgm:layoutNode>
+                        </dgm:layoutNode>
+                      </dgm:forEach>
+                    </dgm:layoutNode>
+                  </dgm:layoutNode>
+                  <dgm:forEach name="Name37" axis="followSib" ptType="sibTrans" cnt="1">
+                    <dgm:layoutNode name="thinLine3" styleLbl="callout">
+                      <dgm:alg type="sp"/>
+                      <dgm:shape xmlns:r="http://schemas.openxmlformats.org/officeDocument/2006/relationships" type="line" r:blip="">
+                        <dgm:adjLst/>
+                      </dgm:shape>
+                      <dgm:presOf/>
+                    </dgm:layoutNode>
+                  </dgm:forEach>
+                </dgm:forEach>
+              </dgm:layoutNode>
+            </dgm:layoutNode>
+            <dgm:layoutNode name="thinLine2b" styleLbl="callout">
+              <dgm:alg type="sp"/>
+              <dgm:shape xmlns:r="http://schemas.openxmlformats.org/officeDocument/2006/relationships" type="line" r:blip="">
+                <dgm:adjLst/>
+              </dgm:shape>
+              <dgm:presOf/>
+            </dgm:layoutNode>
+            <dgm:layoutNode name="vertSpace2b">
+              <dgm:alg type="sp"/>
+              <dgm:shape xmlns:r="http://schemas.openxmlformats.org/officeDocument/2006/relationships" r:blip="">
+                <dgm:adjLst/>
+              </dgm:shape>
+              <dgm:presOf/>
+            </dgm:layoutNode>
+          </dgm:forEach>
+        </dgm:layoutNode>
+      </dgm:layoutNode>
+    </dgm:forEach>
+  </dgm:layoutNode>
+</dgm:layoutDef>
+</file>
+
+<file path=ppt/diagrams/layout5.xml><?xml version="1.0" encoding="utf-8"?>
+<dgm:layoutDef xmlns:dgm="http://schemas.openxmlformats.org/drawingml/2006/diagram" xmlns:a="http://schemas.openxmlformats.org/drawingml/2006/main" uniqueId="urn:microsoft.com/office/officeart/2008/layout/LinedList">
+  <dgm:title val=""/>
+  <dgm:desc val=""/>
+  <dgm:catLst>
+    <dgm:cat type="hierarchy" pri="8000"/>
+    <dgm:cat type="list" pri="2500"/>
+  </dgm:catLst>
+  <dgm:sampData>
+    <dgm:dataModel>
+      <dgm:ptLst>
+        <dgm:pt modelId="0" type="doc"/>
+        <dgm:pt modelId="1">
+          <dgm:prSet phldr="1"/>
+        </dgm:pt>
+        <dgm:pt modelId="11">
+          <dgm:prSet phldr="1"/>
+        </dgm:pt>
+        <dgm:pt modelId="12">
+          <dgm:prSet phldr="1"/>
+        </dgm:pt>
+        <dgm:pt modelId="13">
+          <dgm:prSet phldr="1"/>
+        </dgm:pt>
+      </dgm:ptLst>
+      <dgm:cxnLst>
+        <dgm:cxn modelId="2" srcId="0" destId="1" srcOrd="0" destOrd="0"/>
+        <dgm:cxn modelId="3" srcId="1" destId="11" srcOrd="0" destOrd="0"/>
+        <dgm:cxn modelId="4" srcId="1" destId="12" srcOrd="1" destOrd="0"/>
+        <dgm:cxn modelId="5" srcId="1" destId="13" srcOrd="2" destOrd="0"/>
+      </dgm:cxnLst>
+      <dgm:bg/>
+      <dgm:whole/>
+    </dgm:dataModel>
+  </dgm:sampData>
+  <dgm:styleData>
+    <dgm:dataModel>
+      <dgm:ptLst>
+        <dgm:pt modelId="0" type="doc"/>
+        <dgm:pt modelId="1">
+          <dgm:prSet phldr="1"/>
+        </dgm:pt>
+        <dgm:pt modelId="11">
+          <dgm:prSet phldr="1"/>
+        </dgm:pt>
+        <dgm:pt modelId="12">
+          <dgm:prSet phldr="1"/>
+        </dgm:pt>
+      </dgm:ptLst>
+      <dgm:cxnLst>
+        <dgm:cxn modelId="2" srcId="0" destId="1" srcOrd="0" destOrd="0"/>
+        <dgm:cxn modelId="3" srcId="1" destId="11" srcOrd="0" destOrd="0"/>
+        <dgm:cxn modelId="4" srcId="1" destId="12" srcOrd="1" destOrd="0"/>
+      </dgm:cxnLst>
+      <dgm:bg/>
+      <dgm:whole/>
+    </dgm:dataModel>
+  </dgm:styleData>
+  <dgm:clrData>
+    <dgm:dataModel>
+      <dgm:ptLst>
+        <dgm:pt modelId="0" type="doc"/>
+        <dgm:pt modelId="1">
+          <dgm:prSet phldr="1"/>
+        </dgm:pt>
+        <dgm:pt modelId="11">
+          <dgm:prSet phldr="1"/>
+        </dgm:pt>
+        <dgm:pt modelId="12">
+          <dgm:prSet phldr="1"/>
+        </dgm:pt>
+      </dgm:ptLst>
+      <dgm:cxnLst>
+        <dgm:cxn modelId="2" srcId="0" destId="1" srcOrd="0" destOrd="0"/>
+        <dgm:cxn modelId="3" srcId="1" destId="11" srcOrd="0" destOrd="0"/>
+        <dgm:cxn modelId="4" srcId="1" destId="12" srcOrd="1" destOrd="0"/>
+      </dgm:cxnLst>
+      <dgm:bg/>
+      <dgm:whole/>
+    </dgm:dataModel>
+  </dgm:clrData>
+  <dgm:layoutNode name="vert0">
+    <dgm:varLst>
+      <dgm:dir/>
+      <dgm:animOne val="branch"/>
+      <dgm:animLvl val="lvl"/>
+    </dgm:varLst>
+    <dgm:choose name="Name0">
+      <dgm:if name="Name1" func="var" arg="dir" op="equ" val="norm">
+        <dgm:alg type="lin">
+          <dgm:param type="linDir" val="fromT"/>
+          <dgm:param type="nodeHorzAlign" val="l"/>
+        </dgm:alg>
+      </dgm:if>
+      <dgm:else name="Name2">
+        <dgm:alg type="lin">
+          <dgm:param type="linDir" val="fromT"/>
+          <dgm:param type="nodeHorzAlign" val="r"/>
+        </dgm:alg>
+      </dgm:else>
+    </dgm:choose>
+    <dgm:shape xmlns:r="http://schemas.openxmlformats.org/officeDocument/2006/relationships" r:blip="">
+      <dgm:adjLst/>
+    </dgm:shape>
+    <dgm:presOf/>
+    <dgm:constrLst>
+      <dgm:constr type="w" for="ch" forName="horz1" refType="w"/>
+      <dgm:constr type="h" for="ch" forName="horz1" refType="h"/>
+      <dgm:constr type="h" for="des" forName="vert1" refType="h"/>
+      <dgm:constr type="h" for="des" forName="tx1" refType="h"/>
+      <dgm:constr type="h" for="des" forName="horz2" refType="h"/>
+      <dgm:constr type="h" for="des" forName="vert2" refType="h"/>
+      <dgm:constr type="h" for="des" forName="horz3" refType="h"/>
+      <dgm:constr type="h" for="des" forName="vert3" refType="h"/>
+      <dgm:constr type="h" for="des" forName="horz4" refType="h"/>
+      <dgm:constr type="h" for="des" ptType="node" refType="h"/>
+      <dgm:constr type="primFontSz" for="des" forName="tx1" op="equ" val="65"/>
+      <dgm:constr type="primFontSz" for="des" forName="tx2" op="equ" val="65"/>
+      <dgm:constr type="primFontSz" for="des" forName="tx3" op="equ" val="65"/>
+      <dgm:constr type="primFontSz" for="des" forName="tx4" op="equ" val="65"/>
+      <dgm:constr type="w" for="des" forName="thickLine" refType="w"/>
+      <dgm:constr type="h" for="des" forName="thickLine"/>
+      <dgm:constr type="h" for="des" forName="thinLine1"/>
+      <dgm:constr type="h" for="des" forName="thinLine2b"/>
+      <dgm:constr type="h" for="des" forName="thinLine3"/>
+      <dgm:constr type="h" for="des" forName="vertSpace2a" refType="h" fact="0.05"/>
+      <dgm:constr type="h" for="des" forName="vertSpace2b" refType="h" refFor="des" refForName="vertSpace2a"/>
+    </dgm:constrLst>
+    <dgm:forEach name="Name3" axis="ch" ptType="node">
+      <dgm:layoutNode name="thickLine" styleLbl="alignNode1">
+        <dgm:alg type="sp"/>
+        <dgm:shape xmlns:r="http://schemas.openxmlformats.org/officeDocument/2006/relationships" type="line" r:blip="">
+          <dgm:adjLst/>
+        </dgm:shape>
+        <dgm:presOf/>
+      </dgm:layoutNode>
+      <dgm:layoutNode name="horz1">
+        <dgm:choose name="Name4">
+          <dgm:if name="Name5" func="var" arg="dir" op="equ" val="norm">
+            <dgm:alg type="lin">
+              <dgm:param type="linDir" val="fromL"/>
+              <dgm:param type="nodeVertAlign" val="t"/>
+            </dgm:alg>
+          </dgm:if>
+          <dgm:else name="Name6">
+            <dgm:alg type="lin">
+              <dgm:param type="linDir" val="fromR"/>
+              <dgm:param type="nodeVertAlign" val="t"/>
+            </dgm:alg>
+          </dgm:else>
+        </dgm:choose>
+        <dgm:shape xmlns:r="http://schemas.openxmlformats.org/officeDocument/2006/relationships" r:blip="">
+          <dgm:adjLst/>
+        </dgm:shape>
+        <dgm:presOf/>
+        <dgm:choose name="Name7">
+          <dgm:if name="Name8" axis="root des" func="maxDepth" op="equ" val="1">
+            <dgm:constrLst>
+              <dgm:constr type="w" for="ch" forName="tx1" refType="w"/>
+            </dgm:constrLst>
+          </dgm:if>
+          <dgm:if name="Name9" axis="root des" func="maxDepth" op="equ" val="2">
+            <dgm:constrLst>
+              <dgm:constr type="w" for="ch" forName="tx1" refType="w" fact="0.2"/>
+              <dgm:constr type="w" for="des" forName="tx2" refType="w" fact="0.785"/>
+              <dgm:constr type="w" for="des" forName="horzSpace2" refType="w" fact="0.015"/>
+              <dgm:constr type="w" for="des" forName="thinLine2b" refType="w" fact="0.8"/>
+            </dgm:constrLst>
+          </dgm:if>
+          <dgm:if name="Name10" axis="root des" func="maxDepth" op="equ" val="3">
+            <dgm:constrLst>
+              <dgm:constr type="w" for="ch" forName="tx1" refType="w" fact="0.2"/>
+              <dgm:constr type="w" for="des" forName="tx2" refType="w" fact="0.385"/>
+              <dgm:constr type="w" for="des" forName="tx3" refType="w" fact="0.385"/>
+              <dgm:constr type="w" for="des" forName="horzSpace2" refType="w" fact="0.015"/>
+              <dgm:constr type="w" for="des" forName="horzSpace3" refType="w" fact="0.015"/>
+              <dgm:constr type="w" for="des" forName="thinLine2b" refType="w" fact="0.8"/>
+              <dgm:constr type="w" for="des" forName="thinLine3" refType="w" fact="0.385"/>
+            </dgm:constrLst>
+          </dgm:if>
+          <dgm:if name="Name11" axis="root des" func="maxDepth" op="gte" val="4">
+            <dgm:constrLst>
+              <dgm:constr type="w" for="ch" forName="tx1" refType="w" fact="0.2"/>
+              <dgm:constr type="w" for="des" forName="tx2" refType="w" fact="0.2516"/>
+              <dgm:constr type="w" for="des" forName="tx3" refType="w" fact="0.2516"/>
+              <dgm:constr type="w" for="des" forName="tx4" refType="w" fact="0.2516"/>
+              <dgm:constr type="w" for="des" forName="horzSpace2" refType="w" fact="0.015"/>
+              <dgm:constr type="w" for="des" forName="horzSpace3" refType="w" fact="0.015"/>
+              <dgm:constr type="w" for="des" forName="horzSpace4" refType="w" fact="0.015"/>
+              <dgm:constr type="w" for="des" forName="thinLine2b" refType="w" fact="0.8"/>
+              <dgm:constr type="w" for="des" forName="thinLine3" refType="w" fact="0.5332"/>
+            </dgm:constrLst>
+          </dgm:if>
+          <dgm:else name="Name12"/>
+        </dgm:choose>
+        <dgm:layoutNode name="tx1" styleLbl="revTx">
+          <dgm:alg type="tx">
+            <dgm:param type="parTxLTRAlign" val="l"/>
+            <dgm:param type="parTxRTLAlign" val="r"/>
+            <dgm:param type="txAnchorVert" val="t"/>
+          </dgm:alg>
+          <dgm:shape xmlns:r="http://schemas.openxmlformats.org/officeDocument/2006/relationships" type="rect" r:blip="">
+            <dgm:adjLst/>
+          </dgm:shape>
+          <dgm:presOf axis="self"/>
+          <dgm:constrLst>
+            <dgm:constr type="tMarg" refType="primFontSz" fact="0.3"/>
+            <dgm:constr type="bMarg" refType="primFontSz" fact="0.3"/>
+            <dgm:constr type="lMarg" refType="primFontSz" fact="0.3"/>
+            <dgm:constr type="rMarg" refType="primFontSz" fact="0.3"/>
+          </dgm:constrLst>
+          <dgm:ruleLst>
+            <dgm:rule type="primFontSz" val="5" fact="NaN" max="NaN"/>
+          </dgm:ruleLst>
+        </dgm:layoutNode>
+        <dgm:layoutNode name="vert1">
+          <dgm:choose name="Name13">
+            <dgm:if name="Name14" func="var" arg="dir" op="equ" val="norm">
+              <dgm:alg type="lin">
+                <dgm:param type="linDir" val="fromT"/>
+                <dgm:param type="nodeHorzAlign" val="l"/>
+              </dgm:alg>
+            </dgm:if>
+            <dgm:else name="Name15">
+              <dgm:alg type="lin">
+                <dgm:param type="linDir" val="fromT"/>
+                <dgm:param type="nodeHorzAlign" val="r"/>
+              </dgm:alg>
+            </dgm:else>
+          </dgm:choose>
+          <dgm:shape xmlns:r="http://schemas.openxmlformats.org/officeDocument/2006/relationships" r:blip="">
+            <dgm:adjLst/>
+          </dgm:shape>
+          <dgm:presOf/>
+          <dgm:forEach name="Name16" axis="ch" ptType="node">
+            <dgm:choose name="Name17">
+              <dgm:if name="Name18" axis="self" ptType="node" func="pos" op="equ" val="1">
+                <dgm:layoutNode name="vertSpace2a">
+                  <dgm:alg type="sp"/>
+                  <dgm:shape xmlns:r="http://schemas.openxmlformats.org/officeDocument/2006/relationships" r:blip="">
+                    <dgm:adjLst/>
+                  </dgm:shape>
+                  <dgm:presOf/>
+                </dgm:layoutNode>
+              </dgm:if>
+              <dgm:else name="Name19"/>
+            </dgm:choose>
+            <dgm:layoutNode name="horz2">
+              <dgm:choose name="Name20">
+                <dgm:if name="Name21" func="var" arg="dir" op="equ" val="norm">
+                  <dgm:alg type="lin">
+                    <dgm:param type="linDir" val="fromL"/>
+                    <dgm:param type="nodeVertAlign" val="t"/>
+                  </dgm:alg>
+                </dgm:if>
+                <dgm:else name="Name22">
+                  <dgm:alg type="lin">
+                    <dgm:param type="linDir" val="fromR"/>
+                    <dgm:param type="nodeVertAlign" val="t"/>
+                  </dgm:alg>
+                </dgm:else>
+              </dgm:choose>
+              <dgm:shape xmlns:r="http://schemas.openxmlformats.org/officeDocument/2006/relationships" r:blip="">
+                <dgm:adjLst/>
+              </dgm:shape>
+              <dgm:presOf/>
+              <dgm:layoutNode name="horzSpace2">
+                <dgm:alg type="sp"/>
+                <dgm:shape xmlns:r="http://schemas.openxmlformats.org/officeDocument/2006/relationships" r:blip="">
+                  <dgm:adjLst/>
+                </dgm:shape>
+                <dgm:presOf/>
+              </dgm:layoutNode>
+              <dgm:layoutNode name="tx2" styleLbl="revTx">
+                <dgm:alg type="tx">
+                  <dgm:param type="parTxLTRAlign" val="l"/>
+                  <dgm:param type="parTxRTLAlign" val="r"/>
+                  <dgm:param type="txAnchorVert" val="t"/>
+                </dgm:alg>
+                <dgm:shape xmlns:r="http://schemas.openxmlformats.org/officeDocument/2006/relationships" type="rect" r:blip="">
+                  <dgm:adjLst/>
+                </dgm:shape>
+                <dgm:presOf axis="self"/>
+                <dgm:constrLst>
+                  <dgm:constr type="tMarg" refType="primFontSz" fact="0.3"/>
+                  <dgm:constr type="bMarg" refType="primFontSz" fact="0.3"/>
+                  <dgm:constr type="lMarg" refType="primFontSz" fact="0.3"/>
+                  <dgm:constr type="rMarg" refType="primFontSz" fact="0.3"/>
+                </dgm:constrLst>
+                <dgm:ruleLst>
+                  <dgm:rule type="primFontSz" val="5" fact="NaN" max="NaN"/>
+                </dgm:ruleLst>
+              </dgm:layoutNode>
+              <dgm:layoutNode name="vert2">
+                <dgm:choose name="Name23">
+                  <dgm:if name="Name24" func="var" arg="dir" op="equ" val="norm">
+                    <dgm:alg type="lin">
+                      <dgm:param type="linDir" val="fromT"/>
+                      <dgm:param type="nodeHorzAlign" val="l"/>
+                    </dgm:alg>
+                  </dgm:if>
+                  <dgm:else name="Name25">
+                    <dgm:alg type="lin">
+                      <dgm:param type="linDir" val="fromT"/>
+                      <dgm:param type="nodeHorzAlign" val="r"/>
+                    </dgm:alg>
+                  </dgm:else>
+                </dgm:choose>
+                <dgm:shape xmlns:r="http://schemas.openxmlformats.org/officeDocument/2006/relationships" r:blip="">
+                  <dgm:adjLst/>
+                </dgm:shape>
+                <dgm:presOf/>
+                <dgm:forEach name="Name26" axis="ch" ptType="node">
+                  <dgm:layoutNode name="horz3">
+                    <dgm:choose name="Name27">
+                      <dgm:if name="Name28" func="var" arg="dir" op="equ" val="norm">
+                        <dgm:alg type="lin">
+                          <dgm:param type="linDir" val="fromL"/>
+                          <dgm:param type="nodeVertAlign" val="t"/>
+                        </dgm:alg>
+                      </dgm:if>
+                      <dgm:else name="Name29">
+                        <dgm:alg type="lin">
+                          <dgm:param type="linDir" val="fromR"/>
+                          <dgm:param type="nodeVertAlign" val="t"/>
+                        </dgm:alg>
+                      </dgm:else>
+                    </dgm:choose>
+                    <dgm:shape xmlns:r="http://schemas.openxmlformats.org/officeDocument/2006/relationships" r:blip="">
+                      <dgm:adjLst/>
+                    </dgm:shape>
+                    <dgm:presOf/>
+                    <dgm:layoutNode name="horzSpace3">
+                      <dgm:alg type="sp"/>
+                      <dgm:shape xmlns:r="http://schemas.openxmlformats.org/officeDocument/2006/relationships" r:blip="">
+                        <dgm:adjLst/>
+                      </dgm:shape>
+                      <dgm:presOf/>
+                    </dgm:layoutNode>
+                    <dgm:layoutNode name="tx3" styleLbl="revTx">
+                      <dgm:alg type="tx">
+                        <dgm:param type="parTxLTRAlign" val="l"/>
+                        <dgm:param type="parTxRTLAlign" val="r"/>
+                        <dgm:param type="txAnchorVert" val="t"/>
+                      </dgm:alg>
+                      <dgm:shape xmlns:r="http://schemas.openxmlformats.org/officeDocument/2006/relationships" type="rect" r:blip="">
+                        <dgm:adjLst/>
+                      </dgm:shape>
+                      <dgm:presOf axis="self"/>
+                      <dgm:constrLst>
+                        <dgm:constr type="tMarg" refType="primFontSz" fact="0.3"/>
+                        <dgm:constr type="bMarg" refType="primFontSz" fact="0.3"/>
+                        <dgm:constr type="lMarg" refType="primFontSz" fact="0.3"/>
+                        <dgm:constr type="rMarg" refType="primFontSz" fact="0.3"/>
+                      </dgm:constrLst>
+                      <dgm:ruleLst>
+                        <dgm:rule type="primFontSz" val="5" fact="NaN" max="NaN"/>
+                      </dgm:ruleLst>
+                    </dgm:layoutNode>
+                    <dgm:layoutNode name="vert3">
+                      <dgm:choose name="Name30">
+                        <dgm:if name="Name31" func="var" arg="dir" op="equ" val="norm">
+                          <dgm:alg type="lin">
+                            <dgm:param type="linDir" val="fromT"/>
+                            <dgm:param type="nodeHorzAlign" val="l"/>
+                          </dgm:alg>
+                        </dgm:if>
+                        <dgm:else name="Name32">
+                          <dgm:alg type="lin">
+                            <dgm:param type="linDir" val="fromT"/>
+                            <dgm:param type="nodeHorzAlign" val="r"/>
+                          </dgm:alg>
+                        </dgm:else>
+                      </dgm:choose>
+                      <dgm:shape xmlns:r="http://schemas.openxmlformats.org/officeDocument/2006/relationships" r:blip="">
+                        <dgm:adjLst/>
+                      </dgm:shape>
+                      <dgm:presOf/>
+                      <dgm:forEach name="Name33" axis="ch" ptType="node">
+                        <dgm:layoutNode name="horz4">
+                          <dgm:choose name="Name34">
+                            <dgm:if name="Name35" func="var" arg="dir" op="equ" val="norm">
+                              <dgm:alg type="lin">
+                                <dgm:param type="linDir" val="fromL"/>
+                                <dgm:param type="nodeVertAlign" val="t"/>
+                              </dgm:alg>
+                            </dgm:if>
+                            <dgm:else name="Name36">
+                              <dgm:alg type="lin">
+                                <dgm:param type="linDir" val="fromR"/>
+                                <dgm:param type="nodeVertAlign" val="t"/>
+                              </dgm:alg>
+                            </dgm:else>
+                          </dgm:choose>
+                          <dgm:shape xmlns:r="http://schemas.openxmlformats.org/officeDocument/2006/relationships" r:blip="">
+                            <dgm:adjLst/>
+                          </dgm:shape>
+                          <dgm:presOf/>
+                          <dgm:layoutNode name="horzSpace4">
+                            <dgm:alg type="sp"/>
+                            <dgm:shape xmlns:r="http://schemas.openxmlformats.org/officeDocument/2006/relationships" r:blip="">
+                              <dgm:adjLst/>
+                            </dgm:shape>
+                            <dgm:presOf/>
+                          </dgm:layoutNode>
+                          <dgm:layoutNode name="tx4" styleLbl="revTx">
+                            <dgm:varLst>
+                              <dgm:bulletEnabled val="1"/>
+                            </dgm:varLst>
+                            <dgm:alg type="tx">
+                              <dgm:param type="parTxLTRAlign" val="l"/>
+                              <dgm:param type="parTxRTLAlign" val="r"/>
+                              <dgm:param type="txAnchorVert" val="t"/>
+                            </dgm:alg>
+                            <dgm:shape xmlns:r="http://schemas.openxmlformats.org/officeDocument/2006/relationships" type="rect" r:blip="">
+                              <dgm:adjLst/>
+                            </dgm:shape>
+                            <dgm:presOf axis="desOrSelf" ptType="node"/>
+                            <dgm:constrLst>
+                              <dgm:constr type="tMarg" refType="primFontSz" fact="0.3"/>
+                              <dgm:constr type="bMarg" refType="primFontSz" fact="0.3"/>
+                              <dgm:constr type="lMarg" refType="primFontSz" fact="0.3"/>
+                              <dgm:constr type="rMarg" refType="primFontSz" fact="0.3"/>
+                            </dgm:constrLst>
+                            <dgm:ruleLst>
+                              <dgm:rule type="primFontSz" val="5" fact="NaN" max="NaN"/>
+                            </dgm:ruleLst>
+                          </dgm:layoutNode>
+                        </dgm:layoutNode>
+                      </dgm:forEach>
+                    </dgm:layoutNode>
+                  </dgm:layoutNode>
+                  <dgm:forEach name="Name37" axis="followSib" ptType="sibTrans" cnt="1">
+                    <dgm:layoutNode name="thinLine3" styleLbl="callout">
+                      <dgm:alg type="sp"/>
+                      <dgm:shape xmlns:r="http://schemas.openxmlformats.org/officeDocument/2006/relationships" type="line" r:blip="">
+                        <dgm:adjLst/>
+                      </dgm:shape>
+                      <dgm:presOf/>
+                    </dgm:layoutNode>
+                  </dgm:forEach>
+                </dgm:forEach>
+              </dgm:layoutNode>
+            </dgm:layoutNode>
+            <dgm:layoutNode name="thinLine2b" styleLbl="callout">
+              <dgm:alg type="sp"/>
+              <dgm:shape xmlns:r="http://schemas.openxmlformats.org/officeDocument/2006/relationships" type="line" r:blip="">
+                <dgm:adjLst/>
+              </dgm:shape>
+              <dgm:presOf/>
+            </dgm:layoutNode>
+            <dgm:layoutNode name="vertSpace2b">
+              <dgm:alg type="sp"/>
+              <dgm:shape xmlns:r="http://schemas.openxmlformats.org/officeDocument/2006/relationships" r:blip="">
+                <dgm:adjLst/>
+              </dgm:shape>
+              <dgm:presOf/>
+            </dgm:layoutNode>
+          </dgm:forEach>
+        </dgm:layoutNode>
+      </dgm:layoutNode>
+    </dgm:forEach>
+  </dgm:layoutNode>
+</dgm:layoutDef>
+</file>
+
 <file path=ppt/diagrams/quickStyle1.xml><?xml version="1.0" encoding="utf-8"?>
 <dgm:styleDef xmlns:dgm="http://schemas.openxmlformats.org/drawingml/2006/diagram" xmlns:a="http://schemas.openxmlformats.org/drawingml/2006/main" uniqueId="urn:microsoft.com/office/officeart/2005/8/quickstyle/simple2">
   <dgm:title val=""/>
@@ -8493,6 +12178,2074 @@
         <a:scrgbClr r="0" g="0" b="0"/>
       </a:fillRef>
       <a:effectRef idx="3">
+        <a:scrgbClr r="0" g="0" b="0"/>
+      </a:effectRef>
+      <a:fontRef idx="minor"/>
+    </dgm:style>
+  </dgm:styleLbl>
+  <dgm:styleLbl name="revTx">
+    <dgm:scene3d>
+      <a:camera prst="orthographicFront"/>
+      <a:lightRig rig="threePt" dir="t"/>
+    </dgm:scene3d>
+    <dgm:sp3d/>
+    <dgm:txPr/>
+    <dgm:style>
+      <a:lnRef idx="0">
+        <a:scrgbClr r="0" g="0" b="0"/>
+      </a:lnRef>
+      <a:fillRef idx="0">
+        <a:scrgbClr r="0" g="0" b="0"/>
+      </a:fillRef>
+      <a:effectRef idx="0">
+        <a:scrgbClr r="0" g="0" b="0"/>
+      </a:effectRef>
+      <a:fontRef idx="minor"/>
+    </dgm:style>
+  </dgm:styleLbl>
+</dgm:styleDef>
+</file>
+
+<file path=ppt/diagrams/quickStyle4.xml><?xml version="1.0" encoding="utf-8"?>
+<dgm:styleDef xmlns:dgm="http://schemas.openxmlformats.org/drawingml/2006/diagram" xmlns:a="http://schemas.openxmlformats.org/drawingml/2006/main" uniqueId="urn:microsoft.com/office/officeart/2005/8/quickstyle/simple1">
+  <dgm:title val=""/>
+  <dgm:desc val=""/>
+  <dgm:catLst>
+    <dgm:cat type="simple" pri="10100"/>
+  </dgm:catLst>
+  <dgm:scene3d>
+    <a:camera prst="orthographicFront"/>
+    <a:lightRig rig="threePt" dir="t"/>
+  </dgm:scene3d>
+  <dgm:styleLbl name="node0">
+    <dgm:scene3d>
+      <a:camera prst="orthographicFront"/>
+      <a:lightRig rig="threePt" dir="t"/>
+    </dgm:scene3d>
+    <dgm:sp3d/>
+    <dgm:txPr/>
+    <dgm:style>
+      <a:lnRef idx="2">
+        <a:scrgbClr r="0" g="0" b="0"/>
+      </a:lnRef>
+      <a:fillRef idx="1">
+        <a:scrgbClr r="0" g="0" b="0"/>
+      </a:fillRef>
+      <a:effectRef idx="0">
+        <a:scrgbClr r="0" g="0" b="0"/>
+      </a:effectRef>
+      <a:fontRef idx="minor">
+        <a:schemeClr val="lt1"/>
+      </a:fontRef>
+    </dgm:style>
+  </dgm:styleLbl>
+  <dgm:styleLbl name="lnNode1">
+    <dgm:scene3d>
+      <a:camera prst="orthographicFront"/>
+      <a:lightRig rig="threePt" dir="t"/>
+    </dgm:scene3d>
+    <dgm:sp3d/>
+    <dgm:txPr/>
+    <dgm:style>
+      <a:lnRef idx="2">
+        <a:scrgbClr r="0" g="0" b="0"/>
+      </a:lnRef>
+      <a:fillRef idx="1">
+        <a:scrgbClr r="0" g="0" b="0"/>
+      </a:fillRef>
+      <a:effectRef idx="0">
+        <a:scrgbClr r="0" g="0" b="0"/>
+      </a:effectRef>
+      <a:fontRef idx="minor">
+        <a:schemeClr val="lt1"/>
+      </a:fontRef>
+    </dgm:style>
+  </dgm:styleLbl>
+  <dgm:styleLbl name="vennNode1">
+    <dgm:scene3d>
+      <a:camera prst="orthographicFront"/>
+      <a:lightRig rig="threePt" dir="t"/>
+    </dgm:scene3d>
+    <dgm:sp3d/>
+    <dgm:txPr/>
+    <dgm:style>
+      <a:lnRef idx="2">
+        <a:scrgbClr r="0" g="0" b="0"/>
+      </a:lnRef>
+      <a:fillRef idx="1">
+        <a:scrgbClr r="0" g="0" b="0"/>
+      </a:fillRef>
+      <a:effectRef idx="0">
+        <a:scrgbClr r="0" g="0" b="0"/>
+      </a:effectRef>
+      <a:fontRef idx="minor">
+        <a:schemeClr val="tx1"/>
+      </a:fontRef>
+    </dgm:style>
+  </dgm:styleLbl>
+  <dgm:styleLbl name="alignNode1">
+    <dgm:scene3d>
+      <a:camera prst="orthographicFront"/>
+      <a:lightRig rig="threePt" dir="t"/>
+    </dgm:scene3d>
+    <dgm:sp3d/>
+    <dgm:txPr/>
+    <dgm:style>
+      <a:lnRef idx="2">
+        <a:scrgbClr r="0" g="0" b="0"/>
+      </a:lnRef>
+      <a:fillRef idx="1">
+        <a:scrgbClr r="0" g="0" b="0"/>
+      </a:fillRef>
+      <a:effectRef idx="0">
+        <a:scrgbClr r="0" g="0" b="0"/>
+      </a:effectRef>
+      <a:fontRef idx="minor">
+        <a:schemeClr val="lt1"/>
+      </a:fontRef>
+    </dgm:style>
+  </dgm:styleLbl>
+  <dgm:styleLbl name="node1">
+    <dgm:scene3d>
+      <a:camera prst="orthographicFront"/>
+      <a:lightRig rig="threePt" dir="t"/>
+    </dgm:scene3d>
+    <dgm:sp3d/>
+    <dgm:txPr/>
+    <dgm:style>
+      <a:lnRef idx="2">
+        <a:scrgbClr r="0" g="0" b="0"/>
+      </a:lnRef>
+      <a:fillRef idx="1">
+        <a:scrgbClr r="0" g="0" b="0"/>
+      </a:fillRef>
+      <a:effectRef idx="0">
+        <a:scrgbClr r="0" g="0" b="0"/>
+      </a:effectRef>
+      <a:fontRef idx="minor">
+        <a:schemeClr val="lt1"/>
+      </a:fontRef>
+    </dgm:style>
+  </dgm:styleLbl>
+  <dgm:styleLbl name="node2">
+    <dgm:scene3d>
+      <a:camera prst="orthographicFront"/>
+      <a:lightRig rig="threePt" dir="t"/>
+    </dgm:scene3d>
+    <dgm:sp3d/>
+    <dgm:txPr/>
+    <dgm:style>
+      <a:lnRef idx="2">
+        <a:scrgbClr r="0" g="0" b="0"/>
+      </a:lnRef>
+      <a:fillRef idx="1">
+        <a:scrgbClr r="0" g="0" b="0"/>
+      </a:fillRef>
+      <a:effectRef idx="0">
+        <a:scrgbClr r="0" g="0" b="0"/>
+      </a:effectRef>
+      <a:fontRef idx="minor">
+        <a:schemeClr val="lt1"/>
+      </a:fontRef>
+    </dgm:style>
+  </dgm:styleLbl>
+  <dgm:styleLbl name="node3">
+    <dgm:scene3d>
+      <a:camera prst="orthographicFront"/>
+      <a:lightRig rig="threePt" dir="t"/>
+    </dgm:scene3d>
+    <dgm:sp3d/>
+    <dgm:txPr/>
+    <dgm:style>
+      <a:lnRef idx="2">
+        <a:scrgbClr r="0" g="0" b="0"/>
+      </a:lnRef>
+      <a:fillRef idx="1">
+        <a:scrgbClr r="0" g="0" b="0"/>
+      </a:fillRef>
+      <a:effectRef idx="0">
+        <a:scrgbClr r="0" g="0" b="0"/>
+      </a:effectRef>
+      <a:fontRef idx="minor">
+        <a:schemeClr val="lt1"/>
+      </a:fontRef>
+    </dgm:style>
+  </dgm:styleLbl>
+  <dgm:styleLbl name="node4">
+    <dgm:scene3d>
+      <a:camera prst="orthographicFront"/>
+      <a:lightRig rig="threePt" dir="t"/>
+    </dgm:scene3d>
+    <dgm:sp3d/>
+    <dgm:txPr/>
+    <dgm:style>
+      <a:lnRef idx="2">
+        <a:scrgbClr r="0" g="0" b="0"/>
+      </a:lnRef>
+      <a:fillRef idx="1">
+        <a:scrgbClr r="0" g="0" b="0"/>
+      </a:fillRef>
+      <a:effectRef idx="0">
+        <a:scrgbClr r="0" g="0" b="0"/>
+      </a:effectRef>
+      <a:fontRef idx="minor">
+        <a:schemeClr val="lt1"/>
+      </a:fontRef>
+    </dgm:style>
+  </dgm:styleLbl>
+  <dgm:styleLbl name="fgImgPlace1">
+    <dgm:scene3d>
+      <a:camera prst="orthographicFront"/>
+      <a:lightRig rig="threePt" dir="t"/>
+    </dgm:scene3d>
+    <dgm:sp3d/>
+    <dgm:txPr/>
+    <dgm:style>
+      <a:lnRef idx="2">
+        <a:scrgbClr r="0" g="0" b="0"/>
+      </a:lnRef>
+      <a:fillRef idx="1">
+        <a:scrgbClr r="0" g="0" b="0"/>
+      </a:fillRef>
+      <a:effectRef idx="0">
+        <a:scrgbClr r="0" g="0" b="0"/>
+      </a:effectRef>
+      <a:fontRef idx="minor"/>
+    </dgm:style>
+  </dgm:styleLbl>
+  <dgm:styleLbl name="alignImgPlace1">
+    <dgm:scene3d>
+      <a:camera prst="orthographicFront"/>
+      <a:lightRig rig="threePt" dir="t"/>
+    </dgm:scene3d>
+    <dgm:sp3d/>
+    <dgm:txPr/>
+    <dgm:style>
+      <a:lnRef idx="2">
+        <a:scrgbClr r="0" g="0" b="0"/>
+      </a:lnRef>
+      <a:fillRef idx="1">
+        <a:scrgbClr r="0" g="0" b="0"/>
+      </a:fillRef>
+      <a:effectRef idx="0">
+        <a:scrgbClr r="0" g="0" b="0"/>
+      </a:effectRef>
+      <a:fontRef idx="minor"/>
+    </dgm:style>
+  </dgm:styleLbl>
+  <dgm:styleLbl name="bgImgPlace1">
+    <dgm:scene3d>
+      <a:camera prst="orthographicFront"/>
+      <a:lightRig rig="threePt" dir="t"/>
+    </dgm:scene3d>
+    <dgm:sp3d/>
+    <dgm:txPr/>
+    <dgm:style>
+      <a:lnRef idx="2">
+        <a:scrgbClr r="0" g="0" b="0"/>
+      </a:lnRef>
+      <a:fillRef idx="1">
+        <a:scrgbClr r="0" g="0" b="0"/>
+      </a:fillRef>
+      <a:effectRef idx="0">
+        <a:scrgbClr r="0" g="0" b="0"/>
+      </a:effectRef>
+      <a:fontRef idx="minor"/>
+    </dgm:style>
+  </dgm:styleLbl>
+  <dgm:styleLbl name="sibTrans2D1">
+    <dgm:scene3d>
+      <a:camera prst="orthographicFront"/>
+      <a:lightRig rig="threePt" dir="t"/>
+    </dgm:scene3d>
+    <dgm:sp3d/>
+    <dgm:txPr/>
+    <dgm:style>
+      <a:lnRef idx="0">
+        <a:scrgbClr r="0" g="0" b="0"/>
+      </a:lnRef>
+      <a:fillRef idx="1">
+        <a:scrgbClr r="0" g="0" b="0"/>
+      </a:fillRef>
+      <a:effectRef idx="0">
+        <a:scrgbClr r="0" g="0" b="0"/>
+      </a:effectRef>
+      <a:fontRef idx="minor">
+        <a:schemeClr val="lt1"/>
+      </a:fontRef>
+    </dgm:style>
+  </dgm:styleLbl>
+  <dgm:styleLbl name="fgSibTrans2D1">
+    <dgm:scene3d>
+      <a:camera prst="orthographicFront"/>
+      <a:lightRig rig="threePt" dir="t"/>
+    </dgm:scene3d>
+    <dgm:sp3d/>
+    <dgm:txPr/>
+    <dgm:style>
+      <a:lnRef idx="0">
+        <a:scrgbClr r="0" g="0" b="0"/>
+      </a:lnRef>
+      <a:fillRef idx="1">
+        <a:scrgbClr r="0" g="0" b="0"/>
+      </a:fillRef>
+      <a:effectRef idx="0">
+        <a:scrgbClr r="0" g="0" b="0"/>
+      </a:effectRef>
+      <a:fontRef idx="minor">
+        <a:schemeClr val="lt1"/>
+      </a:fontRef>
+    </dgm:style>
+  </dgm:styleLbl>
+  <dgm:styleLbl name="bgSibTrans2D1">
+    <dgm:scene3d>
+      <a:camera prst="orthographicFront"/>
+      <a:lightRig rig="threePt" dir="t"/>
+    </dgm:scene3d>
+    <dgm:sp3d/>
+    <dgm:txPr/>
+    <dgm:style>
+      <a:lnRef idx="0">
+        <a:scrgbClr r="0" g="0" b="0"/>
+      </a:lnRef>
+      <a:fillRef idx="1">
+        <a:scrgbClr r="0" g="0" b="0"/>
+      </a:fillRef>
+      <a:effectRef idx="0">
+        <a:scrgbClr r="0" g="0" b="0"/>
+      </a:effectRef>
+      <a:fontRef idx="minor">
+        <a:schemeClr val="lt1"/>
+      </a:fontRef>
+    </dgm:style>
+  </dgm:styleLbl>
+  <dgm:styleLbl name="sibTrans1D1">
+    <dgm:scene3d>
+      <a:camera prst="orthographicFront"/>
+      <a:lightRig rig="threePt" dir="t"/>
+    </dgm:scene3d>
+    <dgm:sp3d/>
+    <dgm:txPr/>
+    <dgm:style>
+      <a:lnRef idx="1">
+        <a:scrgbClr r="0" g="0" b="0"/>
+      </a:lnRef>
+      <a:fillRef idx="0">
+        <a:scrgbClr r="0" g="0" b="0"/>
+      </a:fillRef>
+      <a:effectRef idx="0">
+        <a:scrgbClr r="0" g="0" b="0"/>
+      </a:effectRef>
+      <a:fontRef idx="minor"/>
+    </dgm:style>
+  </dgm:styleLbl>
+  <dgm:styleLbl name="callout">
+    <dgm:scene3d>
+      <a:camera prst="orthographicFront"/>
+      <a:lightRig rig="threePt" dir="t"/>
+    </dgm:scene3d>
+    <dgm:sp3d/>
+    <dgm:txPr/>
+    <dgm:style>
+      <a:lnRef idx="2">
+        <a:scrgbClr r="0" g="0" b="0"/>
+      </a:lnRef>
+      <a:fillRef idx="1">
+        <a:scrgbClr r="0" g="0" b="0"/>
+      </a:fillRef>
+      <a:effectRef idx="0">
+        <a:scrgbClr r="0" g="0" b="0"/>
+      </a:effectRef>
+      <a:fontRef idx="minor"/>
+    </dgm:style>
+  </dgm:styleLbl>
+  <dgm:styleLbl name="asst0">
+    <dgm:scene3d>
+      <a:camera prst="orthographicFront"/>
+      <a:lightRig rig="threePt" dir="t"/>
+    </dgm:scene3d>
+    <dgm:sp3d/>
+    <dgm:txPr/>
+    <dgm:style>
+      <a:lnRef idx="2">
+        <a:scrgbClr r="0" g="0" b="0"/>
+      </a:lnRef>
+      <a:fillRef idx="1">
+        <a:scrgbClr r="0" g="0" b="0"/>
+      </a:fillRef>
+      <a:effectRef idx="0">
+        <a:scrgbClr r="0" g="0" b="0"/>
+      </a:effectRef>
+      <a:fontRef idx="minor">
+        <a:schemeClr val="lt1"/>
+      </a:fontRef>
+    </dgm:style>
+  </dgm:styleLbl>
+  <dgm:styleLbl name="asst1">
+    <dgm:scene3d>
+      <a:camera prst="orthographicFront"/>
+      <a:lightRig rig="threePt" dir="t"/>
+    </dgm:scene3d>
+    <dgm:sp3d/>
+    <dgm:txPr/>
+    <dgm:style>
+      <a:lnRef idx="2">
+        <a:scrgbClr r="0" g="0" b="0"/>
+      </a:lnRef>
+      <a:fillRef idx="1">
+        <a:scrgbClr r="0" g="0" b="0"/>
+      </a:fillRef>
+      <a:effectRef idx="0">
+        <a:scrgbClr r="0" g="0" b="0"/>
+      </a:effectRef>
+      <a:fontRef idx="minor">
+        <a:schemeClr val="lt1"/>
+      </a:fontRef>
+    </dgm:style>
+  </dgm:styleLbl>
+  <dgm:styleLbl name="asst2">
+    <dgm:scene3d>
+      <a:camera prst="orthographicFront"/>
+      <a:lightRig rig="threePt" dir="t"/>
+    </dgm:scene3d>
+    <dgm:sp3d/>
+    <dgm:txPr/>
+    <dgm:style>
+      <a:lnRef idx="2">
+        <a:scrgbClr r="0" g="0" b="0"/>
+      </a:lnRef>
+      <a:fillRef idx="1">
+        <a:scrgbClr r="0" g="0" b="0"/>
+      </a:fillRef>
+      <a:effectRef idx="0">
+        <a:scrgbClr r="0" g="0" b="0"/>
+      </a:effectRef>
+      <a:fontRef idx="minor">
+        <a:schemeClr val="lt1"/>
+      </a:fontRef>
+    </dgm:style>
+  </dgm:styleLbl>
+  <dgm:styleLbl name="asst3">
+    <dgm:scene3d>
+      <a:camera prst="orthographicFront"/>
+      <a:lightRig rig="threePt" dir="t"/>
+    </dgm:scene3d>
+    <dgm:sp3d/>
+    <dgm:txPr/>
+    <dgm:style>
+      <a:lnRef idx="2">
+        <a:scrgbClr r="0" g="0" b="0"/>
+      </a:lnRef>
+      <a:fillRef idx="1">
+        <a:scrgbClr r="0" g="0" b="0"/>
+      </a:fillRef>
+      <a:effectRef idx="0">
+        <a:scrgbClr r="0" g="0" b="0"/>
+      </a:effectRef>
+      <a:fontRef idx="minor">
+        <a:schemeClr val="lt1"/>
+      </a:fontRef>
+    </dgm:style>
+  </dgm:styleLbl>
+  <dgm:styleLbl name="asst4">
+    <dgm:scene3d>
+      <a:camera prst="orthographicFront"/>
+      <a:lightRig rig="threePt" dir="t"/>
+    </dgm:scene3d>
+    <dgm:sp3d/>
+    <dgm:txPr/>
+    <dgm:style>
+      <a:lnRef idx="2">
+        <a:scrgbClr r="0" g="0" b="0"/>
+      </a:lnRef>
+      <a:fillRef idx="1">
+        <a:scrgbClr r="0" g="0" b="0"/>
+      </a:fillRef>
+      <a:effectRef idx="0">
+        <a:scrgbClr r="0" g="0" b="0"/>
+      </a:effectRef>
+      <a:fontRef idx="minor">
+        <a:schemeClr val="lt1"/>
+      </a:fontRef>
+    </dgm:style>
+  </dgm:styleLbl>
+  <dgm:styleLbl name="parChTrans2D1">
+    <dgm:scene3d>
+      <a:camera prst="orthographicFront"/>
+      <a:lightRig rig="threePt" dir="t"/>
+    </dgm:scene3d>
+    <dgm:sp3d/>
+    <dgm:txPr/>
+    <dgm:style>
+      <a:lnRef idx="2">
+        <a:scrgbClr r="0" g="0" b="0"/>
+      </a:lnRef>
+      <a:fillRef idx="1">
+        <a:scrgbClr r="0" g="0" b="0"/>
+      </a:fillRef>
+      <a:effectRef idx="0">
+        <a:scrgbClr r="0" g="0" b="0"/>
+      </a:effectRef>
+      <a:fontRef idx="minor">
+        <a:schemeClr val="lt1"/>
+      </a:fontRef>
+    </dgm:style>
+  </dgm:styleLbl>
+  <dgm:styleLbl name="parChTrans2D2">
+    <dgm:scene3d>
+      <a:camera prst="orthographicFront"/>
+      <a:lightRig rig="threePt" dir="t"/>
+    </dgm:scene3d>
+    <dgm:sp3d/>
+    <dgm:txPr/>
+    <dgm:style>
+      <a:lnRef idx="2">
+        <a:scrgbClr r="0" g="0" b="0"/>
+      </a:lnRef>
+      <a:fillRef idx="1">
+        <a:scrgbClr r="0" g="0" b="0"/>
+      </a:fillRef>
+      <a:effectRef idx="0">
+        <a:scrgbClr r="0" g="0" b="0"/>
+      </a:effectRef>
+      <a:fontRef idx="minor">
+        <a:schemeClr val="lt1"/>
+      </a:fontRef>
+    </dgm:style>
+  </dgm:styleLbl>
+  <dgm:styleLbl name="parChTrans2D3">
+    <dgm:scene3d>
+      <a:camera prst="orthographicFront"/>
+      <a:lightRig rig="threePt" dir="t"/>
+    </dgm:scene3d>
+    <dgm:sp3d/>
+    <dgm:txPr/>
+    <dgm:style>
+      <a:lnRef idx="2">
+        <a:scrgbClr r="0" g="0" b="0"/>
+      </a:lnRef>
+      <a:fillRef idx="1">
+        <a:scrgbClr r="0" g="0" b="0"/>
+      </a:fillRef>
+      <a:effectRef idx="0">
+        <a:scrgbClr r="0" g="0" b="0"/>
+      </a:effectRef>
+      <a:fontRef idx="minor">
+        <a:schemeClr val="lt1"/>
+      </a:fontRef>
+    </dgm:style>
+  </dgm:styleLbl>
+  <dgm:styleLbl name="parChTrans2D4">
+    <dgm:scene3d>
+      <a:camera prst="orthographicFront"/>
+      <a:lightRig rig="threePt" dir="t"/>
+    </dgm:scene3d>
+    <dgm:sp3d/>
+    <dgm:txPr/>
+    <dgm:style>
+      <a:lnRef idx="2">
+        <a:scrgbClr r="0" g="0" b="0"/>
+      </a:lnRef>
+      <a:fillRef idx="1">
+        <a:scrgbClr r="0" g="0" b="0"/>
+      </a:fillRef>
+      <a:effectRef idx="0">
+        <a:scrgbClr r="0" g="0" b="0"/>
+      </a:effectRef>
+      <a:fontRef idx="minor">
+        <a:schemeClr val="lt1"/>
+      </a:fontRef>
+    </dgm:style>
+  </dgm:styleLbl>
+  <dgm:styleLbl name="parChTrans1D1">
+    <dgm:scene3d>
+      <a:camera prst="orthographicFront"/>
+      <a:lightRig rig="threePt" dir="t"/>
+    </dgm:scene3d>
+    <dgm:sp3d/>
+    <dgm:txPr/>
+    <dgm:style>
+      <a:lnRef idx="2">
+        <a:scrgbClr r="0" g="0" b="0"/>
+      </a:lnRef>
+      <a:fillRef idx="0">
+        <a:scrgbClr r="0" g="0" b="0"/>
+      </a:fillRef>
+      <a:effectRef idx="0">
+        <a:scrgbClr r="0" g="0" b="0"/>
+      </a:effectRef>
+      <a:fontRef idx="minor"/>
+    </dgm:style>
+  </dgm:styleLbl>
+  <dgm:styleLbl name="parChTrans1D2">
+    <dgm:scene3d>
+      <a:camera prst="orthographicFront"/>
+      <a:lightRig rig="threePt" dir="t"/>
+    </dgm:scene3d>
+    <dgm:sp3d/>
+    <dgm:txPr/>
+    <dgm:style>
+      <a:lnRef idx="2">
+        <a:scrgbClr r="0" g="0" b="0"/>
+      </a:lnRef>
+      <a:fillRef idx="0">
+        <a:scrgbClr r="0" g="0" b="0"/>
+      </a:fillRef>
+      <a:effectRef idx="0">
+        <a:scrgbClr r="0" g="0" b="0"/>
+      </a:effectRef>
+      <a:fontRef idx="minor"/>
+    </dgm:style>
+  </dgm:styleLbl>
+  <dgm:styleLbl name="parChTrans1D3">
+    <dgm:scene3d>
+      <a:camera prst="orthographicFront"/>
+      <a:lightRig rig="threePt" dir="t"/>
+    </dgm:scene3d>
+    <dgm:sp3d/>
+    <dgm:txPr/>
+    <dgm:style>
+      <a:lnRef idx="2">
+        <a:scrgbClr r="0" g="0" b="0"/>
+      </a:lnRef>
+      <a:fillRef idx="0">
+        <a:scrgbClr r="0" g="0" b="0"/>
+      </a:fillRef>
+      <a:effectRef idx="0">
+        <a:scrgbClr r="0" g="0" b="0"/>
+      </a:effectRef>
+      <a:fontRef idx="minor"/>
+    </dgm:style>
+  </dgm:styleLbl>
+  <dgm:styleLbl name="parChTrans1D4">
+    <dgm:scene3d>
+      <a:camera prst="orthographicFront"/>
+      <a:lightRig rig="threePt" dir="t"/>
+    </dgm:scene3d>
+    <dgm:sp3d/>
+    <dgm:txPr/>
+    <dgm:style>
+      <a:lnRef idx="2">
+        <a:scrgbClr r="0" g="0" b="0"/>
+      </a:lnRef>
+      <a:fillRef idx="0">
+        <a:scrgbClr r="0" g="0" b="0"/>
+      </a:fillRef>
+      <a:effectRef idx="0">
+        <a:scrgbClr r="0" g="0" b="0"/>
+      </a:effectRef>
+      <a:fontRef idx="minor"/>
+    </dgm:style>
+  </dgm:styleLbl>
+  <dgm:styleLbl name="fgAcc1">
+    <dgm:scene3d>
+      <a:camera prst="orthographicFront"/>
+      <a:lightRig rig="threePt" dir="t"/>
+    </dgm:scene3d>
+    <dgm:sp3d/>
+    <dgm:txPr/>
+    <dgm:style>
+      <a:lnRef idx="2">
+        <a:scrgbClr r="0" g="0" b="0"/>
+      </a:lnRef>
+      <a:fillRef idx="1">
+        <a:scrgbClr r="0" g="0" b="0"/>
+      </a:fillRef>
+      <a:effectRef idx="0">
+        <a:scrgbClr r="0" g="0" b="0"/>
+      </a:effectRef>
+      <a:fontRef idx="minor"/>
+    </dgm:style>
+  </dgm:styleLbl>
+  <dgm:styleLbl name="conFgAcc1">
+    <dgm:scene3d>
+      <a:camera prst="orthographicFront"/>
+      <a:lightRig rig="threePt" dir="t"/>
+    </dgm:scene3d>
+    <dgm:sp3d/>
+    <dgm:txPr/>
+    <dgm:style>
+      <a:lnRef idx="2">
+        <a:scrgbClr r="0" g="0" b="0"/>
+      </a:lnRef>
+      <a:fillRef idx="1">
+        <a:scrgbClr r="0" g="0" b="0"/>
+      </a:fillRef>
+      <a:effectRef idx="0">
+        <a:scrgbClr r="0" g="0" b="0"/>
+      </a:effectRef>
+      <a:fontRef idx="minor"/>
+    </dgm:style>
+  </dgm:styleLbl>
+  <dgm:styleLbl name="alignAcc1">
+    <dgm:scene3d>
+      <a:camera prst="orthographicFront"/>
+      <a:lightRig rig="threePt" dir="t"/>
+    </dgm:scene3d>
+    <dgm:sp3d/>
+    <dgm:txPr/>
+    <dgm:style>
+      <a:lnRef idx="2">
+        <a:scrgbClr r="0" g="0" b="0"/>
+      </a:lnRef>
+      <a:fillRef idx="1">
+        <a:scrgbClr r="0" g="0" b="0"/>
+      </a:fillRef>
+      <a:effectRef idx="0">
+        <a:scrgbClr r="0" g="0" b="0"/>
+      </a:effectRef>
+      <a:fontRef idx="minor"/>
+    </dgm:style>
+  </dgm:styleLbl>
+  <dgm:styleLbl name="trAlignAcc1">
+    <dgm:scene3d>
+      <a:camera prst="orthographicFront"/>
+      <a:lightRig rig="threePt" dir="t"/>
+    </dgm:scene3d>
+    <dgm:sp3d/>
+    <dgm:txPr/>
+    <dgm:style>
+      <a:lnRef idx="1">
+        <a:scrgbClr r="0" g="0" b="0"/>
+      </a:lnRef>
+      <a:fillRef idx="1">
+        <a:scrgbClr r="0" g="0" b="0"/>
+      </a:fillRef>
+      <a:effectRef idx="0">
+        <a:scrgbClr r="0" g="0" b="0"/>
+      </a:effectRef>
+      <a:fontRef idx="minor"/>
+    </dgm:style>
+  </dgm:styleLbl>
+  <dgm:styleLbl name="bgAcc1">
+    <dgm:scene3d>
+      <a:camera prst="orthographicFront"/>
+      <a:lightRig rig="threePt" dir="t"/>
+    </dgm:scene3d>
+    <dgm:sp3d/>
+    <dgm:txPr/>
+    <dgm:style>
+      <a:lnRef idx="2">
+        <a:scrgbClr r="0" g="0" b="0"/>
+      </a:lnRef>
+      <a:fillRef idx="1">
+        <a:scrgbClr r="0" g="0" b="0"/>
+      </a:fillRef>
+      <a:effectRef idx="0">
+        <a:scrgbClr r="0" g="0" b="0"/>
+      </a:effectRef>
+      <a:fontRef idx="minor"/>
+    </dgm:style>
+  </dgm:styleLbl>
+  <dgm:styleLbl name="solidFgAcc1">
+    <dgm:scene3d>
+      <a:camera prst="orthographicFront"/>
+      <a:lightRig rig="threePt" dir="t"/>
+    </dgm:scene3d>
+    <dgm:sp3d/>
+    <dgm:txPr/>
+    <dgm:style>
+      <a:lnRef idx="2">
+        <a:scrgbClr r="0" g="0" b="0"/>
+      </a:lnRef>
+      <a:fillRef idx="1">
+        <a:scrgbClr r="0" g="0" b="0"/>
+      </a:fillRef>
+      <a:effectRef idx="0">
+        <a:scrgbClr r="0" g="0" b="0"/>
+      </a:effectRef>
+      <a:fontRef idx="minor"/>
+    </dgm:style>
+  </dgm:styleLbl>
+  <dgm:styleLbl name="solidAlignAcc1">
+    <dgm:scene3d>
+      <a:camera prst="orthographicFront"/>
+      <a:lightRig rig="threePt" dir="t"/>
+    </dgm:scene3d>
+    <dgm:sp3d/>
+    <dgm:txPr/>
+    <dgm:style>
+      <a:lnRef idx="2">
+        <a:scrgbClr r="0" g="0" b="0"/>
+      </a:lnRef>
+      <a:fillRef idx="1">
+        <a:scrgbClr r="0" g="0" b="0"/>
+      </a:fillRef>
+      <a:effectRef idx="0">
+        <a:scrgbClr r="0" g="0" b="0"/>
+      </a:effectRef>
+      <a:fontRef idx="minor"/>
+    </dgm:style>
+  </dgm:styleLbl>
+  <dgm:styleLbl name="solidBgAcc1">
+    <dgm:scene3d>
+      <a:camera prst="orthographicFront"/>
+      <a:lightRig rig="threePt" dir="t"/>
+    </dgm:scene3d>
+    <dgm:sp3d/>
+    <dgm:txPr/>
+    <dgm:style>
+      <a:lnRef idx="2">
+        <a:scrgbClr r="0" g="0" b="0"/>
+      </a:lnRef>
+      <a:fillRef idx="1">
+        <a:scrgbClr r="0" g="0" b="0"/>
+      </a:fillRef>
+      <a:effectRef idx="0">
+        <a:scrgbClr r="0" g="0" b="0"/>
+      </a:effectRef>
+      <a:fontRef idx="minor"/>
+    </dgm:style>
+  </dgm:styleLbl>
+  <dgm:styleLbl name="fgAccFollowNode1">
+    <dgm:scene3d>
+      <a:camera prst="orthographicFront"/>
+      <a:lightRig rig="threePt" dir="t"/>
+    </dgm:scene3d>
+    <dgm:sp3d/>
+    <dgm:txPr/>
+    <dgm:style>
+      <a:lnRef idx="2">
+        <a:scrgbClr r="0" g="0" b="0"/>
+      </a:lnRef>
+      <a:fillRef idx="1">
+        <a:scrgbClr r="0" g="0" b="0"/>
+      </a:fillRef>
+      <a:effectRef idx="0">
+        <a:scrgbClr r="0" g="0" b="0"/>
+      </a:effectRef>
+      <a:fontRef idx="minor"/>
+    </dgm:style>
+  </dgm:styleLbl>
+  <dgm:styleLbl name="alignAccFollowNode1">
+    <dgm:scene3d>
+      <a:camera prst="orthographicFront"/>
+      <a:lightRig rig="threePt" dir="t"/>
+    </dgm:scene3d>
+    <dgm:sp3d/>
+    <dgm:txPr/>
+    <dgm:style>
+      <a:lnRef idx="2">
+        <a:scrgbClr r="0" g="0" b="0"/>
+      </a:lnRef>
+      <a:fillRef idx="1">
+        <a:scrgbClr r="0" g="0" b="0"/>
+      </a:fillRef>
+      <a:effectRef idx="0">
+        <a:scrgbClr r="0" g="0" b="0"/>
+      </a:effectRef>
+      <a:fontRef idx="minor"/>
+    </dgm:style>
+  </dgm:styleLbl>
+  <dgm:styleLbl name="bgAccFollowNode1">
+    <dgm:scene3d>
+      <a:camera prst="orthographicFront"/>
+      <a:lightRig rig="threePt" dir="t"/>
+    </dgm:scene3d>
+    <dgm:sp3d/>
+    <dgm:txPr/>
+    <dgm:style>
+      <a:lnRef idx="2">
+        <a:scrgbClr r="0" g="0" b="0"/>
+      </a:lnRef>
+      <a:fillRef idx="1">
+        <a:scrgbClr r="0" g="0" b="0"/>
+      </a:fillRef>
+      <a:effectRef idx="0">
+        <a:scrgbClr r="0" g="0" b="0"/>
+      </a:effectRef>
+      <a:fontRef idx="minor"/>
+    </dgm:style>
+  </dgm:styleLbl>
+  <dgm:styleLbl name="fgAcc0">
+    <dgm:scene3d>
+      <a:camera prst="orthographicFront"/>
+      <a:lightRig rig="threePt" dir="t"/>
+    </dgm:scene3d>
+    <dgm:sp3d/>
+    <dgm:txPr/>
+    <dgm:style>
+      <a:lnRef idx="2">
+        <a:scrgbClr r="0" g="0" b="0"/>
+      </a:lnRef>
+      <a:fillRef idx="1">
+        <a:scrgbClr r="0" g="0" b="0"/>
+      </a:fillRef>
+      <a:effectRef idx="0">
+        <a:scrgbClr r="0" g="0" b="0"/>
+      </a:effectRef>
+      <a:fontRef idx="minor"/>
+    </dgm:style>
+  </dgm:styleLbl>
+  <dgm:styleLbl name="fgAcc2">
+    <dgm:scene3d>
+      <a:camera prst="orthographicFront"/>
+      <a:lightRig rig="threePt" dir="t"/>
+    </dgm:scene3d>
+    <dgm:sp3d/>
+    <dgm:txPr/>
+    <dgm:style>
+      <a:lnRef idx="2">
+        <a:scrgbClr r="0" g="0" b="0"/>
+      </a:lnRef>
+      <a:fillRef idx="1">
+        <a:scrgbClr r="0" g="0" b="0"/>
+      </a:fillRef>
+      <a:effectRef idx="0">
+        <a:scrgbClr r="0" g="0" b="0"/>
+      </a:effectRef>
+      <a:fontRef idx="minor"/>
+    </dgm:style>
+  </dgm:styleLbl>
+  <dgm:styleLbl name="fgAcc3">
+    <dgm:scene3d>
+      <a:camera prst="orthographicFront"/>
+      <a:lightRig rig="threePt" dir="t"/>
+    </dgm:scene3d>
+    <dgm:sp3d/>
+    <dgm:txPr/>
+    <dgm:style>
+      <a:lnRef idx="2">
+        <a:scrgbClr r="0" g="0" b="0"/>
+      </a:lnRef>
+      <a:fillRef idx="1">
+        <a:scrgbClr r="0" g="0" b="0"/>
+      </a:fillRef>
+      <a:effectRef idx="0">
+        <a:scrgbClr r="0" g="0" b="0"/>
+      </a:effectRef>
+      <a:fontRef idx="minor"/>
+    </dgm:style>
+  </dgm:styleLbl>
+  <dgm:styleLbl name="fgAcc4">
+    <dgm:scene3d>
+      <a:camera prst="orthographicFront"/>
+      <a:lightRig rig="threePt" dir="t"/>
+    </dgm:scene3d>
+    <dgm:sp3d/>
+    <dgm:txPr/>
+    <dgm:style>
+      <a:lnRef idx="2">
+        <a:scrgbClr r="0" g="0" b="0"/>
+      </a:lnRef>
+      <a:fillRef idx="1">
+        <a:scrgbClr r="0" g="0" b="0"/>
+      </a:fillRef>
+      <a:effectRef idx="0">
+        <a:scrgbClr r="0" g="0" b="0"/>
+      </a:effectRef>
+      <a:fontRef idx="minor"/>
+    </dgm:style>
+  </dgm:styleLbl>
+  <dgm:styleLbl name="bgShp">
+    <dgm:scene3d>
+      <a:camera prst="orthographicFront"/>
+      <a:lightRig rig="threePt" dir="t"/>
+    </dgm:scene3d>
+    <dgm:sp3d/>
+    <dgm:txPr/>
+    <dgm:style>
+      <a:lnRef idx="0">
+        <a:scrgbClr r="0" g="0" b="0"/>
+      </a:lnRef>
+      <a:fillRef idx="1">
+        <a:scrgbClr r="0" g="0" b="0"/>
+      </a:fillRef>
+      <a:effectRef idx="0">
+        <a:scrgbClr r="0" g="0" b="0"/>
+      </a:effectRef>
+      <a:fontRef idx="minor"/>
+    </dgm:style>
+  </dgm:styleLbl>
+  <dgm:styleLbl name="dkBgShp">
+    <dgm:scene3d>
+      <a:camera prst="orthographicFront"/>
+      <a:lightRig rig="threePt" dir="t"/>
+    </dgm:scene3d>
+    <dgm:sp3d/>
+    <dgm:txPr/>
+    <dgm:style>
+      <a:lnRef idx="0">
+        <a:scrgbClr r="0" g="0" b="0"/>
+      </a:lnRef>
+      <a:fillRef idx="1">
+        <a:scrgbClr r="0" g="0" b="0"/>
+      </a:fillRef>
+      <a:effectRef idx="0">
+        <a:scrgbClr r="0" g="0" b="0"/>
+      </a:effectRef>
+      <a:fontRef idx="minor"/>
+    </dgm:style>
+  </dgm:styleLbl>
+  <dgm:styleLbl name="trBgShp">
+    <dgm:scene3d>
+      <a:camera prst="orthographicFront"/>
+      <a:lightRig rig="threePt" dir="t"/>
+    </dgm:scene3d>
+    <dgm:sp3d/>
+    <dgm:txPr/>
+    <dgm:style>
+      <a:lnRef idx="0">
+        <a:scrgbClr r="0" g="0" b="0"/>
+      </a:lnRef>
+      <a:fillRef idx="1">
+        <a:scrgbClr r="0" g="0" b="0"/>
+      </a:fillRef>
+      <a:effectRef idx="0">
+        <a:scrgbClr r="0" g="0" b="0"/>
+      </a:effectRef>
+      <a:fontRef idx="minor"/>
+    </dgm:style>
+  </dgm:styleLbl>
+  <dgm:styleLbl name="fgShp">
+    <dgm:scene3d>
+      <a:camera prst="orthographicFront"/>
+      <a:lightRig rig="threePt" dir="t"/>
+    </dgm:scene3d>
+    <dgm:sp3d/>
+    <dgm:txPr/>
+    <dgm:style>
+      <a:lnRef idx="2">
+        <a:scrgbClr r="0" g="0" b="0"/>
+      </a:lnRef>
+      <a:fillRef idx="1">
+        <a:scrgbClr r="0" g="0" b="0"/>
+      </a:fillRef>
+      <a:effectRef idx="0">
+        <a:scrgbClr r="0" g="0" b="0"/>
+      </a:effectRef>
+      <a:fontRef idx="minor"/>
+    </dgm:style>
+  </dgm:styleLbl>
+  <dgm:styleLbl name="revTx">
+    <dgm:scene3d>
+      <a:camera prst="orthographicFront"/>
+      <a:lightRig rig="threePt" dir="t"/>
+    </dgm:scene3d>
+    <dgm:sp3d/>
+    <dgm:txPr/>
+    <dgm:style>
+      <a:lnRef idx="0">
+        <a:scrgbClr r="0" g="0" b="0"/>
+      </a:lnRef>
+      <a:fillRef idx="0">
+        <a:scrgbClr r="0" g="0" b="0"/>
+      </a:fillRef>
+      <a:effectRef idx="0">
+        <a:scrgbClr r="0" g="0" b="0"/>
+      </a:effectRef>
+      <a:fontRef idx="minor"/>
+    </dgm:style>
+  </dgm:styleLbl>
+</dgm:styleDef>
+</file>
+
+<file path=ppt/diagrams/quickStyle5.xml><?xml version="1.0" encoding="utf-8"?>
+<dgm:styleDef xmlns:dgm="http://schemas.openxmlformats.org/drawingml/2006/diagram" xmlns:a="http://schemas.openxmlformats.org/drawingml/2006/main" uniqueId="urn:microsoft.com/office/officeart/2005/8/quickstyle/simple4">
+  <dgm:title val=""/>
+  <dgm:desc val=""/>
+  <dgm:catLst>
+    <dgm:cat type="simple" pri="10400"/>
+  </dgm:catLst>
+  <dgm:scene3d>
+    <a:camera prst="orthographicFront"/>
+    <a:lightRig rig="threePt" dir="t"/>
+  </dgm:scene3d>
+  <dgm:styleLbl name="node0">
+    <dgm:scene3d>
+      <a:camera prst="orthographicFront"/>
+      <a:lightRig rig="threePt" dir="t"/>
+    </dgm:scene3d>
+    <dgm:sp3d/>
+    <dgm:txPr/>
+    <dgm:style>
+      <a:lnRef idx="0">
+        <a:scrgbClr r="0" g="0" b="0"/>
+      </a:lnRef>
+      <a:fillRef idx="3">
+        <a:scrgbClr r="0" g="0" b="0"/>
+      </a:fillRef>
+      <a:effectRef idx="2">
+        <a:scrgbClr r="0" g="0" b="0"/>
+      </a:effectRef>
+      <a:fontRef idx="minor">
+        <a:schemeClr val="lt1"/>
+      </a:fontRef>
+    </dgm:style>
+  </dgm:styleLbl>
+  <dgm:styleLbl name="lnNode1">
+    <dgm:scene3d>
+      <a:camera prst="orthographicFront"/>
+      <a:lightRig rig="threePt" dir="t"/>
+    </dgm:scene3d>
+    <dgm:sp3d/>
+    <dgm:txPr/>
+    <dgm:style>
+      <a:lnRef idx="1">
+        <a:scrgbClr r="0" g="0" b="0"/>
+      </a:lnRef>
+      <a:fillRef idx="3">
+        <a:scrgbClr r="0" g="0" b="0"/>
+      </a:fillRef>
+      <a:effectRef idx="2">
+        <a:scrgbClr r="0" g="0" b="0"/>
+      </a:effectRef>
+      <a:fontRef idx="minor">
+        <a:schemeClr val="lt1"/>
+      </a:fontRef>
+    </dgm:style>
+  </dgm:styleLbl>
+  <dgm:styleLbl name="vennNode1">
+    <dgm:scene3d>
+      <a:camera prst="orthographicFront"/>
+      <a:lightRig rig="threePt" dir="t"/>
+    </dgm:scene3d>
+    <dgm:sp3d/>
+    <dgm:txPr/>
+    <dgm:style>
+      <a:lnRef idx="0">
+        <a:scrgbClr r="0" g="0" b="0"/>
+      </a:lnRef>
+      <a:fillRef idx="3">
+        <a:scrgbClr r="0" g="0" b="0"/>
+      </a:fillRef>
+      <a:effectRef idx="0">
+        <a:scrgbClr r="0" g="0" b="0"/>
+      </a:effectRef>
+      <a:fontRef idx="minor">
+        <a:schemeClr val="tx1"/>
+      </a:fontRef>
+    </dgm:style>
+  </dgm:styleLbl>
+  <dgm:styleLbl name="alignNode1">
+    <dgm:scene3d>
+      <a:camera prst="orthographicFront"/>
+      <a:lightRig rig="threePt" dir="t"/>
+    </dgm:scene3d>
+    <dgm:sp3d/>
+    <dgm:txPr/>
+    <dgm:style>
+      <a:lnRef idx="1">
+        <a:scrgbClr r="0" g="0" b="0"/>
+      </a:lnRef>
+      <a:fillRef idx="3">
+        <a:scrgbClr r="0" g="0" b="0"/>
+      </a:fillRef>
+      <a:effectRef idx="2">
+        <a:scrgbClr r="0" g="0" b="0"/>
+      </a:effectRef>
+      <a:fontRef idx="minor">
+        <a:schemeClr val="lt1"/>
+      </a:fontRef>
+    </dgm:style>
+  </dgm:styleLbl>
+  <dgm:styleLbl name="node1">
+    <dgm:scene3d>
+      <a:camera prst="orthographicFront"/>
+      <a:lightRig rig="threePt" dir="t"/>
+    </dgm:scene3d>
+    <dgm:sp3d/>
+    <dgm:txPr/>
+    <dgm:style>
+      <a:lnRef idx="0">
+        <a:scrgbClr r="0" g="0" b="0"/>
+      </a:lnRef>
+      <a:fillRef idx="3">
+        <a:scrgbClr r="0" g="0" b="0"/>
+      </a:fillRef>
+      <a:effectRef idx="2">
+        <a:scrgbClr r="0" g="0" b="0"/>
+      </a:effectRef>
+      <a:fontRef idx="minor">
+        <a:schemeClr val="lt1"/>
+      </a:fontRef>
+    </dgm:style>
+  </dgm:styleLbl>
+  <dgm:styleLbl name="node2">
+    <dgm:scene3d>
+      <a:camera prst="orthographicFront"/>
+      <a:lightRig rig="threePt" dir="t"/>
+    </dgm:scene3d>
+    <dgm:sp3d/>
+    <dgm:txPr/>
+    <dgm:style>
+      <a:lnRef idx="0">
+        <a:scrgbClr r="0" g="0" b="0"/>
+      </a:lnRef>
+      <a:fillRef idx="3">
+        <a:scrgbClr r="0" g="0" b="0"/>
+      </a:fillRef>
+      <a:effectRef idx="2">
+        <a:scrgbClr r="0" g="0" b="0"/>
+      </a:effectRef>
+      <a:fontRef idx="minor">
+        <a:schemeClr val="lt1"/>
+      </a:fontRef>
+    </dgm:style>
+  </dgm:styleLbl>
+  <dgm:styleLbl name="node3">
+    <dgm:scene3d>
+      <a:camera prst="orthographicFront"/>
+      <a:lightRig rig="threePt" dir="t"/>
+    </dgm:scene3d>
+    <dgm:sp3d/>
+    <dgm:txPr/>
+    <dgm:style>
+      <a:lnRef idx="0">
+        <a:scrgbClr r="0" g="0" b="0"/>
+      </a:lnRef>
+      <a:fillRef idx="3">
+        <a:scrgbClr r="0" g="0" b="0"/>
+      </a:fillRef>
+      <a:effectRef idx="2">
+        <a:scrgbClr r="0" g="0" b="0"/>
+      </a:effectRef>
+      <a:fontRef idx="minor">
+        <a:schemeClr val="lt1"/>
+      </a:fontRef>
+    </dgm:style>
+  </dgm:styleLbl>
+  <dgm:styleLbl name="node4">
+    <dgm:scene3d>
+      <a:camera prst="orthographicFront"/>
+      <a:lightRig rig="threePt" dir="t"/>
+    </dgm:scene3d>
+    <dgm:sp3d/>
+    <dgm:txPr/>
+    <dgm:style>
+      <a:lnRef idx="0">
+        <a:scrgbClr r="0" g="0" b="0"/>
+      </a:lnRef>
+      <a:fillRef idx="3">
+        <a:scrgbClr r="0" g="0" b="0"/>
+      </a:fillRef>
+      <a:effectRef idx="2">
+        <a:scrgbClr r="0" g="0" b="0"/>
+      </a:effectRef>
+      <a:fontRef idx="minor">
+        <a:schemeClr val="lt1"/>
+      </a:fontRef>
+    </dgm:style>
+  </dgm:styleLbl>
+  <dgm:styleLbl name="fgImgPlace1">
+    <dgm:scene3d>
+      <a:camera prst="orthographicFront"/>
+      <a:lightRig rig="threePt" dir="t"/>
+    </dgm:scene3d>
+    <dgm:sp3d/>
+    <dgm:txPr/>
+    <dgm:style>
+      <a:lnRef idx="0">
+        <a:scrgbClr r="0" g="0" b="0"/>
+      </a:lnRef>
+      <a:fillRef idx="1">
+        <a:scrgbClr r="0" g="0" b="0"/>
+      </a:fillRef>
+      <a:effectRef idx="2">
+        <a:scrgbClr r="0" g="0" b="0"/>
+      </a:effectRef>
+      <a:fontRef idx="minor"/>
+    </dgm:style>
+  </dgm:styleLbl>
+  <dgm:styleLbl name="alignImgPlace1">
+    <dgm:scene3d>
+      <a:camera prst="orthographicFront"/>
+      <a:lightRig rig="threePt" dir="t"/>
+    </dgm:scene3d>
+    <dgm:sp3d/>
+    <dgm:txPr/>
+    <dgm:style>
+      <a:lnRef idx="0">
+        <a:scrgbClr r="0" g="0" b="0"/>
+      </a:lnRef>
+      <a:fillRef idx="1">
+        <a:scrgbClr r="0" g="0" b="0"/>
+      </a:fillRef>
+      <a:effectRef idx="2">
+        <a:scrgbClr r="0" g="0" b="0"/>
+      </a:effectRef>
+      <a:fontRef idx="minor"/>
+    </dgm:style>
+  </dgm:styleLbl>
+  <dgm:styleLbl name="bgImgPlace1">
+    <dgm:scene3d>
+      <a:camera prst="orthographicFront"/>
+      <a:lightRig rig="threePt" dir="t"/>
+    </dgm:scene3d>
+    <dgm:sp3d/>
+    <dgm:txPr/>
+    <dgm:style>
+      <a:lnRef idx="0">
+        <a:scrgbClr r="0" g="0" b="0"/>
+      </a:lnRef>
+      <a:fillRef idx="1">
+        <a:scrgbClr r="0" g="0" b="0"/>
+      </a:fillRef>
+      <a:effectRef idx="2">
+        <a:scrgbClr r="0" g="0" b="0"/>
+      </a:effectRef>
+      <a:fontRef idx="minor"/>
+    </dgm:style>
+  </dgm:styleLbl>
+  <dgm:styleLbl name="sibTrans2D1">
+    <dgm:scene3d>
+      <a:camera prst="orthographicFront"/>
+      <a:lightRig rig="threePt" dir="t"/>
+    </dgm:scene3d>
+    <dgm:sp3d/>
+    <dgm:txPr/>
+    <dgm:style>
+      <a:lnRef idx="0">
+        <a:scrgbClr r="0" g="0" b="0"/>
+      </a:lnRef>
+      <a:fillRef idx="3">
+        <a:scrgbClr r="0" g="0" b="0"/>
+      </a:fillRef>
+      <a:effectRef idx="2">
+        <a:scrgbClr r="0" g="0" b="0"/>
+      </a:effectRef>
+      <a:fontRef idx="minor">
+        <a:schemeClr val="lt1"/>
+      </a:fontRef>
+    </dgm:style>
+  </dgm:styleLbl>
+  <dgm:styleLbl name="fgSibTrans2D1">
+    <dgm:scene3d>
+      <a:camera prst="orthographicFront"/>
+      <a:lightRig rig="threePt" dir="t"/>
+    </dgm:scene3d>
+    <dgm:sp3d/>
+    <dgm:txPr/>
+    <dgm:style>
+      <a:lnRef idx="0">
+        <a:scrgbClr r="0" g="0" b="0"/>
+      </a:lnRef>
+      <a:fillRef idx="3">
+        <a:scrgbClr r="0" g="0" b="0"/>
+      </a:fillRef>
+      <a:effectRef idx="2">
+        <a:scrgbClr r="0" g="0" b="0"/>
+      </a:effectRef>
+      <a:fontRef idx="minor">
+        <a:schemeClr val="lt1"/>
+      </a:fontRef>
+    </dgm:style>
+  </dgm:styleLbl>
+  <dgm:styleLbl name="bgSibTrans2D1">
+    <dgm:scene3d>
+      <a:camera prst="orthographicFront"/>
+      <a:lightRig rig="threePt" dir="t"/>
+    </dgm:scene3d>
+    <dgm:sp3d/>
+    <dgm:txPr/>
+    <dgm:style>
+      <a:lnRef idx="0">
+        <a:scrgbClr r="0" g="0" b="0"/>
+      </a:lnRef>
+      <a:fillRef idx="3">
+        <a:scrgbClr r="0" g="0" b="0"/>
+      </a:fillRef>
+      <a:effectRef idx="2">
+        <a:scrgbClr r="0" g="0" b="0"/>
+      </a:effectRef>
+      <a:fontRef idx="minor">
+        <a:schemeClr val="lt1"/>
+      </a:fontRef>
+    </dgm:style>
+  </dgm:styleLbl>
+  <dgm:styleLbl name="sibTrans1D1">
+    <dgm:scene3d>
+      <a:camera prst="orthographicFront"/>
+      <a:lightRig rig="threePt" dir="t"/>
+    </dgm:scene3d>
+    <dgm:sp3d/>
+    <dgm:txPr/>
+    <dgm:style>
+      <a:lnRef idx="1">
+        <a:scrgbClr r="0" g="0" b="0"/>
+      </a:lnRef>
+      <a:fillRef idx="0">
+        <a:scrgbClr r="0" g="0" b="0"/>
+      </a:fillRef>
+      <a:effectRef idx="0">
+        <a:scrgbClr r="0" g="0" b="0"/>
+      </a:effectRef>
+      <a:fontRef idx="minor"/>
+    </dgm:style>
+  </dgm:styleLbl>
+  <dgm:styleLbl name="callout">
+    <dgm:scene3d>
+      <a:camera prst="orthographicFront"/>
+      <a:lightRig rig="threePt" dir="t"/>
+    </dgm:scene3d>
+    <dgm:sp3d/>
+    <dgm:txPr/>
+    <dgm:style>
+      <a:lnRef idx="2">
+        <a:scrgbClr r="0" g="0" b="0"/>
+      </a:lnRef>
+      <a:fillRef idx="1">
+        <a:scrgbClr r="0" g="0" b="0"/>
+      </a:fillRef>
+      <a:effectRef idx="1">
+        <a:scrgbClr r="0" g="0" b="0"/>
+      </a:effectRef>
+      <a:fontRef idx="minor"/>
+    </dgm:style>
+  </dgm:styleLbl>
+  <dgm:styleLbl name="asst0">
+    <dgm:scene3d>
+      <a:camera prst="orthographicFront"/>
+      <a:lightRig rig="threePt" dir="t"/>
+    </dgm:scene3d>
+    <dgm:sp3d/>
+    <dgm:txPr/>
+    <dgm:style>
+      <a:lnRef idx="0">
+        <a:scrgbClr r="0" g="0" b="0"/>
+      </a:lnRef>
+      <a:fillRef idx="3">
+        <a:scrgbClr r="0" g="0" b="0"/>
+      </a:fillRef>
+      <a:effectRef idx="2">
+        <a:scrgbClr r="0" g="0" b="0"/>
+      </a:effectRef>
+      <a:fontRef idx="minor">
+        <a:schemeClr val="lt1"/>
+      </a:fontRef>
+    </dgm:style>
+  </dgm:styleLbl>
+  <dgm:styleLbl name="asst1">
+    <dgm:scene3d>
+      <a:camera prst="orthographicFront"/>
+      <a:lightRig rig="threePt" dir="t"/>
+    </dgm:scene3d>
+    <dgm:sp3d/>
+    <dgm:txPr/>
+    <dgm:style>
+      <a:lnRef idx="0">
+        <a:scrgbClr r="0" g="0" b="0"/>
+      </a:lnRef>
+      <a:fillRef idx="3">
+        <a:scrgbClr r="0" g="0" b="0"/>
+      </a:fillRef>
+      <a:effectRef idx="2">
+        <a:scrgbClr r="0" g="0" b="0"/>
+      </a:effectRef>
+      <a:fontRef idx="minor">
+        <a:schemeClr val="lt1"/>
+      </a:fontRef>
+    </dgm:style>
+  </dgm:styleLbl>
+  <dgm:styleLbl name="asst2">
+    <dgm:scene3d>
+      <a:camera prst="orthographicFront"/>
+      <a:lightRig rig="threePt" dir="t"/>
+    </dgm:scene3d>
+    <dgm:sp3d/>
+    <dgm:txPr/>
+    <dgm:style>
+      <a:lnRef idx="0">
+        <a:scrgbClr r="0" g="0" b="0"/>
+      </a:lnRef>
+      <a:fillRef idx="3">
+        <a:scrgbClr r="0" g="0" b="0"/>
+      </a:fillRef>
+      <a:effectRef idx="2">
+        <a:scrgbClr r="0" g="0" b="0"/>
+      </a:effectRef>
+      <a:fontRef idx="minor">
+        <a:schemeClr val="lt1"/>
+      </a:fontRef>
+    </dgm:style>
+  </dgm:styleLbl>
+  <dgm:styleLbl name="asst3">
+    <dgm:scene3d>
+      <a:camera prst="orthographicFront"/>
+      <a:lightRig rig="threePt" dir="t"/>
+    </dgm:scene3d>
+    <dgm:sp3d/>
+    <dgm:txPr/>
+    <dgm:style>
+      <a:lnRef idx="0">
+        <a:scrgbClr r="0" g="0" b="0"/>
+      </a:lnRef>
+      <a:fillRef idx="3">
+        <a:scrgbClr r="0" g="0" b="0"/>
+      </a:fillRef>
+      <a:effectRef idx="2">
+        <a:scrgbClr r="0" g="0" b="0"/>
+      </a:effectRef>
+      <a:fontRef idx="minor">
+        <a:schemeClr val="lt1"/>
+      </a:fontRef>
+    </dgm:style>
+  </dgm:styleLbl>
+  <dgm:styleLbl name="asst4">
+    <dgm:scene3d>
+      <a:camera prst="orthographicFront"/>
+      <a:lightRig rig="threePt" dir="t"/>
+    </dgm:scene3d>
+    <dgm:sp3d/>
+    <dgm:txPr/>
+    <dgm:style>
+      <a:lnRef idx="0">
+        <a:scrgbClr r="0" g="0" b="0"/>
+      </a:lnRef>
+      <a:fillRef idx="3">
+        <a:scrgbClr r="0" g="0" b="0"/>
+      </a:fillRef>
+      <a:effectRef idx="2">
+        <a:scrgbClr r="0" g="0" b="0"/>
+      </a:effectRef>
+      <a:fontRef idx="minor">
+        <a:schemeClr val="lt1"/>
+      </a:fontRef>
+    </dgm:style>
+  </dgm:styleLbl>
+  <dgm:styleLbl name="parChTrans2D1">
+    <dgm:scene3d>
+      <a:camera prst="orthographicFront"/>
+      <a:lightRig rig="threePt" dir="t"/>
+    </dgm:scene3d>
+    <dgm:sp3d/>
+    <dgm:txPr/>
+    <dgm:style>
+      <a:lnRef idx="0">
+        <a:scrgbClr r="0" g="0" b="0"/>
+      </a:lnRef>
+      <a:fillRef idx="3">
+        <a:scrgbClr r="0" g="0" b="0"/>
+      </a:fillRef>
+      <a:effectRef idx="2">
+        <a:scrgbClr r="0" g="0" b="0"/>
+      </a:effectRef>
+      <a:fontRef idx="minor">
+        <a:schemeClr val="lt1"/>
+      </a:fontRef>
+    </dgm:style>
+  </dgm:styleLbl>
+  <dgm:styleLbl name="parChTrans2D2">
+    <dgm:scene3d>
+      <a:camera prst="orthographicFront"/>
+      <a:lightRig rig="threePt" dir="t"/>
+    </dgm:scene3d>
+    <dgm:sp3d/>
+    <dgm:txPr/>
+    <dgm:style>
+      <a:lnRef idx="0">
+        <a:scrgbClr r="0" g="0" b="0"/>
+      </a:lnRef>
+      <a:fillRef idx="3">
+        <a:scrgbClr r="0" g="0" b="0"/>
+      </a:fillRef>
+      <a:effectRef idx="2">
+        <a:scrgbClr r="0" g="0" b="0"/>
+      </a:effectRef>
+      <a:fontRef idx="minor">
+        <a:schemeClr val="lt1"/>
+      </a:fontRef>
+    </dgm:style>
+  </dgm:styleLbl>
+  <dgm:styleLbl name="parChTrans2D3">
+    <dgm:scene3d>
+      <a:camera prst="orthographicFront"/>
+      <a:lightRig rig="threePt" dir="t"/>
+    </dgm:scene3d>
+    <dgm:sp3d/>
+    <dgm:txPr/>
+    <dgm:style>
+      <a:lnRef idx="1">
+        <a:scrgbClr r="0" g="0" b="0"/>
+      </a:lnRef>
+      <a:fillRef idx="3">
+        <a:scrgbClr r="0" g="0" b="0"/>
+      </a:fillRef>
+      <a:effectRef idx="2">
+        <a:scrgbClr r="0" g="0" b="0"/>
+      </a:effectRef>
+      <a:fontRef idx="minor">
+        <a:schemeClr val="lt1"/>
+      </a:fontRef>
+    </dgm:style>
+  </dgm:styleLbl>
+  <dgm:styleLbl name="parChTrans2D4">
+    <dgm:scene3d>
+      <a:camera prst="orthographicFront"/>
+      <a:lightRig rig="threePt" dir="t"/>
+    </dgm:scene3d>
+    <dgm:sp3d/>
+    <dgm:txPr/>
+    <dgm:style>
+      <a:lnRef idx="1">
+        <a:scrgbClr r="0" g="0" b="0"/>
+      </a:lnRef>
+      <a:fillRef idx="3">
+        <a:scrgbClr r="0" g="0" b="0"/>
+      </a:fillRef>
+      <a:effectRef idx="2">
+        <a:scrgbClr r="0" g="0" b="0"/>
+      </a:effectRef>
+      <a:fontRef idx="minor">
+        <a:schemeClr val="lt1"/>
+      </a:fontRef>
+    </dgm:style>
+  </dgm:styleLbl>
+  <dgm:styleLbl name="parChTrans1D1">
+    <dgm:scene3d>
+      <a:camera prst="orthographicFront"/>
+      <a:lightRig rig="threePt" dir="t"/>
+    </dgm:scene3d>
+    <dgm:sp3d/>
+    <dgm:txPr/>
+    <dgm:style>
+      <a:lnRef idx="1">
+        <a:scrgbClr r="0" g="0" b="0"/>
+      </a:lnRef>
+      <a:fillRef idx="0">
+        <a:scrgbClr r="0" g="0" b="0"/>
+      </a:fillRef>
+      <a:effectRef idx="0">
+        <a:scrgbClr r="0" g="0" b="0"/>
+      </a:effectRef>
+      <a:fontRef idx="minor"/>
+    </dgm:style>
+  </dgm:styleLbl>
+  <dgm:styleLbl name="parChTrans1D2">
+    <dgm:scene3d>
+      <a:camera prst="orthographicFront"/>
+      <a:lightRig rig="threePt" dir="t"/>
+    </dgm:scene3d>
+    <dgm:sp3d/>
+    <dgm:txPr/>
+    <dgm:style>
+      <a:lnRef idx="1">
+        <a:scrgbClr r="0" g="0" b="0"/>
+      </a:lnRef>
+      <a:fillRef idx="0">
+        <a:scrgbClr r="0" g="0" b="0"/>
+      </a:fillRef>
+      <a:effectRef idx="0">
+        <a:scrgbClr r="0" g="0" b="0"/>
+      </a:effectRef>
+      <a:fontRef idx="minor"/>
+    </dgm:style>
+  </dgm:styleLbl>
+  <dgm:styleLbl name="parChTrans1D3">
+    <dgm:scene3d>
+      <a:camera prst="orthographicFront"/>
+      <a:lightRig rig="threePt" dir="t"/>
+    </dgm:scene3d>
+    <dgm:sp3d/>
+    <dgm:txPr/>
+    <dgm:style>
+      <a:lnRef idx="1">
+        <a:scrgbClr r="0" g="0" b="0"/>
+      </a:lnRef>
+      <a:fillRef idx="0">
+        <a:scrgbClr r="0" g="0" b="0"/>
+      </a:fillRef>
+      <a:effectRef idx="0">
+        <a:scrgbClr r="0" g="0" b="0"/>
+      </a:effectRef>
+      <a:fontRef idx="minor"/>
+    </dgm:style>
+  </dgm:styleLbl>
+  <dgm:styleLbl name="parChTrans1D4">
+    <dgm:scene3d>
+      <a:camera prst="orthographicFront"/>
+      <a:lightRig rig="threePt" dir="t"/>
+    </dgm:scene3d>
+    <dgm:sp3d/>
+    <dgm:txPr/>
+    <dgm:style>
+      <a:lnRef idx="1">
+        <a:scrgbClr r="0" g="0" b="0"/>
+      </a:lnRef>
+      <a:fillRef idx="0">
+        <a:scrgbClr r="0" g="0" b="0"/>
+      </a:fillRef>
+      <a:effectRef idx="0">
+        <a:scrgbClr r="0" g="0" b="0"/>
+      </a:effectRef>
+      <a:fontRef idx="minor"/>
+    </dgm:style>
+  </dgm:styleLbl>
+  <dgm:styleLbl name="fgAcc1">
+    <dgm:scene3d>
+      <a:camera prst="orthographicFront"/>
+      <a:lightRig rig="threePt" dir="t"/>
+    </dgm:scene3d>
+    <dgm:sp3d/>
+    <dgm:txPr/>
+    <dgm:style>
+      <a:lnRef idx="1">
+        <a:scrgbClr r="0" g="0" b="0"/>
+      </a:lnRef>
+      <a:fillRef idx="1">
+        <a:scrgbClr r="0" g="0" b="0"/>
+      </a:fillRef>
+      <a:effectRef idx="0">
+        <a:scrgbClr r="0" g="0" b="0"/>
+      </a:effectRef>
+      <a:fontRef idx="minor"/>
+    </dgm:style>
+  </dgm:styleLbl>
+  <dgm:styleLbl name="conFgAcc1">
+    <dgm:scene3d>
+      <a:camera prst="orthographicFront"/>
+      <a:lightRig rig="threePt" dir="t"/>
+    </dgm:scene3d>
+    <dgm:sp3d/>
+    <dgm:txPr/>
+    <dgm:style>
+      <a:lnRef idx="1">
+        <a:scrgbClr r="0" g="0" b="0"/>
+      </a:lnRef>
+      <a:fillRef idx="1">
+        <a:scrgbClr r="0" g="0" b="0"/>
+      </a:fillRef>
+      <a:effectRef idx="0">
+        <a:scrgbClr r="0" g="0" b="0"/>
+      </a:effectRef>
+      <a:fontRef idx="minor"/>
+    </dgm:style>
+  </dgm:styleLbl>
+  <dgm:styleLbl name="alignAcc1">
+    <dgm:scene3d>
+      <a:camera prst="orthographicFront"/>
+      <a:lightRig rig="threePt" dir="t"/>
+    </dgm:scene3d>
+    <dgm:sp3d/>
+    <dgm:txPr/>
+    <dgm:style>
+      <a:lnRef idx="1">
+        <a:scrgbClr r="0" g="0" b="0"/>
+      </a:lnRef>
+      <a:fillRef idx="1">
+        <a:scrgbClr r="0" g="0" b="0"/>
+      </a:fillRef>
+      <a:effectRef idx="0">
+        <a:scrgbClr r="0" g="0" b="0"/>
+      </a:effectRef>
+      <a:fontRef idx="minor"/>
+    </dgm:style>
+  </dgm:styleLbl>
+  <dgm:styleLbl name="trAlignAcc1">
+    <dgm:scene3d>
+      <a:camera prst="orthographicFront"/>
+      <a:lightRig rig="threePt" dir="t"/>
+    </dgm:scene3d>
+    <dgm:sp3d/>
+    <dgm:txPr/>
+    <dgm:style>
+      <a:lnRef idx="1">
+        <a:scrgbClr r="0" g="0" b="0"/>
+      </a:lnRef>
+      <a:fillRef idx="1">
+        <a:scrgbClr r="0" g="0" b="0"/>
+      </a:fillRef>
+      <a:effectRef idx="0">
+        <a:scrgbClr r="0" g="0" b="0"/>
+      </a:effectRef>
+      <a:fontRef idx="minor"/>
+    </dgm:style>
+  </dgm:styleLbl>
+  <dgm:styleLbl name="bgAcc1">
+    <dgm:scene3d>
+      <a:camera prst="orthographicFront"/>
+      <a:lightRig rig="threePt" dir="t"/>
+    </dgm:scene3d>
+    <dgm:sp3d/>
+    <dgm:txPr/>
+    <dgm:style>
+      <a:lnRef idx="1">
+        <a:scrgbClr r="0" g="0" b="0"/>
+      </a:lnRef>
+      <a:fillRef idx="1">
+        <a:scrgbClr r="0" g="0" b="0"/>
+      </a:fillRef>
+      <a:effectRef idx="0">
+        <a:scrgbClr r="0" g="0" b="0"/>
+      </a:effectRef>
+      <a:fontRef idx="minor"/>
+    </dgm:style>
+  </dgm:styleLbl>
+  <dgm:styleLbl name="solidFgAcc1">
+    <dgm:scene3d>
+      <a:camera prst="orthographicFront"/>
+      <a:lightRig rig="threePt" dir="t"/>
+    </dgm:scene3d>
+    <dgm:sp3d/>
+    <dgm:txPr/>
+    <dgm:style>
+      <a:lnRef idx="1">
+        <a:scrgbClr r="0" g="0" b="0"/>
+      </a:lnRef>
+      <a:fillRef idx="1">
+        <a:scrgbClr r="0" g="0" b="0"/>
+      </a:fillRef>
+      <a:effectRef idx="0">
+        <a:scrgbClr r="0" g="0" b="0"/>
+      </a:effectRef>
+      <a:fontRef idx="minor"/>
+    </dgm:style>
+  </dgm:styleLbl>
+  <dgm:styleLbl name="solidAlignAcc1">
+    <dgm:scene3d>
+      <a:camera prst="orthographicFront"/>
+      <a:lightRig rig="threePt" dir="t"/>
+    </dgm:scene3d>
+    <dgm:sp3d/>
+    <dgm:txPr/>
+    <dgm:style>
+      <a:lnRef idx="1">
+        <a:scrgbClr r="0" g="0" b="0"/>
+      </a:lnRef>
+      <a:fillRef idx="1">
+        <a:scrgbClr r="0" g="0" b="0"/>
+      </a:fillRef>
+      <a:effectRef idx="0">
+        <a:scrgbClr r="0" g="0" b="0"/>
+      </a:effectRef>
+      <a:fontRef idx="minor"/>
+    </dgm:style>
+  </dgm:styleLbl>
+  <dgm:styleLbl name="solidBgAcc1">
+    <dgm:scene3d>
+      <a:camera prst="orthographicFront"/>
+      <a:lightRig rig="threePt" dir="t"/>
+    </dgm:scene3d>
+    <dgm:sp3d/>
+    <dgm:txPr/>
+    <dgm:style>
+      <a:lnRef idx="1">
+        <a:scrgbClr r="0" g="0" b="0"/>
+      </a:lnRef>
+      <a:fillRef idx="1">
+        <a:scrgbClr r="0" g="0" b="0"/>
+      </a:fillRef>
+      <a:effectRef idx="0">
+        <a:scrgbClr r="0" g="0" b="0"/>
+      </a:effectRef>
+      <a:fontRef idx="minor"/>
+    </dgm:style>
+  </dgm:styleLbl>
+  <dgm:styleLbl name="fgAccFollowNode1">
+    <dgm:scene3d>
+      <a:camera prst="orthographicFront"/>
+      <a:lightRig rig="threePt" dir="t"/>
+    </dgm:scene3d>
+    <dgm:sp3d/>
+    <dgm:txPr/>
+    <dgm:style>
+      <a:lnRef idx="1">
+        <a:scrgbClr r="0" g="0" b="0"/>
+      </a:lnRef>
+      <a:fillRef idx="1">
+        <a:scrgbClr r="0" g="0" b="0"/>
+      </a:fillRef>
+      <a:effectRef idx="0">
+        <a:scrgbClr r="0" g="0" b="0"/>
+      </a:effectRef>
+      <a:fontRef idx="minor"/>
+    </dgm:style>
+  </dgm:styleLbl>
+  <dgm:styleLbl name="alignAccFollowNode1">
+    <dgm:scene3d>
+      <a:camera prst="orthographicFront"/>
+      <a:lightRig rig="threePt" dir="t"/>
+    </dgm:scene3d>
+    <dgm:sp3d/>
+    <dgm:txPr/>
+    <dgm:style>
+      <a:lnRef idx="1">
+        <a:scrgbClr r="0" g="0" b="0"/>
+      </a:lnRef>
+      <a:fillRef idx="1">
+        <a:scrgbClr r="0" g="0" b="0"/>
+      </a:fillRef>
+      <a:effectRef idx="0">
+        <a:scrgbClr r="0" g="0" b="0"/>
+      </a:effectRef>
+      <a:fontRef idx="minor"/>
+    </dgm:style>
+  </dgm:styleLbl>
+  <dgm:styleLbl name="bgAccFollowNode1">
+    <dgm:scene3d>
+      <a:camera prst="orthographicFront"/>
+      <a:lightRig rig="threePt" dir="t"/>
+    </dgm:scene3d>
+    <dgm:sp3d/>
+    <dgm:txPr/>
+    <dgm:style>
+      <a:lnRef idx="1">
+        <a:scrgbClr r="0" g="0" b="0"/>
+      </a:lnRef>
+      <a:fillRef idx="1">
+        <a:scrgbClr r="0" g="0" b="0"/>
+      </a:fillRef>
+      <a:effectRef idx="0">
+        <a:scrgbClr r="0" g="0" b="0"/>
+      </a:effectRef>
+      <a:fontRef idx="minor"/>
+    </dgm:style>
+  </dgm:styleLbl>
+  <dgm:styleLbl name="fgAcc0">
+    <dgm:scene3d>
+      <a:camera prst="orthographicFront"/>
+      <a:lightRig rig="threePt" dir="t"/>
+    </dgm:scene3d>
+    <dgm:sp3d/>
+    <dgm:txPr/>
+    <dgm:style>
+      <a:lnRef idx="1">
+        <a:scrgbClr r="0" g="0" b="0"/>
+      </a:lnRef>
+      <a:fillRef idx="1">
+        <a:scrgbClr r="0" g="0" b="0"/>
+      </a:fillRef>
+      <a:effectRef idx="0">
+        <a:scrgbClr r="0" g="0" b="0"/>
+      </a:effectRef>
+      <a:fontRef idx="minor"/>
+    </dgm:style>
+  </dgm:styleLbl>
+  <dgm:styleLbl name="fgAcc2">
+    <dgm:scene3d>
+      <a:camera prst="orthographicFront"/>
+      <a:lightRig rig="threePt" dir="t"/>
+    </dgm:scene3d>
+    <dgm:sp3d/>
+    <dgm:txPr/>
+    <dgm:style>
+      <a:lnRef idx="1">
+        <a:scrgbClr r="0" g="0" b="0"/>
+      </a:lnRef>
+      <a:fillRef idx="1">
+        <a:scrgbClr r="0" g="0" b="0"/>
+      </a:fillRef>
+      <a:effectRef idx="0">
+        <a:scrgbClr r="0" g="0" b="0"/>
+      </a:effectRef>
+      <a:fontRef idx="minor"/>
+    </dgm:style>
+  </dgm:styleLbl>
+  <dgm:styleLbl name="fgAcc3">
+    <dgm:scene3d>
+      <a:camera prst="orthographicFront"/>
+      <a:lightRig rig="threePt" dir="t"/>
+    </dgm:scene3d>
+    <dgm:sp3d/>
+    <dgm:txPr/>
+    <dgm:style>
+      <a:lnRef idx="1">
+        <a:scrgbClr r="0" g="0" b="0"/>
+      </a:lnRef>
+      <a:fillRef idx="1">
+        <a:scrgbClr r="0" g="0" b="0"/>
+      </a:fillRef>
+      <a:effectRef idx="0">
+        <a:scrgbClr r="0" g="0" b="0"/>
+      </a:effectRef>
+      <a:fontRef idx="minor"/>
+    </dgm:style>
+  </dgm:styleLbl>
+  <dgm:styleLbl name="fgAcc4">
+    <dgm:scene3d>
+      <a:camera prst="orthographicFront"/>
+      <a:lightRig rig="threePt" dir="t"/>
+    </dgm:scene3d>
+    <dgm:sp3d/>
+    <dgm:txPr/>
+    <dgm:style>
+      <a:lnRef idx="1">
+        <a:scrgbClr r="0" g="0" b="0"/>
+      </a:lnRef>
+      <a:fillRef idx="1">
+        <a:scrgbClr r="0" g="0" b="0"/>
+      </a:fillRef>
+      <a:effectRef idx="0">
+        <a:scrgbClr r="0" g="0" b="0"/>
+      </a:effectRef>
+      <a:fontRef idx="minor"/>
+    </dgm:style>
+  </dgm:styleLbl>
+  <dgm:styleLbl name="bgShp">
+    <dgm:scene3d>
+      <a:camera prst="orthographicFront"/>
+      <a:lightRig rig="threePt" dir="t"/>
+    </dgm:scene3d>
+    <dgm:sp3d/>
+    <dgm:txPr/>
+    <dgm:style>
+      <a:lnRef idx="0">
+        <a:scrgbClr r="0" g="0" b="0"/>
+      </a:lnRef>
+      <a:fillRef idx="1">
+        <a:scrgbClr r="0" g="0" b="0"/>
+      </a:fillRef>
+      <a:effectRef idx="2">
+        <a:scrgbClr r="0" g="0" b="0"/>
+      </a:effectRef>
+      <a:fontRef idx="minor"/>
+    </dgm:style>
+  </dgm:styleLbl>
+  <dgm:styleLbl name="dkBgShp">
+    <dgm:scene3d>
+      <a:camera prst="orthographicFront"/>
+      <a:lightRig rig="threePt" dir="t"/>
+    </dgm:scene3d>
+    <dgm:sp3d/>
+    <dgm:txPr/>
+    <dgm:style>
+      <a:lnRef idx="0">
+        <a:scrgbClr r="0" g="0" b="0"/>
+      </a:lnRef>
+      <a:fillRef idx="1">
+        <a:scrgbClr r="0" g="0" b="0"/>
+      </a:fillRef>
+      <a:effectRef idx="2">
+        <a:scrgbClr r="0" g="0" b="0"/>
+      </a:effectRef>
+      <a:fontRef idx="minor"/>
+    </dgm:style>
+  </dgm:styleLbl>
+  <dgm:styleLbl name="trBgShp">
+    <dgm:scene3d>
+      <a:camera prst="orthographicFront"/>
+      <a:lightRig rig="threePt" dir="t"/>
+    </dgm:scene3d>
+    <dgm:sp3d/>
+    <dgm:txPr/>
+    <dgm:style>
+      <a:lnRef idx="0">
+        <a:scrgbClr r="0" g="0" b="0"/>
+      </a:lnRef>
+      <a:fillRef idx="1">
+        <a:scrgbClr r="0" g="0" b="0"/>
+      </a:fillRef>
+      <a:effectRef idx="0">
+        <a:scrgbClr r="0" g="0" b="0"/>
+      </a:effectRef>
+      <a:fontRef idx="minor"/>
+    </dgm:style>
+  </dgm:styleLbl>
+  <dgm:styleLbl name="fgShp">
+    <dgm:scene3d>
+      <a:camera prst="orthographicFront"/>
+      <a:lightRig rig="threePt" dir="t"/>
+    </dgm:scene3d>
+    <dgm:sp3d/>
+    <dgm:txPr/>
+    <dgm:style>
+      <a:lnRef idx="0">
+        <a:scrgbClr r="0" g="0" b="0"/>
+      </a:lnRef>
+      <a:fillRef idx="3">
+        <a:scrgbClr r="0" g="0" b="0"/>
+      </a:fillRef>
+      <a:effectRef idx="2">
         <a:scrgbClr r="0" g="0" b="0"/>
       </a:effectRef>
       <a:fontRef idx="minor"/>
@@ -12139,7 +17892,7 @@
           <a:p>
             <a:pPr algn="l"/>
             <a:r>
-              <a:rPr lang="en-US" sz="5400"/>
+              <a:rPr lang="en-US" sz="5400" dirty="0"/>
               <a:t>RELION</a:t>
             </a:r>
           </a:p>
@@ -12190,6 +17943,305 @@
   </p:cSld>
   <p:clrMapOvr>
     <a:overrideClrMapping bg1="dk1" tx1="lt1" bg2="dk2" tx2="lt2" accent1="accent1" accent2="accent2" accent3="accent3" accent4="accent4" accent5="accent5" accent6="accent6" hlink="hlink" folHlink="folHlink"/>
+  </p:clrMapOvr>
+</p:sld>
+</file>
+
+<file path=ppt/slides/slide10.xml><?xml version="1.0" encoding="utf-8"?>
+<p:sld xmlns:a="http://schemas.openxmlformats.org/drawingml/2006/main" xmlns:r="http://schemas.openxmlformats.org/officeDocument/2006/relationships" xmlns:p="http://schemas.openxmlformats.org/presentationml/2006/main">
+  <p:cSld>
+    <p:bg>
+      <p:bgPr>
+        <a:solidFill>
+          <a:schemeClr val="bg1"/>
+        </a:solidFill>
+        <a:effectLst/>
+      </p:bgPr>
+    </p:bg>
+    <p:spTree>
+      <p:nvGrpSpPr>
+        <p:cNvPr id="1" name=""/>
+        <p:cNvGrpSpPr/>
+        <p:nvPr/>
+      </p:nvGrpSpPr>
+      <p:grpSpPr>
+        <a:xfrm>
+          <a:off x="0" y="0"/>
+          <a:ext cx="0" cy="0"/>
+          <a:chOff x="0" y="0"/>
+          <a:chExt cx="0" cy="0"/>
+        </a:xfrm>
+      </p:grpSpPr>
+      <p:sp>
+        <p:nvSpPr>
+          <p:cNvPr id="10" name="Rectangle 9">
+            <a:extLst>
+              <a:ext uri="{FF2B5EF4-FFF2-40B4-BE49-F238E27FC236}">
+                <a16:creationId xmlns:a16="http://schemas.microsoft.com/office/drawing/2014/main" id="{BE95D989-81FA-4BAD-9AD5-E46CEDA91B36}"/>
+              </a:ext>
+              <a:ext uri="{C183D7F6-B498-43B3-948B-1728B52AA6E4}">
+                <adec:decorative xmlns:adec="http://schemas.microsoft.com/office/drawing/2017/decorative" val="1"/>
+              </a:ext>
+            </a:extLst>
+          </p:cNvPr>
+          <p:cNvSpPr>
+            <a:spLocks noGrp="1" noRot="1" noChangeAspect="1" noMove="1" noResize="1" noEditPoints="1" noAdjustHandles="1" noChangeArrowheads="1" noChangeShapeType="1" noTextEdit="1"/>
+          </p:cNvSpPr>
+          <p:nvPr>
+            <p:extLst>
+              <p:ext uri="{386F3935-93C4-4BCD-93E2-E3B085C9AB24}">
+                <p16:designElem xmlns:p16="http://schemas.microsoft.com/office/powerpoint/2015/main" val="1"/>
+              </p:ext>
+            </p:extLst>
+          </p:nvPr>
+        </p:nvSpPr>
+        <p:spPr>
+          <a:xfrm>
+            <a:off x="0" y="0"/>
+            <a:ext cx="4654293" cy="6858000"/>
+          </a:xfrm>
+          <a:prstGeom prst="rect">
+            <a:avLst/>
+          </a:prstGeom>
+          <a:solidFill>
+            <a:srgbClr val="404040"/>
+          </a:solidFill>
+          <a:ln>
+            <a:noFill/>
+          </a:ln>
+        </p:spPr>
+        <p:style>
+          <a:lnRef idx="2">
+            <a:schemeClr val="accent1">
+              <a:shade val="50000"/>
+            </a:schemeClr>
+          </a:lnRef>
+          <a:fillRef idx="1">
+            <a:schemeClr val="accent1"/>
+          </a:fillRef>
+          <a:effectRef idx="0">
+            <a:schemeClr val="accent1"/>
+          </a:effectRef>
+          <a:fontRef idx="minor">
+            <a:schemeClr val="lt1"/>
+          </a:fontRef>
+        </p:style>
+        <p:txBody>
+          <a:bodyPr rtlCol="0" anchor="ctr"/>
+          <a:lstStyle/>
+          <a:p>
+            <a:pPr marL="0" marR="0" lvl="0" indent="0" algn="ctr" defTabSz="914400" rtl="0" eaLnBrk="1" fontAlgn="auto" latinLnBrk="0" hangingPunct="1">
+              <a:lnSpc>
+                <a:spcPct val="100000"/>
+              </a:lnSpc>
+              <a:spcBef>
+                <a:spcPts val="0"/>
+              </a:spcBef>
+              <a:spcAft>
+                <a:spcPts val="0"/>
+              </a:spcAft>
+              <a:buClrTx/>
+              <a:buSzTx/>
+              <a:buFontTx/>
+              <a:buNone/>
+              <a:tabLst/>
+              <a:defRPr/>
+            </a:pPr>
+            <a:endParaRPr kumimoji="0" lang="en-US" sz="1800" b="0" i="0" u="none" strike="noStrike" kern="1200" cap="none" spc="0" normalizeH="0" baseline="0" noProof="0">
+              <a:ln>
+                <a:noFill/>
+              </a:ln>
+              <a:solidFill>
+                <a:prstClr val="white"/>
+              </a:solidFill>
+              <a:effectLst/>
+              <a:uLnTx/>
+              <a:uFillTx/>
+              <a:latin typeface="Calibri" panose="020F0502020204030204"/>
+              <a:ea typeface="+mn-ea"/>
+              <a:cs typeface="+mn-cs"/>
+            </a:endParaRPr>
+          </a:p>
+        </p:txBody>
+      </p:sp>
+      <p:sp>
+        <p:nvSpPr>
+          <p:cNvPr id="2" name="Title 1">
+            <a:extLst>
+              <a:ext uri="{FF2B5EF4-FFF2-40B4-BE49-F238E27FC236}">
+                <a16:creationId xmlns:a16="http://schemas.microsoft.com/office/drawing/2014/main" id="{11EB00D8-6B0A-46F7-AAF1-1A11A557C079}"/>
+              </a:ext>
+            </a:extLst>
+          </p:cNvPr>
+          <p:cNvSpPr>
+            <a:spLocks noGrp="1"/>
+          </p:cNvSpPr>
+          <p:nvPr>
+            <p:ph type="title"/>
+          </p:nvPr>
+        </p:nvSpPr>
+        <p:spPr>
+          <a:xfrm>
+            <a:off x="838200" y="811161"/>
+            <a:ext cx="3335594" cy="5403370"/>
+          </a:xfrm>
+        </p:spPr>
+        <p:txBody>
+          <a:bodyPr>
+            <a:normAutofit/>
+          </a:bodyPr>
+          <a:lstStyle/>
+          <a:p>
+            <a:r>
+              <a:rPr lang="en-US">
+                <a:solidFill>
+                  <a:srgbClr val="FFFFFF"/>
+                </a:solidFill>
+              </a:rPr>
+              <a:t>Future work</a:t>
+            </a:r>
+            <a:endParaRPr lang="en-IN">
+              <a:solidFill>
+                <a:srgbClr val="FFFFFF"/>
+              </a:solidFill>
+            </a:endParaRPr>
+          </a:p>
+        </p:txBody>
+      </p:sp>
+      <p:sp>
+        <p:nvSpPr>
+          <p:cNvPr id="12" name="Rectangle 11">
+            <a:extLst>
+              <a:ext uri="{FF2B5EF4-FFF2-40B4-BE49-F238E27FC236}">
+                <a16:creationId xmlns:a16="http://schemas.microsoft.com/office/drawing/2014/main" id="{156189E5-8A3E-4CFD-B71B-CCD0F8495E56}"/>
+              </a:ext>
+              <a:ext uri="{C183D7F6-B498-43B3-948B-1728B52AA6E4}">
+                <adec:decorative xmlns:adec="http://schemas.microsoft.com/office/drawing/2017/decorative" val="1"/>
+              </a:ext>
+            </a:extLst>
+          </p:cNvPr>
+          <p:cNvSpPr>
+            <a:spLocks noGrp="1" noRot="1" noChangeAspect="1" noMove="1" noResize="1" noEditPoints="1" noAdjustHandles="1" noChangeArrowheads="1" noChangeShapeType="1" noTextEdit="1"/>
+          </p:cNvSpPr>
+          <p:nvPr>
+            <p:extLst>
+              <p:ext uri="{386F3935-93C4-4BCD-93E2-E3B085C9AB24}">
+                <p16:designElem xmlns:p16="http://schemas.microsoft.com/office/powerpoint/2015/main" val="1"/>
+              </p:ext>
+            </p:extLst>
+          </p:nvPr>
+        </p:nvSpPr>
+        <p:spPr>
+          <a:xfrm>
+            <a:off x="4654293" y="0"/>
+            <a:ext cx="142074" cy="6858000"/>
+          </a:xfrm>
+          <a:prstGeom prst="rect">
+            <a:avLst/>
+          </a:prstGeom>
+          <a:solidFill>
+            <a:schemeClr val="tx1">
+              <a:alpha val="20000"/>
+            </a:schemeClr>
+          </a:solidFill>
+          <a:ln>
+            <a:noFill/>
+          </a:ln>
+        </p:spPr>
+        <p:style>
+          <a:lnRef idx="2">
+            <a:schemeClr val="accent1">
+              <a:shade val="50000"/>
+            </a:schemeClr>
+          </a:lnRef>
+          <a:fillRef idx="1">
+            <a:schemeClr val="accent1"/>
+          </a:fillRef>
+          <a:effectRef idx="0">
+            <a:schemeClr val="accent1"/>
+          </a:effectRef>
+          <a:fontRef idx="minor">
+            <a:schemeClr val="lt1"/>
+          </a:fontRef>
+        </p:style>
+        <p:txBody>
+          <a:bodyPr rtlCol="0" anchor="ctr"/>
+          <a:lstStyle/>
+          <a:p>
+            <a:pPr marL="0" marR="0" lvl="0" indent="0" algn="ctr" defTabSz="914400" rtl="0" eaLnBrk="1" fontAlgn="auto" latinLnBrk="0" hangingPunct="1">
+              <a:lnSpc>
+                <a:spcPct val="100000"/>
+              </a:lnSpc>
+              <a:spcBef>
+                <a:spcPts val="0"/>
+              </a:spcBef>
+              <a:spcAft>
+                <a:spcPts val="0"/>
+              </a:spcAft>
+              <a:buClrTx/>
+              <a:buSzTx/>
+              <a:buFontTx/>
+              <a:buNone/>
+              <a:tabLst/>
+              <a:defRPr/>
+            </a:pPr>
+            <a:endParaRPr kumimoji="0" lang="en-US" sz="1800" b="0" i="0" u="none" strike="noStrike" kern="1200" cap="none" spc="0" normalizeH="0" baseline="0" noProof="0">
+              <a:ln>
+                <a:noFill/>
+              </a:ln>
+              <a:solidFill>
+                <a:prstClr val="white"/>
+              </a:solidFill>
+              <a:effectLst/>
+              <a:uLnTx/>
+              <a:uFillTx/>
+              <a:latin typeface="Calibri" panose="020F0502020204030204"/>
+              <a:ea typeface="+mn-ea"/>
+              <a:cs typeface="+mn-cs"/>
+            </a:endParaRPr>
+          </a:p>
+        </p:txBody>
+      </p:sp>
+      <p:graphicFrame>
+        <p:nvGraphicFramePr>
+          <p:cNvPr id="5" name="Content Placeholder 2">
+            <a:extLst>
+              <a:ext uri="{FF2B5EF4-FFF2-40B4-BE49-F238E27FC236}">
+                <a16:creationId xmlns:a16="http://schemas.microsoft.com/office/drawing/2014/main" id="{52E3A984-1E59-45D8-B6BE-970DA38248F5}"/>
+              </a:ext>
+            </a:extLst>
+          </p:cNvPr>
+          <p:cNvGraphicFramePr>
+            <a:graphicFrameLocks noGrp="1"/>
+          </p:cNvGraphicFramePr>
+          <p:nvPr>
+            <p:ph idx="1"/>
+            <p:extLst>
+              <p:ext uri="{D42A27DB-BD31-4B8C-83A1-F6EECF244321}">
+                <p14:modId xmlns:p14="http://schemas.microsoft.com/office/powerpoint/2010/main" val="2733683337"/>
+              </p:ext>
+            </p:extLst>
+          </p:nvPr>
+        </p:nvGraphicFramePr>
+        <p:xfrm>
+          <a:off x="5459413" y="642938"/>
+          <a:ext cx="6089650" cy="5572125"/>
+        </p:xfrm>
+        <a:graphic>
+          <a:graphicData uri="http://schemas.openxmlformats.org/drawingml/2006/diagram">
+            <dgm:relIds xmlns:dgm="http://schemas.openxmlformats.org/drawingml/2006/diagram" xmlns:r="http://schemas.openxmlformats.org/officeDocument/2006/relationships" r:dm="rId2" r:lo="rId3" r:qs="rId4" r:cs="rId5"/>
+          </a:graphicData>
+        </a:graphic>
+      </p:graphicFrame>
+    </p:spTree>
+    <p:extLst>
+      <p:ext uri="{BB962C8B-B14F-4D97-AF65-F5344CB8AC3E}">
+        <p14:creationId xmlns:p14="http://schemas.microsoft.com/office/powerpoint/2010/main" val="3836490830"/>
+      </p:ext>
+    </p:extLst>
+  </p:cSld>
+  <p:clrMapOvr>
+    <a:masterClrMapping/>
   </p:clrMapOvr>
 </p:sld>
 </file>
@@ -13767,8 +19819,8 @@
           </a:p>
         </p:txBody>
       </p:sp>
-      <mc:AlternateContent xmlns:mc="http://schemas.openxmlformats.org/markup-compatibility/2006">
-        <mc:Choice xmlns:a14="http://schemas.microsoft.com/office/drawing/2010/main" Requires="a14">
+      <mc:AlternateContent xmlns:mc="http://schemas.openxmlformats.org/markup-compatibility/2006" xmlns:a14="http://schemas.microsoft.com/office/drawing/2010/main">
+        <mc:Choice Requires="a14">
           <p:sp>
             <p:nvSpPr>
               <p:cNvPr id="3" name="Content Placeholder 2">
@@ -13866,7 +19918,7 @@
             </p:txBody>
           </p:sp>
         </mc:Choice>
-        <mc:Fallback>
+        <mc:Fallback xmlns="">
           <p:sp>
             <p:nvSpPr>
               <p:cNvPr id="3" name="Content Placeholder 2">
@@ -13970,10 +20022,10 @@
       </p:sp>
       <p:pic>
         <p:nvPicPr>
-          <p:cNvPr id="6" name="Content Placeholder 5">
+          <p:cNvPr id="7" name="Content Placeholder 6" descr="A picture containing indoor, black&#10;&#10;Description generated with high confidence">
             <a:extLst>
               <a:ext uri="{FF2B5EF4-FFF2-40B4-BE49-F238E27FC236}">
-                <a16:creationId xmlns:a16="http://schemas.microsoft.com/office/drawing/2014/main" id="{6F22AA05-DA82-4E13-8665-8A3CB0CACAF5}"/>
+                <a16:creationId xmlns:a16="http://schemas.microsoft.com/office/drawing/2014/main" id="{14934C8B-333A-47E6-99A5-574766FE31A0}"/>
               </a:ext>
             </a:extLst>
           </p:cNvPr>
@@ -13992,17 +20044,17 @@
         </p:blipFill>
         <p:spPr>
           <a:xfrm>
-            <a:off x="948017" y="1615520"/>
-            <a:ext cx="1966666" cy="1966666"/>
+            <a:off x="953188" y="1690688"/>
+            <a:ext cx="1652280" cy="1652280"/>
           </a:xfrm>
         </p:spPr>
       </p:pic>
       <p:pic>
         <p:nvPicPr>
-          <p:cNvPr id="8" name="Picture 7">
+          <p:cNvPr id="11" name="Picture 10" descr="A picture containing tennis, racket, outdoor&#10;&#10;Description generated with very high confidence">
             <a:extLst>
               <a:ext uri="{FF2B5EF4-FFF2-40B4-BE49-F238E27FC236}">
-                <a16:creationId xmlns:a16="http://schemas.microsoft.com/office/drawing/2014/main" id="{A866A830-5B29-4552-A5A2-FB2B3D0C96D4}"/>
+                <a16:creationId xmlns:a16="http://schemas.microsoft.com/office/drawing/2014/main" id="{D63291BE-98E9-425F-82AC-3CDAE0F55CE1}"/>
               </a:ext>
             </a:extLst>
           </p:cNvPr>
@@ -14019,8 +20071,8 @@
         </p:blipFill>
         <p:spPr>
           <a:xfrm>
-            <a:off x="5242201" y="3755657"/>
-            <a:ext cx="1996632" cy="1996632"/>
+            <a:off x="2687880" y="1690688"/>
+            <a:ext cx="1652280" cy="1652280"/>
           </a:xfrm>
           <a:prstGeom prst="rect">
             <a:avLst/>
@@ -14029,10 +20081,40 @@
       </p:pic>
       <p:pic>
         <p:nvPicPr>
-          <p:cNvPr id="10" name="Picture 9" descr="A picture containing tennis, racket&#10;&#10;Description generated with high confidence">
+          <p:cNvPr id="15" name="Picture 14" descr="A picture containing tennis, racket, outdoor&#10;&#10;Description generated with very high confidence">
             <a:extLst>
               <a:ext uri="{FF2B5EF4-FFF2-40B4-BE49-F238E27FC236}">
-                <a16:creationId xmlns:a16="http://schemas.microsoft.com/office/drawing/2014/main" id="{17A14D30-C508-4871-8A2C-F95A7AF4DDC5}"/>
+                <a16:creationId xmlns:a16="http://schemas.microsoft.com/office/drawing/2014/main" id="{7B2E7025-D8A0-4E13-A590-67F37E4095FD}"/>
+              </a:ext>
+            </a:extLst>
+          </p:cNvPr>
+          <p:cNvPicPr>
+            <a:picLocks noChangeAspect="1"/>
+          </p:cNvPicPr>
+          <p:nvPr/>
+        </p:nvPicPr>
+        <p:blipFill>
+          <a:blip r:embed="rId3"/>
+          <a:stretch>
+            <a:fillRect/>
+          </a:stretch>
+        </p:blipFill>
+        <p:spPr>
+          <a:xfrm>
+            <a:off x="4422571" y="1696986"/>
+            <a:ext cx="1645981" cy="1645981"/>
+          </a:xfrm>
+          <a:prstGeom prst="rect">
+            <a:avLst/>
+          </a:prstGeom>
+        </p:spPr>
+      </p:pic>
+      <p:pic>
+        <p:nvPicPr>
+          <p:cNvPr id="18" name="Picture 17" descr="A picture containing tennis, racket, bicycle&#10;&#10;Description generated with very high confidence">
+            <a:extLst>
+              <a:ext uri="{FF2B5EF4-FFF2-40B4-BE49-F238E27FC236}">
+                <a16:creationId xmlns:a16="http://schemas.microsoft.com/office/drawing/2014/main" id="{79E93625-0807-4D80-8A07-04B8C84BD056}"/>
               </a:ext>
             </a:extLst>
           </p:cNvPr>
@@ -14049,8 +20131,8 @@
         </p:blipFill>
         <p:spPr>
           <a:xfrm>
-            <a:off x="3089366" y="1600536"/>
-            <a:ext cx="1996633" cy="1996633"/>
+            <a:off x="6150963" y="1696986"/>
+            <a:ext cx="1645982" cy="1645982"/>
           </a:xfrm>
           <a:prstGeom prst="rect">
             <a:avLst/>
@@ -14059,10 +20141,10 @@
       </p:pic>
       <p:pic>
         <p:nvPicPr>
-          <p:cNvPr id="12" name="Picture 11" descr="A picture containing racket, tennis, bicycle&#10;&#10;Description generated with high confidence">
+          <p:cNvPr id="20" name="Picture 19" descr="A picture containing tennis, racket&#10;&#10;Description generated with very high confidence">
             <a:extLst>
               <a:ext uri="{FF2B5EF4-FFF2-40B4-BE49-F238E27FC236}">
-                <a16:creationId xmlns:a16="http://schemas.microsoft.com/office/drawing/2014/main" id="{88B19FA0-DDF1-4E0C-AD1E-3711FB974161}"/>
+                <a16:creationId xmlns:a16="http://schemas.microsoft.com/office/drawing/2014/main" id="{05F05C04-2920-4EC2-A5B3-7BC80C875FC9}"/>
               </a:ext>
             </a:extLst>
           </p:cNvPr>
@@ -14079,8 +20161,8 @@
         </p:blipFill>
         <p:spPr>
           <a:xfrm>
-            <a:off x="5242201" y="1615519"/>
-            <a:ext cx="1966666" cy="1966666"/>
+            <a:off x="7879355" y="1690688"/>
+            <a:ext cx="1652280" cy="1652280"/>
           </a:xfrm>
           <a:prstGeom prst="rect">
             <a:avLst/>
@@ -14089,10 +20171,10 @@
       </p:pic>
       <p:pic>
         <p:nvPicPr>
-          <p:cNvPr id="14" name="Picture 13">
+          <p:cNvPr id="22" name="Picture 21" descr="A picture containing tennis, racket&#10;&#10;Description generated with very high confidence">
             <a:extLst>
               <a:ext uri="{FF2B5EF4-FFF2-40B4-BE49-F238E27FC236}">
-                <a16:creationId xmlns:a16="http://schemas.microsoft.com/office/drawing/2014/main" id="{39C1B572-17D2-4081-8E43-36385BC70B8E}"/>
+                <a16:creationId xmlns:a16="http://schemas.microsoft.com/office/drawing/2014/main" id="{536D2521-7CE5-46C1-93CC-A8889A307564}"/>
               </a:ext>
             </a:extLst>
           </p:cNvPr>
@@ -14109,8 +20191,8 @@
         </p:blipFill>
         <p:spPr>
           <a:xfrm>
-            <a:off x="7365069" y="1615519"/>
-            <a:ext cx="1966666" cy="1966666"/>
+            <a:off x="9607747" y="1690688"/>
+            <a:ext cx="1652280" cy="1652280"/>
           </a:xfrm>
           <a:prstGeom prst="rect">
             <a:avLst/>
@@ -14119,10 +20201,10 @@
       </p:pic>
       <p:pic>
         <p:nvPicPr>
-          <p:cNvPr id="16" name="Picture 15" descr="A close up of a speaker&#10;&#10;Description generated with high confidence">
+          <p:cNvPr id="24" name="Picture 23" descr="A picture containing person, tennis&#10;&#10;Description generated with high confidence">
             <a:extLst>
               <a:ext uri="{FF2B5EF4-FFF2-40B4-BE49-F238E27FC236}">
-                <a16:creationId xmlns:a16="http://schemas.microsoft.com/office/drawing/2014/main" id="{583A1505-62D6-40C5-B47C-FAC6B9EE0344}"/>
+                <a16:creationId xmlns:a16="http://schemas.microsoft.com/office/drawing/2014/main" id="{76C86CA0-80E8-4A6A-B322-613F9B738FA2}"/>
               </a:ext>
             </a:extLst>
           </p:cNvPr>
@@ -14139,8 +20221,8 @@
         </p:blipFill>
         <p:spPr>
           <a:xfrm>
-            <a:off x="9466984" y="1615520"/>
-            <a:ext cx="1996633" cy="1996633"/>
+            <a:off x="5273009" y="3615812"/>
+            <a:ext cx="1645981" cy="1645981"/>
           </a:xfrm>
           <a:prstGeom prst="rect">
             <a:avLst/>
@@ -14178,7 +20260,7 @@
                             </p:stCondLst>
                             <p:childTnLst>
                               <p:par>
-                                <p:cTn id="5" presetID="42" presetClass="entr" presetSubtype="0" fill="hold" nodeType="clickEffect">
+                                <p:cTn id="5" presetID="16" presetClass="entr" presetSubtype="21" fill="hold" nodeType="clickEffect">
                                   <p:stCondLst>
                                     <p:cond delay="0"/>
                                   </p:stCondLst>
@@ -14191,7 +20273,272 @@
                                           </p:stCondLst>
                                         </p:cTn>
                                         <p:tgtEl>
-                                          <p:spTgt spid="10"/>
+                                          <p:spTgt spid="11"/>
+                                        </p:tgtEl>
+                                        <p:attrNameLst>
+                                          <p:attrName>style.visibility</p:attrName>
+                                        </p:attrNameLst>
+                                      </p:cBhvr>
+                                      <p:to>
+                                        <p:strVal val="visible"/>
+                                      </p:to>
+                                    </p:set>
+                                    <p:animEffect transition="in" filter="barn(inVertical)">
+                                      <p:cBhvr>
+                                        <p:cTn id="7" dur="500"/>
+                                        <p:tgtEl>
+                                          <p:spTgt spid="11"/>
+                                        </p:tgtEl>
+                                      </p:cBhvr>
+                                    </p:animEffect>
+                                  </p:childTnLst>
+                                </p:cTn>
+                              </p:par>
+                            </p:childTnLst>
+                          </p:cTn>
+                        </p:par>
+                      </p:childTnLst>
+                    </p:cTn>
+                  </p:par>
+                  <p:par>
+                    <p:cTn id="8" fill="hold">
+                      <p:stCondLst>
+                        <p:cond delay="indefinite"/>
+                      </p:stCondLst>
+                      <p:childTnLst>
+                        <p:par>
+                          <p:cTn id="9" fill="hold">
+                            <p:stCondLst>
+                              <p:cond delay="0"/>
+                            </p:stCondLst>
+                            <p:childTnLst>
+                              <p:par>
+                                <p:cTn id="10" presetID="16" presetClass="entr" presetSubtype="21" fill="hold" nodeType="clickEffect">
+                                  <p:stCondLst>
+                                    <p:cond delay="0"/>
+                                  </p:stCondLst>
+                                  <p:childTnLst>
+                                    <p:set>
+                                      <p:cBhvr>
+                                        <p:cTn id="11" dur="1" fill="hold">
+                                          <p:stCondLst>
+                                            <p:cond delay="0"/>
+                                          </p:stCondLst>
+                                        </p:cTn>
+                                        <p:tgtEl>
+                                          <p:spTgt spid="15"/>
+                                        </p:tgtEl>
+                                        <p:attrNameLst>
+                                          <p:attrName>style.visibility</p:attrName>
+                                        </p:attrNameLst>
+                                      </p:cBhvr>
+                                      <p:to>
+                                        <p:strVal val="visible"/>
+                                      </p:to>
+                                    </p:set>
+                                    <p:animEffect transition="in" filter="barn(inVertical)">
+                                      <p:cBhvr>
+                                        <p:cTn id="12" dur="500"/>
+                                        <p:tgtEl>
+                                          <p:spTgt spid="15"/>
+                                        </p:tgtEl>
+                                      </p:cBhvr>
+                                    </p:animEffect>
+                                  </p:childTnLst>
+                                </p:cTn>
+                              </p:par>
+                            </p:childTnLst>
+                          </p:cTn>
+                        </p:par>
+                      </p:childTnLst>
+                    </p:cTn>
+                  </p:par>
+                  <p:par>
+                    <p:cTn id="13" fill="hold">
+                      <p:stCondLst>
+                        <p:cond delay="indefinite"/>
+                      </p:stCondLst>
+                      <p:childTnLst>
+                        <p:par>
+                          <p:cTn id="14" fill="hold">
+                            <p:stCondLst>
+                              <p:cond delay="0"/>
+                            </p:stCondLst>
+                            <p:childTnLst>
+                              <p:par>
+                                <p:cTn id="15" presetID="16" presetClass="entr" presetSubtype="21" fill="hold" nodeType="clickEffect">
+                                  <p:stCondLst>
+                                    <p:cond delay="0"/>
+                                  </p:stCondLst>
+                                  <p:childTnLst>
+                                    <p:set>
+                                      <p:cBhvr>
+                                        <p:cTn id="16" dur="1" fill="hold">
+                                          <p:stCondLst>
+                                            <p:cond delay="0"/>
+                                          </p:stCondLst>
+                                        </p:cTn>
+                                        <p:tgtEl>
+                                          <p:spTgt spid="18"/>
+                                        </p:tgtEl>
+                                        <p:attrNameLst>
+                                          <p:attrName>style.visibility</p:attrName>
+                                        </p:attrNameLst>
+                                      </p:cBhvr>
+                                      <p:to>
+                                        <p:strVal val="visible"/>
+                                      </p:to>
+                                    </p:set>
+                                    <p:animEffect transition="in" filter="barn(inVertical)">
+                                      <p:cBhvr>
+                                        <p:cTn id="17" dur="500"/>
+                                        <p:tgtEl>
+                                          <p:spTgt spid="18"/>
+                                        </p:tgtEl>
+                                      </p:cBhvr>
+                                    </p:animEffect>
+                                  </p:childTnLst>
+                                </p:cTn>
+                              </p:par>
+                            </p:childTnLst>
+                          </p:cTn>
+                        </p:par>
+                      </p:childTnLst>
+                    </p:cTn>
+                  </p:par>
+                  <p:par>
+                    <p:cTn id="18" fill="hold">
+                      <p:stCondLst>
+                        <p:cond delay="indefinite"/>
+                      </p:stCondLst>
+                      <p:childTnLst>
+                        <p:par>
+                          <p:cTn id="19" fill="hold">
+                            <p:stCondLst>
+                              <p:cond delay="0"/>
+                            </p:stCondLst>
+                            <p:childTnLst>
+                              <p:par>
+                                <p:cTn id="20" presetID="16" presetClass="entr" presetSubtype="21" fill="hold" nodeType="clickEffect">
+                                  <p:stCondLst>
+                                    <p:cond delay="0"/>
+                                  </p:stCondLst>
+                                  <p:childTnLst>
+                                    <p:set>
+                                      <p:cBhvr>
+                                        <p:cTn id="21" dur="1" fill="hold">
+                                          <p:stCondLst>
+                                            <p:cond delay="0"/>
+                                          </p:stCondLst>
+                                        </p:cTn>
+                                        <p:tgtEl>
+                                          <p:spTgt spid="20"/>
+                                        </p:tgtEl>
+                                        <p:attrNameLst>
+                                          <p:attrName>style.visibility</p:attrName>
+                                        </p:attrNameLst>
+                                      </p:cBhvr>
+                                      <p:to>
+                                        <p:strVal val="visible"/>
+                                      </p:to>
+                                    </p:set>
+                                    <p:animEffect transition="in" filter="barn(inVertical)">
+                                      <p:cBhvr>
+                                        <p:cTn id="22" dur="500"/>
+                                        <p:tgtEl>
+                                          <p:spTgt spid="20"/>
+                                        </p:tgtEl>
+                                      </p:cBhvr>
+                                    </p:animEffect>
+                                  </p:childTnLst>
+                                </p:cTn>
+                              </p:par>
+                            </p:childTnLst>
+                          </p:cTn>
+                        </p:par>
+                      </p:childTnLst>
+                    </p:cTn>
+                  </p:par>
+                  <p:par>
+                    <p:cTn id="23" fill="hold">
+                      <p:stCondLst>
+                        <p:cond delay="indefinite"/>
+                      </p:stCondLst>
+                      <p:childTnLst>
+                        <p:par>
+                          <p:cTn id="24" fill="hold">
+                            <p:stCondLst>
+                              <p:cond delay="0"/>
+                            </p:stCondLst>
+                            <p:childTnLst>
+                              <p:par>
+                                <p:cTn id="25" presetID="16" presetClass="entr" presetSubtype="21" fill="hold" nodeType="clickEffect">
+                                  <p:stCondLst>
+                                    <p:cond delay="0"/>
+                                  </p:stCondLst>
+                                  <p:childTnLst>
+                                    <p:set>
+                                      <p:cBhvr>
+                                        <p:cTn id="26" dur="1" fill="hold">
+                                          <p:stCondLst>
+                                            <p:cond delay="0"/>
+                                          </p:stCondLst>
+                                        </p:cTn>
+                                        <p:tgtEl>
+                                          <p:spTgt spid="22"/>
+                                        </p:tgtEl>
+                                        <p:attrNameLst>
+                                          <p:attrName>style.visibility</p:attrName>
+                                        </p:attrNameLst>
+                                      </p:cBhvr>
+                                      <p:to>
+                                        <p:strVal val="visible"/>
+                                      </p:to>
+                                    </p:set>
+                                    <p:animEffect transition="in" filter="barn(inVertical)">
+                                      <p:cBhvr>
+                                        <p:cTn id="27" dur="500"/>
+                                        <p:tgtEl>
+                                          <p:spTgt spid="22"/>
+                                        </p:tgtEl>
+                                      </p:cBhvr>
+                                    </p:animEffect>
+                                  </p:childTnLst>
+                                </p:cTn>
+                              </p:par>
+                            </p:childTnLst>
+                          </p:cTn>
+                        </p:par>
+                      </p:childTnLst>
+                    </p:cTn>
+                  </p:par>
+                  <p:par>
+                    <p:cTn id="28" fill="hold">
+                      <p:stCondLst>
+                        <p:cond delay="indefinite"/>
+                      </p:stCondLst>
+                      <p:childTnLst>
+                        <p:par>
+                          <p:cTn id="29" fill="hold">
+                            <p:stCondLst>
+                              <p:cond delay="0"/>
+                            </p:stCondLst>
+                            <p:childTnLst>
+                              <p:par>
+                                <p:cTn id="30" presetID="42" presetClass="entr" presetSubtype="0" fill="hold" nodeType="clickEffect">
+                                  <p:stCondLst>
+                                    <p:cond delay="0"/>
+                                  </p:stCondLst>
+                                  <p:childTnLst>
+                                    <p:set>
+                                      <p:cBhvr>
+                                        <p:cTn id="31" dur="1" fill="hold">
+                                          <p:stCondLst>
+                                            <p:cond delay="0"/>
+                                          </p:stCondLst>
+                                        </p:cTn>
+                                        <p:tgtEl>
+                                          <p:spTgt spid="24"/>
                                         </p:tgtEl>
                                         <p:attrNameLst>
                                           <p:attrName>style.visibility</p:attrName>
@@ -14203,17 +20550,17 @@
                                     </p:set>
                                     <p:animEffect transition="in" filter="fade">
                                       <p:cBhvr>
-                                        <p:cTn id="7" dur="1000"/>
+                                        <p:cTn id="32" dur="1000"/>
                                         <p:tgtEl>
-                                          <p:spTgt spid="10"/>
+                                          <p:spTgt spid="24"/>
                                         </p:tgtEl>
                                       </p:cBhvr>
                                     </p:animEffect>
                                     <p:anim calcmode="lin" valueType="num">
                                       <p:cBhvr>
-                                        <p:cTn id="8" dur="1000" fill="hold"/>
+                                        <p:cTn id="33" dur="1000" fill="hold"/>
                                         <p:tgtEl>
-                                          <p:spTgt spid="10"/>
+                                          <p:spTgt spid="24"/>
                                         </p:tgtEl>
                                         <p:attrNameLst>
                                           <p:attrName>ppt_x</p:attrName>
@@ -14234,405 +20581,9 @@
                                     </p:anim>
                                     <p:anim calcmode="lin" valueType="num">
                                       <p:cBhvr>
-                                        <p:cTn id="9" dur="1000" fill="hold"/>
+                                        <p:cTn id="34" dur="1000" fill="hold"/>
                                         <p:tgtEl>
-                                          <p:spTgt spid="10"/>
-                                        </p:tgtEl>
-                                        <p:attrNameLst>
-                                          <p:attrName>ppt_y</p:attrName>
-                                        </p:attrNameLst>
-                                      </p:cBhvr>
-                                      <p:tavLst>
-                                        <p:tav tm="0">
-                                          <p:val>
-                                            <p:strVal val="#ppt_y+.1"/>
-                                          </p:val>
-                                        </p:tav>
-                                        <p:tav tm="100000">
-                                          <p:val>
-                                            <p:strVal val="#ppt_y"/>
-                                          </p:val>
-                                        </p:tav>
-                                      </p:tavLst>
-                                    </p:anim>
-                                  </p:childTnLst>
-                                </p:cTn>
-                              </p:par>
-                            </p:childTnLst>
-                          </p:cTn>
-                        </p:par>
-                      </p:childTnLst>
-                    </p:cTn>
-                  </p:par>
-                  <p:par>
-                    <p:cTn id="10" fill="hold">
-                      <p:stCondLst>
-                        <p:cond delay="indefinite"/>
-                      </p:stCondLst>
-                      <p:childTnLst>
-                        <p:par>
-                          <p:cTn id="11" fill="hold">
-                            <p:stCondLst>
-                              <p:cond delay="0"/>
-                            </p:stCondLst>
-                            <p:childTnLst>
-                              <p:par>
-                                <p:cTn id="12" presetID="42" presetClass="entr" presetSubtype="0" fill="hold" nodeType="clickEffect">
-                                  <p:stCondLst>
-                                    <p:cond delay="0"/>
-                                  </p:stCondLst>
-                                  <p:childTnLst>
-                                    <p:set>
-                                      <p:cBhvr>
-                                        <p:cTn id="13" dur="1" fill="hold">
-                                          <p:stCondLst>
-                                            <p:cond delay="0"/>
-                                          </p:stCondLst>
-                                        </p:cTn>
-                                        <p:tgtEl>
-                                          <p:spTgt spid="12"/>
-                                        </p:tgtEl>
-                                        <p:attrNameLst>
-                                          <p:attrName>style.visibility</p:attrName>
-                                        </p:attrNameLst>
-                                      </p:cBhvr>
-                                      <p:to>
-                                        <p:strVal val="visible"/>
-                                      </p:to>
-                                    </p:set>
-                                    <p:animEffect transition="in" filter="fade">
-                                      <p:cBhvr>
-                                        <p:cTn id="14" dur="1000"/>
-                                        <p:tgtEl>
-                                          <p:spTgt spid="12"/>
-                                        </p:tgtEl>
-                                      </p:cBhvr>
-                                    </p:animEffect>
-                                    <p:anim calcmode="lin" valueType="num">
-                                      <p:cBhvr>
-                                        <p:cTn id="15" dur="1000" fill="hold"/>
-                                        <p:tgtEl>
-                                          <p:spTgt spid="12"/>
-                                        </p:tgtEl>
-                                        <p:attrNameLst>
-                                          <p:attrName>ppt_x</p:attrName>
-                                        </p:attrNameLst>
-                                      </p:cBhvr>
-                                      <p:tavLst>
-                                        <p:tav tm="0">
-                                          <p:val>
-                                            <p:strVal val="#ppt_x"/>
-                                          </p:val>
-                                        </p:tav>
-                                        <p:tav tm="100000">
-                                          <p:val>
-                                            <p:strVal val="#ppt_x"/>
-                                          </p:val>
-                                        </p:tav>
-                                      </p:tavLst>
-                                    </p:anim>
-                                    <p:anim calcmode="lin" valueType="num">
-                                      <p:cBhvr>
-                                        <p:cTn id="16" dur="1000" fill="hold"/>
-                                        <p:tgtEl>
-                                          <p:spTgt spid="12"/>
-                                        </p:tgtEl>
-                                        <p:attrNameLst>
-                                          <p:attrName>ppt_y</p:attrName>
-                                        </p:attrNameLst>
-                                      </p:cBhvr>
-                                      <p:tavLst>
-                                        <p:tav tm="0">
-                                          <p:val>
-                                            <p:strVal val="#ppt_y+.1"/>
-                                          </p:val>
-                                        </p:tav>
-                                        <p:tav tm="100000">
-                                          <p:val>
-                                            <p:strVal val="#ppt_y"/>
-                                          </p:val>
-                                        </p:tav>
-                                      </p:tavLst>
-                                    </p:anim>
-                                  </p:childTnLst>
-                                </p:cTn>
-                              </p:par>
-                            </p:childTnLst>
-                          </p:cTn>
-                        </p:par>
-                      </p:childTnLst>
-                    </p:cTn>
-                  </p:par>
-                  <p:par>
-                    <p:cTn id="17" fill="hold">
-                      <p:stCondLst>
-                        <p:cond delay="indefinite"/>
-                      </p:stCondLst>
-                      <p:childTnLst>
-                        <p:par>
-                          <p:cTn id="18" fill="hold">
-                            <p:stCondLst>
-                              <p:cond delay="0"/>
-                            </p:stCondLst>
-                            <p:childTnLst>
-                              <p:par>
-                                <p:cTn id="19" presetID="42" presetClass="entr" presetSubtype="0" fill="hold" nodeType="clickEffect">
-                                  <p:stCondLst>
-                                    <p:cond delay="0"/>
-                                  </p:stCondLst>
-                                  <p:childTnLst>
-                                    <p:set>
-                                      <p:cBhvr>
-                                        <p:cTn id="20" dur="1" fill="hold">
-                                          <p:stCondLst>
-                                            <p:cond delay="0"/>
-                                          </p:stCondLst>
-                                        </p:cTn>
-                                        <p:tgtEl>
-                                          <p:spTgt spid="14"/>
-                                        </p:tgtEl>
-                                        <p:attrNameLst>
-                                          <p:attrName>style.visibility</p:attrName>
-                                        </p:attrNameLst>
-                                      </p:cBhvr>
-                                      <p:to>
-                                        <p:strVal val="visible"/>
-                                      </p:to>
-                                    </p:set>
-                                    <p:animEffect transition="in" filter="fade">
-                                      <p:cBhvr>
-                                        <p:cTn id="21" dur="1000"/>
-                                        <p:tgtEl>
-                                          <p:spTgt spid="14"/>
-                                        </p:tgtEl>
-                                      </p:cBhvr>
-                                    </p:animEffect>
-                                    <p:anim calcmode="lin" valueType="num">
-                                      <p:cBhvr>
-                                        <p:cTn id="22" dur="1000" fill="hold"/>
-                                        <p:tgtEl>
-                                          <p:spTgt spid="14"/>
-                                        </p:tgtEl>
-                                        <p:attrNameLst>
-                                          <p:attrName>ppt_x</p:attrName>
-                                        </p:attrNameLst>
-                                      </p:cBhvr>
-                                      <p:tavLst>
-                                        <p:tav tm="0">
-                                          <p:val>
-                                            <p:strVal val="#ppt_x"/>
-                                          </p:val>
-                                        </p:tav>
-                                        <p:tav tm="100000">
-                                          <p:val>
-                                            <p:strVal val="#ppt_x"/>
-                                          </p:val>
-                                        </p:tav>
-                                      </p:tavLst>
-                                    </p:anim>
-                                    <p:anim calcmode="lin" valueType="num">
-                                      <p:cBhvr>
-                                        <p:cTn id="23" dur="1000" fill="hold"/>
-                                        <p:tgtEl>
-                                          <p:spTgt spid="14"/>
-                                        </p:tgtEl>
-                                        <p:attrNameLst>
-                                          <p:attrName>ppt_y</p:attrName>
-                                        </p:attrNameLst>
-                                      </p:cBhvr>
-                                      <p:tavLst>
-                                        <p:tav tm="0">
-                                          <p:val>
-                                            <p:strVal val="#ppt_y+.1"/>
-                                          </p:val>
-                                        </p:tav>
-                                        <p:tav tm="100000">
-                                          <p:val>
-                                            <p:strVal val="#ppt_y"/>
-                                          </p:val>
-                                        </p:tav>
-                                      </p:tavLst>
-                                    </p:anim>
-                                  </p:childTnLst>
-                                </p:cTn>
-                              </p:par>
-                            </p:childTnLst>
-                          </p:cTn>
-                        </p:par>
-                      </p:childTnLst>
-                    </p:cTn>
-                  </p:par>
-                  <p:par>
-                    <p:cTn id="24" fill="hold">
-                      <p:stCondLst>
-                        <p:cond delay="indefinite"/>
-                      </p:stCondLst>
-                      <p:childTnLst>
-                        <p:par>
-                          <p:cTn id="25" fill="hold">
-                            <p:stCondLst>
-                              <p:cond delay="0"/>
-                            </p:stCondLst>
-                            <p:childTnLst>
-                              <p:par>
-                                <p:cTn id="26" presetID="42" presetClass="entr" presetSubtype="0" fill="hold" nodeType="clickEffect">
-                                  <p:stCondLst>
-                                    <p:cond delay="0"/>
-                                  </p:stCondLst>
-                                  <p:childTnLst>
-                                    <p:set>
-                                      <p:cBhvr>
-                                        <p:cTn id="27" dur="1" fill="hold">
-                                          <p:stCondLst>
-                                            <p:cond delay="0"/>
-                                          </p:stCondLst>
-                                        </p:cTn>
-                                        <p:tgtEl>
-                                          <p:spTgt spid="16"/>
-                                        </p:tgtEl>
-                                        <p:attrNameLst>
-                                          <p:attrName>style.visibility</p:attrName>
-                                        </p:attrNameLst>
-                                      </p:cBhvr>
-                                      <p:to>
-                                        <p:strVal val="visible"/>
-                                      </p:to>
-                                    </p:set>
-                                    <p:animEffect transition="in" filter="fade">
-                                      <p:cBhvr>
-                                        <p:cTn id="28" dur="1000"/>
-                                        <p:tgtEl>
-                                          <p:spTgt spid="16"/>
-                                        </p:tgtEl>
-                                      </p:cBhvr>
-                                    </p:animEffect>
-                                    <p:anim calcmode="lin" valueType="num">
-                                      <p:cBhvr>
-                                        <p:cTn id="29" dur="1000" fill="hold"/>
-                                        <p:tgtEl>
-                                          <p:spTgt spid="16"/>
-                                        </p:tgtEl>
-                                        <p:attrNameLst>
-                                          <p:attrName>ppt_x</p:attrName>
-                                        </p:attrNameLst>
-                                      </p:cBhvr>
-                                      <p:tavLst>
-                                        <p:tav tm="0">
-                                          <p:val>
-                                            <p:strVal val="#ppt_x"/>
-                                          </p:val>
-                                        </p:tav>
-                                        <p:tav tm="100000">
-                                          <p:val>
-                                            <p:strVal val="#ppt_x"/>
-                                          </p:val>
-                                        </p:tav>
-                                      </p:tavLst>
-                                    </p:anim>
-                                    <p:anim calcmode="lin" valueType="num">
-                                      <p:cBhvr>
-                                        <p:cTn id="30" dur="1000" fill="hold"/>
-                                        <p:tgtEl>
-                                          <p:spTgt spid="16"/>
-                                        </p:tgtEl>
-                                        <p:attrNameLst>
-                                          <p:attrName>ppt_y</p:attrName>
-                                        </p:attrNameLst>
-                                      </p:cBhvr>
-                                      <p:tavLst>
-                                        <p:tav tm="0">
-                                          <p:val>
-                                            <p:strVal val="#ppt_y+.1"/>
-                                          </p:val>
-                                        </p:tav>
-                                        <p:tav tm="100000">
-                                          <p:val>
-                                            <p:strVal val="#ppt_y"/>
-                                          </p:val>
-                                        </p:tav>
-                                      </p:tavLst>
-                                    </p:anim>
-                                  </p:childTnLst>
-                                </p:cTn>
-                              </p:par>
-                            </p:childTnLst>
-                          </p:cTn>
-                        </p:par>
-                      </p:childTnLst>
-                    </p:cTn>
-                  </p:par>
-                  <p:par>
-                    <p:cTn id="31" fill="hold">
-                      <p:stCondLst>
-                        <p:cond delay="indefinite"/>
-                      </p:stCondLst>
-                      <p:childTnLst>
-                        <p:par>
-                          <p:cTn id="32" fill="hold">
-                            <p:stCondLst>
-                              <p:cond delay="0"/>
-                            </p:stCondLst>
-                            <p:childTnLst>
-                              <p:par>
-                                <p:cTn id="33" presetID="42" presetClass="entr" presetSubtype="0" fill="hold" nodeType="clickEffect">
-                                  <p:stCondLst>
-                                    <p:cond delay="0"/>
-                                  </p:stCondLst>
-                                  <p:childTnLst>
-                                    <p:set>
-                                      <p:cBhvr>
-                                        <p:cTn id="34" dur="1" fill="hold">
-                                          <p:stCondLst>
-                                            <p:cond delay="0"/>
-                                          </p:stCondLst>
-                                        </p:cTn>
-                                        <p:tgtEl>
-                                          <p:spTgt spid="8"/>
-                                        </p:tgtEl>
-                                        <p:attrNameLst>
-                                          <p:attrName>style.visibility</p:attrName>
-                                        </p:attrNameLst>
-                                      </p:cBhvr>
-                                      <p:to>
-                                        <p:strVal val="visible"/>
-                                      </p:to>
-                                    </p:set>
-                                    <p:animEffect transition="in" filter="fade">
-                                      <p:cBhvr>
-                                        <p:cTn id="35" dur="1000"/>
-                                        <p:tgtEl>
-                                          <p:spTgt spid="8"/>
-                                        </p:tgtEl>
-                                      </p:cBhvr>
-                                    </p:animEffect>
-                                    <p:anim calcmode="lin" valueType="num">
-                                      <p:cBhvr>
-                                        <p:cTn id="36" dur="1000" fill="hold"/>
-                                        <p:tgtEl>
-                                          <p:spTgt spid="8"/>
-                                        </p:tgtEl>
-                                        <p:attrNameLst>
-                                          <p:attrName>ppt_x</p:attrName>
-                                        </p:attrNameLst>
-                                      </p:cBhvr>
-                                      <p:tavLst>
-                                        <p:tav tm="0">
-                                          <p:val>
-                                            <p:strVal val="#ppt_x"/>
-                                          </p:val>
-                                        </p:tav>
-                                        <p:tav tm="100000">
-                                          <p:val>
-                                            <p:strVal val="#ppt_x"/>
-                                          </p:val>
-                                        </p:tav>
-                                      </p:tavLst>
-                                    </p:anim>
-                                    <p:anim calcmode="lin" valueType="num">
-                                      <p:cBhvr>
-                                        <p:cTn id="37" dur="1000" fill="hold"/>
-                                        <p:tgtEl>
-                                          <p:spTgt spid="8"/>
+                                          <p:spTgt spid="24"/>
                                         </p:tgtEl>
                                         <p:attrNameLst>
                                           <p:attrName>ppt_y</p:attrName>
@@ -14688,6 +20639,17 @@
 <file path=ppt/slides/slide8.xml><?xml version="1.0" encoding="utf-8"?>
 <p:sld xmlns:a="http://schemas.openxmlformats.org/drawingml/2006/main" xmlns:r="http://schemas.openxmlformats.org/officeDocument/2006/relationships" xmlns:p="http://schemas.openxmlformats.org/presentationml/2006/main">
   <p:cSld>
+    <p:bg>
+      <p:bgPr>
+        <a:solidFill>
+          <a:schemeClr val="bg1">
+            <a:tint val="95000"/>
+            <a:satMod val="170000"/>
+          </a:schemeClr>
+        </a:solidFill>
+        <a:effectLst/>
+      </p:bgPr>
+    </p:bg>
     <p:spTree>
       <p:nvGrpSpPr>
         <p:cNvPr id="1" name=""/>
@@ -14704,6 +20666,398 @@
       </p:grpSpPr>
       <p:sp>
         <p:nvSpPr>
+          <p:cNvPr id="13" name="Rectangle 12">
+            <a:extLst>
+              <a:ext uri="{FF2B5EF4-FFF2-40B4-BE49-F238E27FC236}">
+                <a16:creationId xmlns:a16="http://schemas.microsoft.com/office/drawing/2014/main" id="{FC2D2803-67A9-4406-BE75-362E94394A04}"/>
+              </a:ext>
+              <a:ext uri="{C183D7F6-B498-43B3-948B-1728B52AA6E4}">
+                <adec:decorative xmlns:adec="http://schemas.microsoft.com/office/drawing/2017/decorative" val="1"/>
+              </a:ext>
+            </a:extLst>
+          </p:cNvPr>
+          <p:cNvSpPr>
+            <a:spLocks noGrp="1" noRot="1" noChangeAspect="1" noMove="1" noResize="1" noEditPoints="1" noAdjustHandles="1" noChangeArrowheads="1" noChangeShapeType="1" noTextEdit="1"/>
+          </p:cNvSpPr>
+          <p:nvPr>
+            <p:extLst>
+              <p:ext uri="{386F3935-93C4-4BCD-93E2-E3B085C9AB24}">
+                <p16:designElem xmlns:p16="http://schemas.microsoft.com/office/powerpoint/2015/main" val="1"/>
+              </p:ext>
+            </p:extLst>
+          </p:nvPr>
+        </p:nvSpPr>
+        <p:spPr>
+          <a:xfrm>
+            <a:off x="1524" y="-1004"/>
+            <a:ext cx="12188952" cy="6860008"/>
+          </a:xfrm>
+          <a:prstGeom prst="rect">
+            <a:avLst/>
+          </a:prstGeom>
+          <a:solidFill>
+            <a:schemeClr val="tx1"/>
+          </a:solidFill>
+          <a:ln>
+            <a:noFill/>
+          </a:ln>
+        </p:spPr>
+        <p:style>
+          <a:lnRef idx="2">
+            <a:schemeClr val="accent1">
+              <a:shade val="50000"/>
+            </a:schemeClr>
+          </a:lnRef>
+          <a:fillRef idx="1">
+            <a:schemeClr val="accent1"/>
+          </a:fillRef>
+          <a:effectRef idx="0">
+            <a:schemeClr val="accent1"/>
+          </a:effectRef>
+          <a:fontRef idx="minor">
+            <a:schemeClr val="lt1"/>
+          </a:fontRef>
+        </p:style>
+        <p:txBody>
+          <a:bodyPr rtlCol="0" anchor="ctr"/>
+          <a:lstStyle/>
+          <a:p>
+            <a:pPr algn="ctr"/>
+            <a:endParaRPr lang="en-US"/>
+          </a:p>
+        </p:txBody>
+      </p:sp>
+      <p:sp>
+        <p:nvSpPr>
+          <p:cNvPr id="15" name="Freeform: Shape 14">
+            <a:extLst>
+              <a:ext uri="{FF2B5EF4-FFF2-40B4-BE49-F238E27FC236}">
+                <a16:creationId xmlns:a16="http://schemas.microsoft.com/office/drawing/2014/main" id="{E25621CF-FD9B-4BC3-9ECC-36CAF62103D0}"/>
+              </a:ext>
+              <a:ext uri="{C183D7F6-B498-43B3-948B-1728B52AA6E4}">
+                <adec:decorative xmlns:adec="http://schemas.microsoft.com/office/drawing/2017/decorative" val="1"/>
+              </a:ext>
+            </a:extLst>
+          </p:cNvPr>
+          <p:cNvSpPr>
+            <a:spLocks noGrp="1" noRot="1" noChangeAspect="1" noMove="1" noResize="1" noEditPoints="1" noAdjustHandles="1" noChangeArrowheads="1" noChangeShapeType="1" noTextEdit="1"/>
+          </p:cNvSpPr>
+          <p:nvPr>
+            <p:extLst>
+              <p:ext uri="{386F3935-93C4-4BCD-93E2-E3B085C9AB24}">
+                <p16:designElem xmlns:p16="http://schemas.microsoft.com/office/powerpoint/2015/main" val="1"/>
+              </p:ext>
+            </p:extLst>
+          </p:nvPr>
+        </p:nvSpPr>
+        <p:spPr>
+          <a:xfrm flipH="1">
+            <a:off x="0" y="0"/>
+            <a:ext cx="6172782" cy="6858000"/>
+          </a:xfrm>
+          <a:custGeom>
+            <a:avLst/>
+            <a:gdLst>
+              <a:gd name="connsiteX0" fmla="*/ 6172782 w 6172782"/>
+              <a:gd name="connsiteY0" fmla="*/ 0 h 6858000"/>
+              <a:gd name="connsiteX1" fmla="*/ 69075 w 6172782"/>
+              <a:gd name="connsiteY1" fmla="*/ 0 h 6858000"/>
+              <a:gd name="connsiteX2" fmla="*/ 35131 w 6172782"/>
+              <a:gd name="connsiteY2" fmla="*/ 267128 h 6858000"/>
+              <a:gd name="connsiteX3" fmla="*/ 0 w 6172782"/>
+              <a:gd name="connsiteY3" fmla="*/ 962845 h 6858000"/>
+              <a:gd name="connsiteX4" fmla="*/ 3276103 w 6172782"/>
+              <a:gd name="connsiteY4" fmla="*/ 6782205 h 6858000"/>
+              <a:gd name="connsiteX5" fmla="*/ 3407923 w 6172782"/>
+              <a:gd name="connsiteY5" fmla="*/ 6858000 h 6858000"/>
+              <a:gd name="connsiteX6" fmla="*/ 6172782 w 6172782"/>
+              <a:gd name="connsiteY6" fmla="*/ 6858000 h 6858000"/>
+            </a:gdLst>
+            <a:ahLst/>
+            <a:cxnLst>
+              <a:cxn ang="0">
+                <a:pos x="connsiteX0" y="connsiteY0"/>
+              </a:cxn>
+              <a:cxn ang="0">
+                <a:pos x="connsiteX1" y="connsiteY1"/>
+              </a:cxn>
+              <a:cxn ang="0">
+                <a:pos x="connsiteX2" y="connsiteY2"/>
+              </a:cxn>
+              <a:cxn ang="0">
+                <a:pos x="connsiteX3" y="connsiteY3"/>
+              </a:cxn>
+              <a:cxn ang="0">
+                <a:pos x="connsiteX4" y="connsiteY4"/>
+              </a:cxn>
+              <a:cxn ang="0">
+                <a:pos x="connsiteX5" y="connsiteY5"/>
+              </a:cxn>
+              <a:cxn ang="0">
+                <a:pos x="connsiteX6" y="connsiteY6"/>
+              </a:cxn>
+            </a:cxnLst>
+            <a:rect l="l" t="t" r="r" b="b"/>
+            <a:pathLst>
+              <a:path w="6172782" h="6858000">
+                <a:moveTo>
+                  <a:pt x="6172782" y="0"/>
+                </a:moveTo>
+                <a:lnTo>
+                  <a:pt x="69075" y="0"/>
+                </a:lnTo>
+                <a:lnTo>
+                  <a:pt x="35131" y="267128"/>
+                </a:lnTo>
+                <a:cubicBezTo>
+                  <a:pt x="11901" y="495874"/>
+                  <a:pt x="0" y="727970"/>
+                  <a:pt x="0" y="962845"/>
+                </a:cubicBezTo>
+                <a:cubicBezTo>
+                  <a:pt x="0" y="3429034"/>
+                  <a:pt x="1312002" y="5588789"/>
+                  <a:pt x="3276103" y="6782205"/>
+                </a:cubicBezTo>
+                <a:lnTo>
+                  <a:pt x="3407923" y="6858000"/>
+                </a:lnTo>
+                <a:lnTo>
+                  <a:pt x="6172782" y="6858000"/>
+                </a:lnTo>
+                <a:close/>
+              </a:path>
+            </a:pathLst>
+          </a:custGeom>
+          <a:solidFill>
+            <a:schemeClr val="bg1">
+              <a:alpha val="60000"/>
+            </a:schemeClr>
+          </a:solidFill>
+          <a:ln>
+            <a:noFill/>
+          </a:ln>
+        </p:spPr>
+        <p:style>
+          <a:lnRef idx="2">
+            <a:schemeClr val="accent1">
+              <a:shade val="50000"/>
+            </a:schemeClr>
+          </a:lnRef>
+          <a:fillRef idx="1">
+            <a:schemeClr val="accent1"/>
+          </a:fillRef>
+          <a:effectRef idx="0">
+            <a:schemeClr val="accent1"/>
+          </a:effectRef>
+          <a:fontRef idx="minor">
+            <a:schemeClr val="lt1"/>
+          </a:fontRef>
+        </p:style>
+        <p:txBody>
+          <a:bodyPr wrap="square" rtlCol="0" anchor="ctr">
+            <a:noAutofit/>
+          </a:bodyPr>
+          <a:lstStyle/>
+          <a:p>
+            <a:pPr marL="0" marR="0" lvl="0" indent="0" algn="ctr" defTabSz="914400" rtl="0" eaLnBrk="1" fontAlgn="auto" latinLnBrk="0" hangingPunct="1">
+              <a:lnSpc>
+                <a:spcPct val="100000"/>
+              </a:lnSpc>
+              <a:spcBef>
+                <a:spcPts val="0"/>
+              </a:spcBef>
+              <a:spcAft>
+                <a:spcPts val="0"/>
+              </a:spcAft>
+              <a:buClrTx/>
+              <a:buSzTx/>
+              <a:buFontTx/>
+              <a:buNone/>
+              <a:tabLst/>
+              <a:defRPr/>
+            </a:pPr>
+            <a:endParaRPr kumimoji="0" lang="en-US" sz="1800" b="0" i="0" u="none" strike="noStrike" kern="1200" cap="none" spc="0" normalizeH="0" baseline="0" noProof="0">
+              <a:ln>
+                <a:noFill/>
+              </a:ln>
+              <a:solidFill>
+                <a:prstClr val="white"/>
+              </a:solidFill>
+              <a:effectLst/>
+              <a:uLnTx/>
+              <a:uFillTx/>
+              <a:latin typeface="Calibri" panose="020F0502020204030204"/>
+              <a:ea typeface="+mn-ea"/>
+              <a:cs typeface="+mn-cs"/>
+            </a:endParaRPr>
+          </a:p>
+        </p:txBody>
+      </p:sp>
+      <p:sp useBgFill="1">
+        <p:nvSpPr>
+          <p:cNvPr id="17" name="Freeform: Shape 16">
+            <a:extLst>
+              <a:ext uri="{FF2B5EF4-FFF2-40B4-BE49-F238E27FC236}">
+                <a16:creationId xmlns:a16="http://schemas.microsoft.com/office/drawing/2014/main" id="{C80C3A2E-251A-4505-B1B8-C85CBF21F384}"/>
+              </a:ext>
+              <a:ext uri="{C183D7F6-B498-43B3-948B-1728B52AA6E4}">
+                <adec:decorative xmlns:adec="http://schemas.microsoft.com/office/drawing/2017/decorative" val="1"/>
+              </a:ext>
+            </a:extLst>
+          </p:cNvPr>
+          <p:cNvSpPr>
+            <a:spLocks noGrp="1" noRot="1" noChangeAspect="1" noMove="1" noResize="1" noEditPoints="1" noAdjustHandles="1" noChangeArrowheads="1" noChangeShapeType="1" noTextEdit="1"/>
+          </p:cNvSpPr>
+          <p:nvPr>
+            <p:extLst>
+              <p:ext uri="{386F3935-93C4-4BCD-93E2-E3B085C9AB24}">
+                <p16:designElem xmlns:p16="http://schemas.microsoft.com/office/powerpoint/2015/main" val="1"/>
+              </p:ext>
+            </p:extLst>
+          </p:nvPr>
+        </p:nvSpPr>
+        <p:spPr>
+          <a:xfrm>
+            <a:off x="0" y="0"/>
+            <a:ext cx="6024154" cy="6858000"/>
+          </a:xfrm>
+          <a:custGeom>
+            <a:avLst/>
+            <a:gdLst>
+              <a:gd name="connsiteX0" fmla="*/ 0 w 6024154"/>
+              <a:gd name="connsiteY0" fmla="*/ 0 h 6858000"/>
+              <a:gd name="connsiteX1" fmla="*/ 5953780 w 6024154"/>
+              <a:gd name="connsiteY1" fmla="*/ 0 h 6858000"/>
+              <a:gd name="connsiteX2" fmla="*/ 5989880 w 6024154"/>
+              <a:gd name="connsiteY2" fmla="*/ 284091 h 6858000"/>
+              <a:gd name="connsiteX3" fmla="*/ 6024154 w 6024154"/>
+              <a:gd name="connsiteY3" fmla="*/ 962844 h 6858000"/>
+              <a:gd name="connsiteX4" fmla="*/ 2549934 w 6024154"/>
+              <a:gd name="connsiteY4" fmla="*/ 6800152 h 6858000"/>
+              <a:gd name="connsiteX5" fmla="*/ 2436987 w 6024154"/>
+              <a:gd name="connsiteY5" fmla="*/ 6858000 h 6858000"/>
+              <a:gd name="connsiteX6" fmla="*/ 0 w 6024154"/>
+              <a:gd name="connsiteY6" fmla="*/ 6858000 h 6858000"/>
+            </a:gdLst>
+            <a:ahLst/>
+            <a:cxnLst>
+              <a:cxn ang="0">
+                <a:pos x="connsiteX0" y="connsiteY0"/>
+              </a:cxn>
+              <a:cxn ang="0">
+                <a:pos x="connsiteX1" y="connsiteY1"/>
+              </a:cxn>
+              <a:cxn ang="0">
+                <a:pos x="connsiteX2" y="connsiteY2"/>
+              </a:cxn>
+              <a:cxn ang="0">
+                <a:pos x="connsiteX3" y="connsiteY3"/>
+              </a:cxn>
+              <a:cxn ang="0">
+                <a:pos x="connsiteX4" y="connsiteY4"/>
+              </a:cxn>
+              <a:cxn ang="0">
+                <a:pos x="connsiteX5" y="connsiteY5"/>
+              </a:cxn>
+              <a:cxn ang="0">
+                <a:pos x="connsiteX6" y="connsiteY6"/>
+              </a:cxn>
+            </a:cxnLst>
+            <a:rect l="l" t="t" r="r" b="b"/>
+            <a:pathLst>
+              <a:path w="6024154" h="6858000">
+                <a:moveTo>
+                  <a:pt x="0" y="0"/>
+                </a:moveTo>
+                <a:lnTo>
+                  <a:pt x="5953780" y="0"/>
+                </a:lnTo>
+                <a:lnTo>
+                  <a:pt x="5989880" y="284091"/>
+                </a:lnTo>
+                <a:cubicBezTo>
+                  <a:pt x="6012544" y="507260"/>
+                  <a:pt x="6024154" y="733696"/>
+                  <a:pt x="6024154" y="962844"/>
+                </a:cubicBezTo>
+                <a:cubicBezTo>
+                  <a:pt x="6024154" y="3483472"/>
+                  <a:pt x="4619336" y="5675986"/>
+                  <a:pt x="2549934" y="6800152"/>
+                </a:cubicBezTo>
+                <a:lnTo>
+                  <a:pt x="2436987" y="6858000"/>
+                </a:lnTo>
+                <a:lnTo>
+                  <a:pt x="0" y="6858000"/>
+                </a:lnTo>
+                <a:close/>
+              </a:path>
+            </a:pathLst>
+          </a:custGeom>
+          <a:ln>
+            <a:noFill/>
+          </a:ln>
+        </p:spPr>
+        <p:style>
+          <a:lnRef idx="2">
+            <a:schemeClr val="accent1">
+              <a:shade val="50000"/>
+            </a:schemeClr>
+          </a:lnRef>
+          <a:fillRef idx="1">
+            <a:schemeClr val="accent1"/>
+          </a:fillRef>
+          <a:effectRef idx="0">
+            <a:schemeClr val="accent1"/>
+          </a:effectRef>
+          <a:fontRef idx="minor">
+            <a:schemeClr val="lt1"/>
+          </a:fontRef>
+        </p:style>
+        <p:txBody>
+          <a:bodyPr wrap="square" rtlCol="0" anchor="ctr">
+            <a:noAutofit/>
+          </a:bodyPr>
+          <a:lstStyle/>
+          <a:p>
+            <a:pPr marL="0" marR="0" lvl="0" indent="0" algn="ctr" defTabSz="914400" rtl="0" eaLnBrk="1" fontAlgn="auto" latinLnBrk="0" hangingPunct="1">
+              <a:lnSpc>
+                <a:spcPct val="100000"/>
+              </a:lnSpc>
+              <a:spcBef>
+                <a:spcPts val="0"/>
+              </a:spcBef>
+              <a:spcAft>
+                <a:spcPts val="0"/>
+              </a:spcAft>
+              <a:buClrTx/>
+              <a:buSzTx/>
+              <a:buFontTx/>
+              <a:buNone/>
+              <a:tabLst/>
+              <a:defRPr/>
+            </a:pPr>
+            <a:endParaRPr kumimoji="0" lang="en-US" sz="1800" b="0" i="0" u="none" strike="noStrike" kern="1200" cap="none" spc="0" normalizeH="0" baseline="0" noProof="0">
+              <a:ln>
+                <a:noFill/>
+              </a:ln>
+              <a:solidFill>
+                <a:prstClr val="white"/>
+              </a:solidFill>
+              <a:effectLst/>
+              <a:uLnTx/>
+              <a:uFillTx/>
+              <a:latin typeface="Calibri" panose="020F0502020204030204"/>
+              <a:ea typeface="+mn-ea"/>
+              <a:cs typeface="+mn-cs"/>
+            </a:endParaRPr>
+          </a:p>
+        </p:txBody>
+      </p:sp>
+      <p:sp>
+        <p:nvSpPr>
           <p:cNvPr id="2" name="Title 1">
             <a:extLst>
               <a:ext uri="{FF2B5EF4-FFF2-40B4-BE49-F238E27FC236}">
@@ -14718,12 +21072,23 @@
             <p:ph type="title"/>
           </p:nvPr>
         </p:nvSpPr>
-        <p:spPr/>
+        <p:spPr>
+          <a:xfrm>
+            <a:off x="750242" y="632990"/>
+            <a:ext cx="4062643" cy="1043409"/>
+          </a:xfrm>
+        </p:spPr>
         <p:txBody>
-          <a:bodyPr/>
+          <a:bodyPr>
+            <a:normAutofit/>
+          </a:bodyPr>
           <a:lstStyle/>
           <a:p>
-            <a:endParaRPr lang="en-IN" dirty="0"/>
+            <a:r>
+              <a:rPr lang="en-US" sz="3600"/>
+              <a:t>Results</a:t>
+            </a:r>
+            <a:endParaRPr lang="en-IN" sz="3600"/>
           </a:p>
         </p:txBody>
       </p:sp>
@@ -14743,19 +21108,359 @@
             <p:ph idx="1"/>
           </p:nvPr>
         </p:nvSpPr>
-        <p:spPr/>
+        <p:spPr>
+          <a:xfrm>
+            <a:off x="750243" y="1774371"/>
+            <a:ext cx="3821758" cy="3197679"/>
+          </a:xfrm>
+        </p:spPr>
         <p:txBody>
-          <a:bodyPr/>
+          <a:bodyPr anchor="t">
+            <a:normAutofit/>
+          </a:bodyPr>
           <a:lstStyle/>
           <a:p>
-            <a:endParaRPr lang="en-IN"/>
+            <a:r>
+              <a:rPr lang="en-US" sz="1800"/>
+              <a:t>As we can see, the error constantly decreases upto a point and then maintains itself and is fairly constant over a period of time. This is inspite of having such bad starting model which has shift errors as well as orientation errors. </a:t>
+            </a:r>
+            <a:endParaRPr lang="en-IN" sz="1800"/>
           </a:p>
         </p:txBody>
       </p:sp>
+      <p:pic>
+        <p:nvPicPr>
+          <p:cNvPr id="8" name="Picture 7" descr="A close up of a mans face&#10;&#10;Description generated with high confidence">
+            <a:extLst>
+              <a:ext uri="{FF2B5EF4-FFF2-40B4-BE49-F238E27FC236}">
+                <a16:creationId xmlns:a16="http://schemas.microsoft.com/office/drawing/2014/main" id="{B92A94F1-01C4-4F40-A14F-503B97303C6C}"/>
+              </a:ext>
+            </a:extLst>
+          </p:cNvPr>
+          <p:cNvPicPr>
+            <a:picLocks noChangeAspect="1"/>
+          </p:cNvPicPr>
+          <p:nvPr/>
+        </p:nvPicPr>
+        <p:blipFill>
+          <a:blip r:embed="rId2"/>
+          <a:stretch>
+            <a:fillRect/>
+          </a:stretch>
+        </p:blipFill>
+        <p:spPr>
+          <a:xfrm>
+            <a:off x="6828827" y="1884534"/>
+            <a:ext cx="4448774" cy="3336581"/>
+          </a:xfrm>
+          <a:prstGeom prst="rect">
+            <a:avLst/>
+          </a:prstGeom>
+        </p:spPr>
+      </p:pic>
     </p:spTree>
     <p:extLst>
       <p:ext uri="{BB962C8B-B14F-4D97-AF65-F5344CB8AC3E}">
         <p14:creationId xmlns:p14="http://schemas.microsoft.com/office/powerpoint/2010/main" val="282218400"/>
+      </p:ext>
+    </p:extLst>
+  </p:cSld>
+  <p:clrMapOvr>
+    <a:overrideClrMapping bg1="dk1" tx1="lt1" bg2="dk2" tx2="lt2" accent1="accent1" accent2="accent2" accent3="accent3" accent4="accent4" accent5="accent5" accent6="accent6" hlink="hlink" folHlink="folHlink"/>
+  </p:clrMapOvr>
+</p:sld>
+</file>
+
+<file path=ppt/slides/slide9.xml><?xml version="1.0" encoding="utf-8"?>
+<p:sld xmlns:a="http://schemas.openxmlformats.org/drawingml/2006/main" xmlns:r="http://schemas.openxmlformats.org/officeDocument/2006/relationships" xmlns:p="http://schemas.openxmlformats.org/presentationml/2006/main">
+  <p:cSld>
+    <p:bg>
+      <p:bgPr>
+        <a:solidFill>
+          <a:schemeClr val="bg1"/>
+        </a:solidFill>
+        <a:effectLst/>
+      </p:bgPr>
+    </p:bg>
+    <p:spTree>
+      <p:nvGrpSpPr>
+        <p:cNvPr id="1" name=""/>
+        <p:cNvGrpSpPr/>
+        <p:nvPr/>
+      </p:nvGrpSpPr>
+      <p:grpSpPr>
+        <a:xfrm>
+          <a:off x="0" y="0"/>
+          <a:ext cx="0" cy="0"/>
+          <a:chOff x="0" y="0"/>
+          <a:chExt cx="0" cy="0"/>
+        </a:xfrm>
+      </p:grpSpPr>
+      <p:sp>
+        <p:nvSpPr>
+          <p:cNvPr id="10" name="Rectangle 9">
+            <a:extLst>
+              <a:ext uri="{FF2B5EF4-FFF2-40B4-BE49-F238E27FC236}">
+                <a16:creationId xmlns:a16="http://schemas.microsoft.com/office/drawing/2014/main" id="{BE95D989-81FA-4BAD-9AD5-E46CEDA91B36}"/>
+              </a:ext>
+              <a:ext uri="{C183D7F6-B498-43B3-948B-1728B52AA6E4}">
+                <adec:decorative xmlns:adec="http://schemas.microsoft.com/office/drawing/2017/decorative" val="1"/>
+              </a:ext>
+            </a:extLst>
+          </p:cNvPr>
+          <p:cNvSpPr>
+            <a:spLocks noGrp="1" noRot="1" noChangeAspect="1" noMove="1" noResize="1" noEditPoints="1" noAdjustHandles="1" noChangeArrowheads="1" noChangeShapeType="1" noTextEdit="1"/>
+          </p:cNvSpPr>
+          <p:nvPr>
+            <p:extLst>
+              <p:ext uri="{386F3935-93C4-4BCD-93E2-E3B085C9AB24}">
+                <p16:designElem xmlns:p16="http://schemas.microsoft.com/office/powerpoint/2015/main" val="1"/>
+              </p:ext>
+            </p:extLst>
+          </p:nvPr>
+        </p:nvSpPr>
+        <p:spPr>
+          <a:xfrm>
+            <a:off x="0" y="0"/>
+            <a:ext cx="4654293" cy="6858000"/>
+          </a:xfrm>
+          <a:prstGeom prst="rect">
+            <a:avLst/>
+          </a:prstGeom>
+          <a:solidFill>
+            <a:srgbClr val="404040"/>
+          </a:solidFill>
+          <a:ln>
+            <a:noFill/>
+          </a:ln>
+        </p:spPr>
+        <p:style>
+          <a:lnRef idx="2">
+            <a:schemeClr val="accent1">
+              <a:shade val="50000"/>
+            </a:schemeClr>
+          </a:lnRef>
+          <a:fillRef idx="1">
+            <a:schemeClr val="accent1"/>
+          </a:fillRef>
+          <a:effectRef idx="0">
+            <a:schemeClr val="accent1"/>
+          </a:effectRef>
+          <a:fontRef idx="minor">
+            <a:schemeClr val="lt1"/>
+          </a:fontRef>
+        </p:style>
+        <p:txBody>
+          <a:bodyPr rtlCol="0" anchor="ctr"/>
+          <a:lstStyle/>
+          <a:p>
+            <a:pPr marL="0" marR="0" lvl="0" indent="0" algn="ctr" defTabSz="914400" rtl="0" eaLnBrk="1" fontAlgn="auto" latinLnBrk="0" hangingPunct="1">
+              <a:lnSpc>
+                <a:spcPct val="100000"/>
+              </a:lnSpc>
+              <a:spcBef>
+                <a:spcPts val="0"/>
+              </a:spcBef>
+              <a:spcAft>
+                <a:spcPts val="0"/>
+              </a:spcAft>
+              <a:buClrTx/>
+              <a:buSzTx/>
+              <a:buFontTx/>
+              <a:buNone/>
+              <a:tabLst/>
+              <a:defRPr/>
+            </a:pPr>
+            <a:endParaRPr kumimoji="0" lang="en-US" sz="1800" b="0" i="0" u="none" strike="noStrike" kern="1200" cap="none" spc="0" normalizeH="0" baseline="0" noProof="0">
+              <a:ln>
+                <a:noFill/>
+              </a:ln>
+              <a:solidFill>
+                <a:prstClr val="white"/>
+              </a:solidFill>
+              <a:effectLst/>
+              <a:uLnTx/>
+              <a:uFillTx/>
+              <a:latin typeface="Calibri" panose="020F0502020204030204"/>
+              <a:ea typeface="+mn-ea"/>
+              <a:cs typeface="+mn-cs"/>
+            </a:endParaRPr>
+          </a:p>
+        </p:txBody>
+      </p:sp>
+      <p:sp>
+        <p:nvSpPr>
+          <p:cNvPr id="2" name="Title 1">
+            <a:extLst>
+              <a:ext uri="{FF2B5EF4-FFF2-40B4-BE49-F238E27FC236}">
+                <a16:creationId xmlns:a16="http://schemas.microsoft.com/office/drawing/2014/main" id="{F3DFA63C-4860-4A2C-8D3F-719F5A7571DC}"/>
+              </a:ext>
+            </a:extLst>
+          </p:cNvPr>
+          <p:cNvSpPr>
+            <a:spLocks noGrp="1"/>
+          </p:cNvSpPr>
+          <p:nvPr>
+            <p:ph type="title"/>
+          </p:nvPr>
+        </p:nvSpPr>
+        <p:spPr>
+          <a:xfrm>
+            <a:off x="838200" y="811161"/>
+            <a:ext cx="3335594" cy="5403370"/>
+          </a:xfrm>
+        </p:spPr>
+        <p:txBody>
+          <a:bodyPr>
+            <a:normAutofit/>
+          </a:bodyPr>
+          <a:lstStyle/>
+          <a:p>
+            <a:r>
+              <a:rPr lang="en-US">
+                <a:solidFill>
+                  <a:srgbClr val="FFFFFF"/>
+                </a:solidFill>
+              </a:rPr>
+              <a:t>Other work done</a:t>
+            </a:r>
+            <a:endParaRPr lang="en-IN">
+              <a:solidFill>
+                <a:srgbClr val="FFFFFF"/>
+              </a:solidFill>
+            </a:endParaRPr>
+          </a:p>
+        </p:txBody>
+      </p:sp>
+      <p:sp>
+        <p:nvSpPr>
+          <p:cNvPr id="12" name="Rectangle 11">
+            <a:extLst>
+              <a:ext uri="{FF2B5EF4-FFF2-40B4-BE49-F238E27FC236}">
+                <a16:creationId xmlns:a16="http://schemas.microsoft.com/office/drawing/2014/main" id="{156189E5-8A3E-4CFD-B71B-CCD0F8495E56}"/>
+              </a:ext>
+              <a:ext uri="{C183D7F6-B498-43B3-948B-1728B52AA6E4}">
+                <adec:decorative xmlns:adec="http://schemas.microsoft.com/office/drawing/2017/decorative" val="1"/>
+              </a:ext>
+            </a:extLst>
+          </p:cNvPr>
+          <p:cNvSpPr>
+            <a:spLocks noGrp="1" noRot="1" noChangeAspect="1" noMove="1" noResize="1" noEditPoints="1" noAdjustHandles="1" noChangeArrowheads="1" noChangeShapeType="1" noTextEdit="1"/>
+          </p:cNvSpPr>
+          <p:nvPr>
+            <p:extLst>
+              <p:ext uri="{386F3935-93C4-4BCD-93E2-E3B085C9AB24}">
+                <p16:designElem xmlns:p16="http://schemas.microsoft.com/office/powerpoint/2015/main" val="1"/>
+              </p:ext>
+            </p:extLst>
+          </p:nvPr>
+        </p:nvSpPr>
+        <p:spPr>
+          <a:xfrm>
+            <a:off x="4654293" y="0"/>
+            <a:ext cx="142074" cy="6858000"/>
+          </a:xfrm>
+          <a:prstGeom prst="rect">
+            <a:avLst/>
+          </a:prstGeom>
+          <a:solidFill>
+            <a:schemeClr val="tx1">
+              <a:alpha val="20000"/>
+            </a:schemeClr>
+          </a:solidFill>
+          <a:ln>
+            <a:noFill/>
+          </a:ln>
+        </p:spPr>
+        <p:style>
+          <a:lnRef idx="2">
+            <a:schemeClr val="accent1">
+              <a:shade val="50000"/>
+            </a:schemeClr>
+          </a:lnRef>
+          <a:fillRef idx="1">
+            <a:schemeClr val="accent1"/>
+          </a:fillRef>
+          <a:effectRef idx="0">
+            <a:schemeClr val="accent1"/>
+          </a:effectRef>
+          <a:fontRef idx="minor">
+            <a:schemeClr val="lt1"/>
+          </a:fontRef>
+        </p:style>
+        <p:txBody>
+          <a:bodyPr rtlCol="0" anchor="ctr"/>
+          <a:lstStyle/>
+          <a:p>
+            <a:pPr marL="0" marR="0" lvl="0" indent="0" algn="ctr" defTabSz="914400" rtl="0" eaLnBrk="1" fontAlgn="auto" latinLnBrk="0" hangingPunct="1">
+              <a:lnSpc>
+                <a:spcPct val="100000"/>
+              </a:lnSpc>
+              <a:spcBef>
+                <a:spcPts val="0"/>
+              </a:spcBef>
+              <a:spcAft>
+                <a:spcPts val="0"/>
+              </a:spcAft>
+              <a:buClrTx/>
+              <a:buSzTx/>
+              <a:buFontTx/>
+              <a:buNone/>
+              <a:tabLst/>
+              <a:defRPr/>
+            </a:pPr>
+            <a:endParaRPr kumimoji="0" lang="en-US" sz="1800" b="0" i="0" u="none" strike="noStrike" kern="1200" cap="none" spc="0" normalizeH="0" baseline="0" noProof="0">
+              <a:ln>
+                <a:noFill/>
+              </a:ln>
+              <a:solidFill>
+                <a:prstClr val="white"/>
+              </a:solidFill>
+              <a:effectLst/>
+              <a:uLnTx/>
+              <a:uFillTx/>
+              <a:latin typeface="Calibri" panose="020F0502020204030204"/>
+              <a:ea typeface="+mn-ea"/>
+              <a:cs typeface="+mn-cs"/>
+            </a:endParaRPr>
+          </a:p>
+        </p:txBody>
+      </p:sp>
+      <p:graphicFrame>
+        <p:nvGraphicFramePr>
+          <p:cNvPr id="5" name="Content Placeholder 2">
+            <a:extLst>
+              <a:ext uri="{FF2B5EF4-FFF2-40B4-BE49-F238E27FC236}">
+                <a16:creationId xmlns:a16="http://schemas.microsoft.com/office/drawing/2014/main" id="{5A3CCAD7-B0DE-438A-89A6-B308B3ACD4D5}"/>
+              </a:ext>
+            </a:extLst>
+          </p:cNvPr>
+          <p:cNvGraphicFramePr>
+            <a:graphicFrameLocks noGrp="1"/>
+          </p:cNvGraphicFramePr>
+          <p:nvPr>
+            <p:ph idx="1"/>
+            <p:extLst>
+              <p:ext uri="{D42A27DB-BD31-4B8C-83A1-F6EECF244321}">
+                <p14:modId xmlns:p14="http://schemas.microsoft.com/office/powerpoint/2010/main" val="2877263228"/>
+              </p:ext>
+            </p:extLst>
+          </p:nvPr>
+        </p:nvGraphicFramePr>
+        <p:xfrm>
+          <a:off x="5459413" y="642938"/>
+          <a:ext cx="6089650" cy="5572125"/>
+        </p:xfrm>
+        <a:graphic>
+          <a:graphicData uri="http://schemas.openxmlformats.org/drawingml/2006/diagram">
+            <dgm:relIds xmlns:dgm="http://schemas.openxmlformats.org/drawingml/2006/diagram" xmlns:r="http://schemas.openxmlformats.org/officeDocument/2006/relationships" r:dm="rId2" r:lo="rId3" r:qs="rId4" r:cs="rId5"/>
+          </a:graphicData>
+        </a:graphic>
+      </p:graphicFrame>
+    </p:spTree>
+    <p:extLst>
+      <p:ext uri="{BB962C8B-B14F-4D97-AF65-F5344CB8AC3E}">
+        <p14:creationId xmlns:p14="http://schemas.microsoft.com/office/powerpoint/2010/main" val="238727178"/>
       </p:ext>
     </p:extLst>
   </p:cSld>
